--- a/R/AdvancedR/wk6/Working_with_texts.pptx
+++ b/R/AdvancedR/wk6/Working_with_texts.pptx
@@ -12,6 +12,17 @@
     <p:sldId id="305" r:id="rId6"/>
     <p:sldId id="306" r:id="rId7"/>
     <p:sldId id="307" r:id="rId8"/>
+    <p:sldId id="310" r:id="rId9"/>
+    <p:sldId id="312" r:id="rId10"/>
+    <p:sldId id="313" r:id="rId11"/>
+    <p:sldId id="309" r:id="rId12"/>
+    <p:sldId id="315" r:id="rId13"/>
+    <p:sldId id="316" r:id="rId14"/>
+    <p:sldId id="317" r:id="rId15"/>
+    <p:sldId id="319" r:id="rId16"/>
+    <p:sldId id="320" r:id="rId17"/>
+    <p:sldId id="321" r:id="rId18"/>
+    <p:sldId id="322" r:id="rId19"/>
   </p:sldIdLst>
   <p:sldSz cx="12192000" cy="6858000"/>
   <p:notesSz cx="6858000" cy="9144000"/>
@@ -267,7 +278,7 @@
           <a:p>
             <a:fld id="{0D601649-51A8-4219-BA9E-5B55B9948C88}" type="datetimeFigureOut">
               <a:rPr lang="en-CA" smtClean="0"/>
-              <a:t>2022-03-27</a:t>
+              <a:t>2022-04-03</a:t>
             </a:fld>
             <a:endParaRPr lang="en-CA" dirty="0"/>
           </a:p>
@@ -467,7 +478,7 @@
           <a:p>
             <a:fld id="{0D601649-51A8-4219-BA9E-5B55B9948C88}" type="datetimeFigureOut">
               <a:rPr lang="en-CA" smtClean="0"/>
-              <a:t>2022-03-27</a:t>
+              <a:t>2022-04-03</a:t>
             </a:fld>
             <a:endParaRPr lang="en-CA" dirty="0"/>
           </a:p>
@@ -677,7 +688,7 @@
           <a:p>
             <a:fld id="{0D601649-51A8-4219-BA9E-5B55B9948C88}" type="datetimeFigureOut">
               <a:rPr lang="en-CA" smtClean="0"/>
-              <a:t>2022-03-27</a:t>
+              <a:t>2022-04-03</a:t>
             </a:fld>
             <a:endParaRPr lang="en-CA" dirty="0"/>
           </a:p>
@@ -877,7 +888,7 @@
           <a:p>
             <a:fld id="{0D601649-51A8-4219-BA9E-5B55B9948C88}" type="datetimeFigureOut">
               <a:rPr lang="en-CA" smtClean="0"/>
-              <a:t>2022-03-27</a:t>
+              <a:t>2022-04-03</a:t>
             </a:fld>
             <a:endParaRPr lang="en-CA" dirty="0"/>
           </a:p>
@@ -1153,7 +1164,7 @@
           <a:p>
             <a:fld id="{0D601649-51A8-4219-BA9E-5B55B9948C88}" type="datetimeFigureOut">
               <a:rPr lang="en-CA" smtClean="0"/>
-              <a:t>2022-03-27</a:t>
+              <a:t>2022-04-03</a:t>
             </a:fld>
             <a:endParaRPr lang="en-CA" dirty="0"/>
           </a:p>
@@ -1421,7 +1432,7 @@
           <a:p>
             <a:fld id="{0D601649-51A8-4219-BA9E-5B55B9948C88}" type="datetimeFigureOut">
               <a:rPr lang="en-CA" smtClean="0"/>
-              <a:t>2022-03-27</a:t>
+              <a:t>2022-04-03</a:t>
             </a:fld>
             <a:endParaRPr lang="en-CA" dirty="0"/>
           </a:p>
@@ -1836,7 +1847,7 @@
           <a:p>
             <a:fld id="{0D601649-51A8-4219-BA9E-5B55B9948C88}" type="datetimeFigureOut">
               <a:rPr lang="en-CA" smtClean="0"/>
-              <a:t>2022-03-27</a:t>
+              <a:t>2022-04-03</a:t>
             </a:fld>
             <a:endParaRPr lang="en-CA" dirty="0"/>
           </a:p>
@@ -1978,7 +1989,7 @@
           <a:p>
             <a:fld id="{0D601649-51A8-4219-BA9E-5B55B9948C88}" type="datetimeFigureOut">
               <a:rPr lang="en-CA" smtClean="0"/>
-              <a:t>2022-03-27</a:t>
+              <a:t>2022-04-03</a:t>
             </a:fld>
             <a:endParaRPr lang="en-CA" dirty="0"/>
           </a:p>
@@ -2091,7 +2102,7 @@
           <a:p>
             <a:fld id="{0D601649-51A8-4219-BA9E-5B55B9948C88}" type="datetimeFigureOut">
               <a:rPr lang="en-CA" smtClean="0"/>
-              <a:t>2022-03-27</a:t>
+              <a:t>2022-04-03</a:t>
             </a:fld>
             <a:endParaRPr lang="en-CA" dirty="0"/>
           </a:p>
@@ -2404,7 +2415,7 @@
           <a:p>
             <a:fld id="{0D601649-51A8-4219-BA9E-5B55B9948C88}" type="datetimeFigureOut">
               <a:rPr lang="en-CA" smtClean="0"/>
-              <a:t>2022-03-27</a:t>
+              <a:t>2022-04-03</a:t>
             </a:fld>
             <a:endParaRPr lang="en-CA" dirty="0"/>
           </a:p>
@@ -2693,7 +2704,7 @@
           <a:p>
             <a:fld id="{0D601649-51A8-4219-BA9E-5B55B9948C88}" type="datetimeFigureOut">
               <a:rPr lang="en-CA" smtClean="0"/>
-              <a:t>2022-03-27</a:t>
+              <a:t>2022-04-03</a:t>
             </a:fld>
             <a:endParaRPr lang="en-CA" dirty="0"/>
           </a:p>
@@ -2936,7 +2947,7 @@
           <a:p>
             <a:fld id="{0D601649-51A8-4219-BA9E-5B55B9948C88}" type="datetimeFigureOut">
               <a:rPr lang="en-CA" smtClean="0"/>
-              <a:t>2022-03-27</a:t>
+              <a:t>2022-04-03</a:t>
             </a:fld>
             <a:endParaRPr lang="en-CA" dirty="0"/>
           </a:p>
@@ -3994,6 +4005,4895 @@
 </p:sld>
 </file>
 
+<file path=ppt/slides/slide10.xml><?xml version="1.0" encoding="utf-8"?>
+<p:sld xmlns:a="http://schemas.openxmlformats.org/drawingml/2006/main" xmlns:r="http://schemas.openxmlformats.org/officeDocument/2006/relationships" xmlns:p="http://schemas.openxmlformats.org/presentationml/2006/main">
+  <p:cSld>
+    <p:bg>
+      <p:bgPr>
+        <a:solidFill>
+          <a:schemeClr val="bg1"/>
+        </a:solidFill>
+        <a:effectLst/>
+      </p:bgPr>
+    </p:bg>
+    <p:spTree>
+      <p:nvGrpSpPr>
+        <p:cNvPr id="1" name=""/>
+        <p:cNvGrpSpPr/>
+        <p:nvPr/>
+      </p:nvGrpSpPr>
+      <p:grpSpPr>
+        <a:xfrm>
+          <a:off x="0" y="0"/>
+          <a:ext cx="0" cy="0"/>
+          <a:chOff x="0" y="0"/>
+          <a:chExt cx="0" cy="0"/>
+        </a:xfrm>
+      </p:grpSpPr>
+      <p:sp useBgFill="1">
+        <p:nvSpPr>
+          <p:cNvPr id="31" name="Rectangle 20">
+            <a:extLst>
+              <a:ext uri="{FF2B5EF4-FFF2-40B4-BE49-F238E27FC236}">
+                <a16:creationId xmlns:a16="http://schemas.microsoft.com/office/drawing/2014/main" id="{979E27D9-03C7-44E2-9FF8-15D0C8506AF7}"/>
+              </a:ext>
+              <a:ext uri="{C183D7F6-B498-43B3-948B-1728B52AA6E4}">
+                <adec:decorative xmlns:adec="http://schemas.microsoft.com/office/drawing/2017/decorative" val="1"/>
+              </a:ext>
+            </a:extLst>
+          </p:cNvPr>
+          <p:cNvSpPr>
+            <a:spLocks noGrp="1" noRot="1" noChangeAspect="1" noMove="1" noResize="1" noEditPoints="1" noAdjustHandles="1" noChangeArrowheads="1" noChangeShapeType="1" noTextEdit="1"/>
+          </p:cNvSpPr>
+          <p:nvPr>
+            <p:extLst>
+              <p:ext uri="{386F3935-93C4-4BCD-93E2-E3B085C9AB24}">
+                <p16:designElem xmlns:p16="http://schemas.microsoft.com/office/powerpoint/2015/main" val="1"/>
+              </p:ext>
+            </p:extLst>
+          </p:nvPr>
+        </p:nvSpPr>
+        <p:spPr>
+          <a:xfrm>
+            <a:off x="0" y="0"/>
+            <a:ext cx="12192000" cy="6858000"/>
+          </a:xfrm>
+          <a:prstGeom prst="rect">
+            <a:avLst/>
+          </a:prstGeom>
+          <a:ln w="12700" cap="flat" cmpd="sng" algn="ctr">
+            <a:noFill/>
+            <a:prstDash val="solid"/>
+            <a:miter lim="800000"/>
+          </a:ln>
+          <a:effectLst/>
+          <a:extLst>
+            <a:ext uri="{91240B29-F687-4F45-9708-019B960494DF}">
+              <a14:hiddenLine xmlns:a14="http://schemas.microsoft.com/office/drawing/2010/main" w="12700" cap="flat" cmpd="sng" algn="ctr">
+                <a:solidFill>
+                  <a:schemeClr val="accent1">
+                    <a:shade val="50000"/>
+                  </a:schemeClr>
+                </a:solidFill>
+                <a:prstDash val="solid"/>
+                <a:miter lim="800000"/>
+              </a14:hiddenLine>
+            </a:ext>
+          </a:extLst>
+        </p:spPr>
+        <p:style>
+          <a:lnRef idx="2">
+            <a:schemeClr val="accent1">
+              <a:shade val="50000"/>
+            </a:schemeClr>
+          </a:lnRef>
+          <a:fillRef idx="1">
+            <a:schemeClr val="accent1"/>
+          </a:fillRef>
+          <a:effectRef idx="0">
+            <a:schemeClr val="accent1"/>
+          </a:effectRef>
+          <a:fontRef idx="minor">
+            <a:schemeClr val="lt1"/>
+          </a:fontRef>
+        </p:style>
+        <p:txBody>
+          <a:bodyPr rtlCol="0" anchor="ctr"/>
+          <a:lstStyle/>
+          <a:p>
+            <a:pPr algn="ctr"/>
+            <a:endParaRPr lang="en-US" dirty="0"/>
+          </a:p>
+        </p:txBody>
+      </p:sp>
+      <p:sp>
+        <p:nvSpPr>
+          <p:cNvPr id="32" name="Rectangle 22">
+            <a:extLst>
+              <a:ext uri="{FF2B5EF4-FFF2-40B4-BE49-F238E27FC236}">
+                <a16:creationId xmlns:a16="http://schemas.microsoft.com/office/drawing/2014/main" id="{EEBF1590-3B36-48EE-A89D-3B6F3CB256AB}"/>
+              </a:ext>
+              <a:ext uri="{C183D7F6-B498-43B3-948B-1728B52AA6E4}">
+                <adec:decorative xmlns:adec="http://schemas.microsoft.com/office/drawing/2017/decorative" val="1"/>
+              </a:ext>
+            </a:extLst>
+          </p:cNvPr>
+          <p:cNvSpPr>
+            <a:spLocks noGrp="1" noRot="1" noChangeAspect="1" noMove="1" noResize="1" noEditPoints="1" noAdjustHandles="1" noChangeArrowheads="1" noChangeShapeType="1" noTextEdit="1"/>
+          </p:cNvSpPr>
+          <p:nvPr>
+            <p:extLst>
+              <p:ext uri="{386F3935-93C4-4BCD-93E2-E3B085C9AB24}">
+                <p16:designElem xmlns:p16="http://schemas.microsoft.com/office/powerpoint/2015/main" val="1"/>
+              </p:ext>
+            </p:extLst>
+          </p:nvPr>
+        </p:nvSpPr>
+        <p:spPr>
+          <a:xfrm rot="10800000" flipH="1">
+            <a:off x="0" y="6400799"/>
+            <a:ext cx="12192000" cy="456773"/>
+          </a:xfrm>
+          <a:prstGeom prst="rect">
+            <a:avLst/>
+          </a:prstGeom>
+          <a:gradFill>
+            <a:gsLst>
+              <a:gs pos="0">
+                <a:schemeClr val="accent1"/>
+              </a:gs>
+              <a:gs pos="100000">
+                <a:schemeClr val="accent1">
+                  <a:lumMod val="50000"/>
+                </a:schemeClr>
+              </a:gs>
+            </a:gsLst>
+            <a:lin ang="6600000" scaled="0"/>
+          </a:gradFill>
+          <a:ln>
+            <a:noFill/>
+          </a:ln>
+        </p:spPr>
+        <p:style>
+          <a:lnRef idx="2">
+            <a:schemeClr val="accent1">
+              <a:shade val="50000"/>
+            </a:schemeClr>
+          </a:lnRef>
+          <a:fillRef idx="1">
+            <a:schemeClr val="accent1"/>
+          </a:fillRef>
+          <a:effectRef idx="0">
+            <a:schemeClr val="accent1"/>
+          </a:effectRef>
+          <a:fontRef idx="minor">
+            <a:schemeClr val="lt1"/>
+          </a:fontRef>
+        </p:style>
+        <p:txBody>
+          <a:bodyPr rtlCol="0" anchor="ctr"/>
+          <a:lstStyle/>
+          <a:p>
+            <a:pPr algn="ctr"/>
+            <a:endParaRPr lang="en-US" dirty="0"/>
+          </a:p>
+        </p:txBody>
+      </p:sp>
+      <p:sp>
+        <p:nvSpPr>
+          <p:cNvPr id="33" name="Rectangle 24">
+            <a:extLst>
+              <a:ext uri="{FF2B5EF4-FFF2-40B4-BE49-F238E27FC236}">
+                <a16:creationId xmlns:a16="http://schemas.microsoft.com/office/drawing/2014/main" id="{AC8F6C8C-AB5A-4548-942D-E3FD40ACBC49}"/>
+              </a:ext>
+              <a:ext uri="{C183D7F6-B498-43B3-948B-1728B52AA6E4}">
+                <adec:decorative xmlns:adec="http://schemas.microsoft.com/office/drawing/2017/decorative" val="1"/>
+              </a:ext>
+            </a:extLst>
+          </p:cNvPr>
+          <p:cNvSpPr>
+            <a:spLocks noGrp="1" noRot="1" noChangeAspect="1" noMove="1" noResize="1" noEditPoints="1" noAdjustHandles="1" noChangeArrowheads="1" noChangeShapeType="1" noTextEdit="1"/>
+          </p:cNvSpPr>
+          <p:nvPr>
+            <p:extLst>
+              <p:ext uri="{386F3935-93C4-4BCD-93E2-E3B085C9AB24}">
+                <p16:designElem xmlns:p16="http://schemas.microsoft.com/office/powerpoint/2015/main" val="1"/>
+              </p:ext>
+            </p:extLst>
+          </p:nvPr>
+        </p:nvSpPr>
+        <p:spPr>
+          <a:xfrm flipH="1">
+            <a:off x="4038600" y="6400799"/>
+            <a:ext cx="8153398" cy="456772"/>
+          </a:xfrm>
+          <a:prstGeom prst="rect">
+            <a:avLst/>
+          </a:prstGeom>
+          <a:gradFill>
+            <a:gsLst>
+              <a:gs pos="0">
+                <a:srgbClr val="000000">
+                  <a:alpha val="76000"/>
+                </a:srgbClr>
+              </a:gs>
+              <a:gs pos="100000">
+                <a:schemeClr val="accent1"/>
+              </a:gs>
+            </a:gsLst>
+            <a:lin ang="17400000" scaled="0"/>
+          </a:gradFill>
+          <a:ln>
+            <a:noFill/>
+          </a:ln>
+        </p:spPr>
+        <p:style>
+          <a:lnRef idx="2">
+            <a:schemeClr val="accent1">
+              <a:shade val="50000"/>
+            </a:schemeClr>
+          </a:lnRef>
+          <a:fillRef idx="1">
+            <a:schemeClr val="accent1"/>
+          </a:fillRef>
+          <a:effectRef idx="0">
+            <a:schemeClr val="accent1"/>
+          </a:effectRef>
+          <a:fontRef idx="minor">
+            <a:schemeClr val="lt1"/>
+          </a:fontRef>
+        </p:style>
+        <p:txBody>
+          <a:bodyPr rtlCol="0" anchor="ctr"/>
+          <a:lstStyle/>
+          <a:p>
+            <a:pPr algn="ctr"/>
+            <a:endParaRPr lang="en-US" dirty="0"/>
+          </a:p>
+        </p:txBody>
+      </p:sp>
+      <p:pic>
+        <p:nvPicPr>
+          <p:cNvPr id="5" name="Content Placeholder 4" descr="Logo&#10;&#10;Description automatically generated with medium confidence">
+            <a:extLst>
+              <a:ext uri="{FF2B5EF4-FFF2-40B4-BE49-F238E27FC236}">
+                <a16:creationId xmlns:a16="http://schemas.microsoft.com/office/drawing/2014/main" id="{D45B6C06-472A-4FAF-ABFC-9E549C7F0B64}"/>
+              </a:ext>
+            </a:extLst>
+          </p:cNvPr>
+          <p:cNvPicPr>
+            <a:picLocks noGrp="1" noChangeAspect="1"/>
+          </p:cNvPicPr>
+          <p:nvPr>
+            <p:ph idx="1"/>
+          </p:nvPr>
+        </p:nvPicPr>
+        <p:blipFill>
+          <a:blip r:embed="rId2">
+            <a:extLst>
+              <a:ext uri="{28A0092B-C50C-407E-A947-70E740481C1C}">
+                <a14:useLocalDpi xmlns:a14="http://schemas.microsoft.com/office/drawing/2010/main" val="0"/>
+              </a:ext>
+            </a:extLst>
+          </a:blip>
+          <a:stretch>
+            <a:fillRect/>
+          </a:stretch>
+        </p:blipFill>
+        <p:spPr>
+          <a:xfrm>
+            <a:off x="10485000" y="96676"/>
+            <a:ext cx="1706998" cy="456772"/>
+          </a:xfrm>
+        </p:spPr>
+      </p:pic>
+      <p:sp>
+        <p:nvSpPr>
+          <p:cNvPr id="11" name="Title 1">
+            <a:extLst>
+              <a:ext uri="{FF2B5EF4-FFF2-40B4-BE49-F238E27FC236}">
+                <a16:creationId xmlns:a16="http://schemas.microsoft.com/office/drawing/2014/main" id="{014E4B23-84A4-4D28-8148-5DA1923358C3}"/>
+              </a:ext>
+            </a:extLst>
+          </p:cNvPr>
+          <p:cNvSpPr txBox="1">
+            <a:spLocks/>
+          </p:cNvSpPr>
+          <p:nvPr/>
+        </p:nvSpPr>
+        <p:spPr>
+          <a:xfrm>
+            <a:off x="0" y="38849"/>
+            <a:ext cx="8983300" cy="572425"/>
+          </a:xfrm>
+          <a:prstGeom prst="rect">
+            <a:avLst/>
+          </a:prstGeom>
+        </p:spPr>
+        <p:txBody>
+          <a:bodyPr vert="horz" lIns="91440" tIns="45720" rIns="91440" bIns="45720" rtlCol="0" anchor="ctr">
+            <a:normAutofit fontScale="90000" lnSpcReduction="20000"/>
+          </a:bodyPr>
+          <a:lstStyle>
+            <a:lvl1pPr algn="l" defTabSz="914400" rtl="0" eaLnBrk="1" latinLnBrk="0" hangingPunct="1">
+              <a:lnSpc>
+                <a:spcPct val="90000"/>
+              </a:lnSpc>
+              <a:spcBef>
+                <a:spcPct val="0"/>
+              </a:spcBef>
+              <a:buNone/>
+              <a:defRPr sz="4400" kern="1200">
+                <a:solidFill>
+                  <a:schemeClr val="tx1"/>
+                </a:solidFill>
+                <a:latin typeface="+mj-lt"/>
+                <a:ea typeface="+mj-ea"/>
+                <a:cs typeface="+mj-cs"/>
+              </a:defRPr>
+            </a:lvl1pPr>
+          </a:lstStyle>
+          <a:p>
+            <a:r>
+              <a:rPr lang="en-US" dirty="0">
+                <a:latin typeface="Cambria" panose="02040503050406030204" pitchFamily="18" charset="0"/>
+                <a:ea typeface="Cambria" panose="02040503050406030204" pitchFamily="18" charset="0"/>
+              </a:rPr>
+              <a:t>Meta-characters</a:t>
+            </a:r>
+            <a:endParaRPr lang="en-CA" dirty="0">
+              <a:latin typeface="Cambria" panose="02040503050406030204" pitchFamily="18" charset="0"/>
+              <a:ea typeface="Cambria" panose="02040503050406030204" pitchFamily="18" charset="0"/>
+            </a:endParaRPr>
+          </a:p>
+        </p:txBody>
+      </p:sp>
+      <p:cxnSp>
+        <p:nvCxnSpPr>
+          <p:cNvPr id="22" name="Straight Connector 21">
+            <a:extLst>
+              <a:ext uri="{FF2B5EF4-FFF2-40B4-BE49-F238E27FC236}">
+                <a16:creationId xmlns:a16="http://schemas.microsoft.com/office/drawing/2014/main" id="{9AAA96B7-99DF-4292-A7CE-1E6B55682D98}"/>
+              </a:ext>
+            </a:extLst>
+          </p:cNvPr>
+          <p:cNvCxnSpPr/>
+          <p:nvPr/>
+        </p:nvCxnSpPr>
+        <p:spPr>
+          <a:xfrm>
+            <a:off x="0" y="496604"/>
+            <a:ext cx="10800000" cy="0"/>
+          </a:xfrm>
+          <a:prstGeom prst="line">
+            <a:avLst/>
+          </a:prstGeom>
+          <a:ln w="38100"/>
+        </p:spPr>
+        <p:style>
+          <a:lnRef idx="1">
+            <a:schemeClr val="accent1"/>
+          </a:lnRef>
+          <a:fillRef idx="0">
+            <a:schemeClr val="accent1"/>
+          </a:fillRef>
+          <a:effectRef idx="0">
+            <a:schemeClr val="accent1"/>
+          </a:effectRef>
+          <a:fontRef idx="minor">
+            <a:schemeClr val="tx1"/>
+          </a:fontRef>
+        </p:style>
+      </p:cxnSp>
+      <p:sp>
+        <p:nvSpPr>
+          <p:cNvPr id="10" name="TextBox 9">
+            <a:extLst>
+              <a:ext uri="{FF2B5EF4-FFF2-40B4-BE49-F238E27FC236}">
+                <a16:creationId xmlns:a16="http://schemas.microsoft.com/office/drawing/2014/main" id="{2090652F-147C-4A25-9EA3-8E36AEC4317F}"/>
+              </a:ext>
+            </a:extLst>
+          </p:cNvPr>
+          <p:cNvSpPr txBox="1"/>
+          <p:nvPr/>
+        </p:nvSpPr>
+        <p:spPr>
+          <a:xfrm>
+            <a:off x="701650" y="909545"/>
+            <a:ext cx="10329169" cy="5078313"/>
+          </a:xfrm>
+          <a:prstGeom prst="rect">
+            <a:avLst/>
+          </a:prstGeom>
+          <a:noFill/>
+        </p:spPr>
+        <p:txBody>
+          <a:bodyPr wrap="square">
+            <a:spAutoFit/>
+          </a:bodyPr>
+          <a:lstStyle>
+            <a:defPPr>
+              <a:defRPr lang="en-US"/>
+            </a:defPPr>
+          </a:lstStyle>
+          <a:p>
+            <a:endParaRPr lang="en-CA" dirty="0"/>
+          </a:p>
+          <a:p>
+            <a:pPr marL="285750" indent="-285750">
+              <a:buFont typeface="Wingdings" panose="05000000000000000000" pitchFamily="2" charset="2"/>
+              <a:buChar char="v"/>
+            </a:pPr>
+            <a:r>
+              <a:rPr lang="en-CA" dirty="0"/>
+              <a:t> </a:t>
+            </a:r>
+            <a:r>
+              <a:rPr lang="en-US" dirty="0"/>
+              <a:t> All characters that are not literal characters.</a:t>
+            </a:r>
+          </a:p>
+          <a:p>
+            <a:endParaRPr lang="en-US" dirty="0"/>
+          </a:p>
+          <a:p>
+            <a:pPr marL="285750" indent="-285750">
+              <a:buFont typeface="Wingdings" panose="05000000000000000000" pitchFamily="2" charset="2"/>
+              <a:buChar char="v"/>
+            </a:pPr>
+            <a:endParaRPr lang="en-US" dirty="0"/>
+          </a:p>
+          <a:p>
+            <a:pPr marL="285750" indent="-285750">
+              <a:buFont typeface="Wingdings" panose="05000000000000000000" pitchFamily="2" charset="2"/>
+              <a:buChar char="v"/>
+            </a:pPr>
+            <a:r>
+              <a:rPr lang="en-US" dirty="0"/>
+              <a:t>They are:</a:t>
+            </a:r>
+          </a:p>
+          <a:p>
+            <a:pPr marL="285750" indent="-285750">
+              <a:buFont typeface="Wingdings" panose="05000000000000000000" pitchFamily="2" charset="2"/>
+              <a:buChar char="v"/>
+            </a:pPr>
+            <a:endParaRPr lang="en-US" dirty="0"/>
+          </a:p>
+          <a:p>
+            <a:r>
+              <a:rPr lang="en-US" dirty="0"/>
+              <a:t>.   				\   				|   </a:t>
+            </a:r>
+          </a:p>
+          <a:p>
+            <a:endParaRPr lang="en-US" dirty="0"/>
+          </a:p>
+          <a:p>
+            <a:r>
+              <a:rPr lang="en-US" dirty="0"/>
+              <a:t>(  				)   				[  </a:t>
+            </a:r>
+          </a:p>
+          <a:p>
+            <a:r>
+              <a:rPr lang="en-US" dirty="0"/>
+              <a:t> </a:t>
+            </a:r>
+          </a:p>
+          <a:p>
+            <a:r>
+              <a:rPr lang="en-US" dirty="0"/>
+              <a:t>]   				{  				}   </a:t>
+            </a:r>
+          </a:p>
+          <a:p>
+            <a:r>
+              <a:rPr lang="en-US" dirty="0"/>
+              <a:t> </a:t>
+            </a:r>
+          </a:p>
+          <a:p>
+            <a:r>
+              <a:rPr lang="en-US" dirty="0"/>
+              <a:t>$   				-   				^  </a:t>
+            </a:r>
+          </a:p>
+          <a:p>
+            <a:r>
+              <a:rPr lang="en-US" dirty="0"/>
+              <a:t> </a:t>
+            </a:r>
+          </a:p>
+          <a:p>
+            <a:r>
+              <a:rPr lang="en-US" dirty="0"/>
+              <a:t>*   				+   				 ?</a:t>
+            </a:r>
+          </a:p>
+          <a:p>
+            <a:endParaRPr lang="en-US" dirty="0"/>
+          </a:p>
+          <a:p>
+            <a:endParaRPr lang="en-US" dirty="0"/>
+          </a:p>
+          <a:p>
+            <a:pPr marL="285750" indent="-285750">
+              <a:buFont typeface="Wingdings" panose="05000000000000000000" pitchFamily="2" charset="2"/>
+              <a:buChar char="v"/>
+            </a:pPr>
+            <a:r>
+              <a:rPr lang="en-US" dirty="0"/>
+              <a:t> To turn MC into literal characters, use back slatch “\” but in R it is “\\”</a:t>
+            </a:r>
+            <a:endParaRPr lang="en-CA" dirty="0"/>
+          </a:p>
+        </p:txBody>
+      </p:sp>
+    </p:spTree>
+    <p:extLst>
+      <p:ext uri="{BB962C8B-B14F-4D97-AF65-F5344CB8AC3E}">
+        <p14:creationId xmlns:p14="http://schemas.microsoft.com/office/powerpoint/2010/main" val="2327269242"/>
+      </p:ext>
+    </p:extLst>
+  </p:cSld>
+  <p:clrMapOvr>
+    <a:masterClrMapping/>
+  </p:clrMapOvr>
+</p:sld>
+</file>
+
+<file path=ppt/slides/slide11.xml><?xml version="1.0" encoding="utf-8"?>
+<p:sld xmlns:a="http://schemas.openxmlformats.org/drawingml/2006/main" xmlns:r="http://schemas.openxmlformats.org/officeDocument/2006/relationships" xmlns:p="http://schemas.openxmlformats.org/presentationml/2006/main">
+  <p:cSld>
+    <p:bg>
+      <p:bgPr>
+        <a:solidFill>
+          <a:schemeClr val="bg1"/>
+        </a:solidFill>
+        <a:effectLst/>
+      </p:bgPr>
+    </p:bg>
+    <p:spTree>
+      <p:nvGrpSpPr>
+        <p:cNvPr id="1" name=""/>
+        <p:cNvGrpSpPr/>
+        <p:nvPr/>
+      </p:nvGrpSpPr>
+      <p:grpSpPr>
+        <a:xfrm>
+          <a:off x="0" y="0"/>
+          <a:ext cx="0" cy="0"/>
+          <a:chOff x="0" y="0"/>
+          <a:chExt cx="0" cy="0"/>
+        </a:xfrm>
+      </p:grpSpPr>
+      <p:sp useBgFill="1">
+        <p:nvSpPr>
+          <p:cNvPr id="31" name="Rectangle 20">
+            <a:extLst>
+              <a:ext uri="{FF2B5EF4-FFF2-40B4-BE49-F238E27FC236}">
+                <a16:creationId xmlns:a16="http://schemas.microsoft.com/office/drawing/2014/main" id="{979E27D9-03C7-44E2-9FF8-15D0C8506AF7}"/>
+              </a:ext>
+              <a:ext uri="{C183D7F6-B498-43B3-948B-1728B52AA6E4}">
+                <adec:decorative xmlns:adec="http://schemas.microsoft.com/office/drawing/2017/decorative" val="1"/>
+              </a:ext>
+            </a:extLst>
+          </p:cNvPr>
+          <p:cNvSpPr>
+            <a:spLocks noGrp="1" noRot="1" noChangeAspect="1" noMove="1" noResize="1" noEditPoints="1" noAdjustHandles="1" noChangeArrowheads="1" noChangeShapeType="1" noTextEdit="1"/>
+          </p:cNvSpPr>
+          <p:nvPr>
+            <p:extLst>
+              <p:ext uri="{386F3935-93C4-4BCD-93E2-E3B085C9AB24}">
+                <p16:designElem xmlns:p16="http://schemas.microsoft.com/office/powerpoint/2015/main" val="1"/>
+              </p:ext>
+            </p:extLst>
+          </p:nvPr>
+        </p:nvSpPr>
+        <p:spPr>
+          <a:xfrm>
+            <a:off x="0" y="0"/>
+            <a:ext cx="12192000" cy="6858000"/>
+          </a:xfrm>
+          <a:prstGeom prst="rect">
+            <a:avLst/>
+          </a:prstGeom>
+          <a:ln w="12700" cap="flat" cmpd="sng" algn="ctr">
+            <a:noFill/>
+            <a:prstDash val="solid"/>
+            <a:miter lim="800000"/>
+          </a:ln>
+          <a:effectLst/>
+          <a:extLst>
+            <a:ext uri="{91240B29-F687-4F45-9708-019B960494DF}">
+              <a14:hiddenLine xmlns:a14="http://schemas.microsoft.com/office/drawing/2010/main" w="12700" cap="flat" cmpd="sng" algn="ctr">
+                <a:solidFill>
+                  <a:schemeClr val="accent1">
+                    <a:shade val="50000"/>
+                  </a:schemeClr>
+                </a:solidFill>
+                <a:prstDash val="solid"/>
+                <a:miter lim="800000"/>
+              </a14:hiddenLine>
+            </a:ext>
+          </a:extLst>
+        </p:spPr>
+        <p:style>
+          <a:lnRef idx="2">
+            <a:schemeClr val="accent1">
+              <a:shade val="50000"/>
+            </a:schemeClr>
+          </a:lnRef>
+          <a:fillRef idx="1">
+            <a:schemeClr val="accent1"/>
+          </a:fillRef>
+          <a:effectRef idx="0">
+            <a:schemeClr val="accent1"/>
+          </a:effectRef>
+          <a:fontRef idx="minor">
+            <a:schemeClr val="lt1"/>
+          </a:fontRef>
+        </p:style>
+        <p:txBody>
+          <a:bodyPr rtlCol="0" anchor="ctr"/>
+          <a:lstStyle/>
+          <a:p>
+            <a:pPr algn="ctr"/>
+            <a:endParaRPr lang="en-US" dirty="0"/>
+          </a:p>
+        </p:txBody>
+      </p:sp>
+      <p:sp>
+        <p:nvSpPr>
+          <p:cNvPr id="32" name="Rectangle 22">
+            <a:extLst>
+              <a:ext uri="{FF2B5EF4-FFF2-40B4-BE49-F238E27FC236}">
+                <a16:creationId xmlns:a16="http://schemas.microsoft.com/office/drawing/2014/main" id="{EEBF1590-3B36-48EE-A89D-3B6F3CB256AB}"/>
+              </a:ext>
+              <a:ext uri="{C183D7F6-B498-43B3-948B-1728B52AA6E4}">
+                <adec:decorative xmlns:adec="http://schemas.microsoft.com/office/drawing/2017/decorative" val="1"/>
+              </a:ext>
+            </a:extLst>
+          </p:cNvPr>
+          <p:cNvSpPr>
+            <a:spLocks noGrp="1" noRot="1" noChangeAspect="1" noMove="1" noResize="1" noEditPoints="1" noAdjustHandles="1" noChangeArrowheads="1" noChangeShapeType="1" noTextEdit="1"/>
+          </p:cNvSpPr>
+          <p:nvPr>
+            <p:extLst>
+              <p:ext uri="{386F3935-93C4-4BCD-93E2-E3B085C9AB24}">
+                <p16:designElem xmlns:p16="http://schemas.microsoft.com/office/powerpoint/2015/main" val="1"/>
+              </p:ext>
+            </p:extLst>
+          </p:nvPr>
+        </p:nvSpPr>
+        <p:spPr>
+          <a:xfrm rot="10800000" flipH="1">
+            <a:off x="0" y="6400799"/>
+            <a:ext cx="12192000" cy="456773"/>
+          </a:xfrm>
+          <a:prstGeom prst="rect">
+            <a:avLst/>
+          </a:prstGeom>
+          <a:gradFill>
+            <a:gsLst>
+              <a:gs pos="0">
+                <a:schemeClr val="accent1"/>
+              </a:gs>
+              <a:gs pos="100000">
+                <a:schemeClr val="accent1">
+                  <a:lumMod val="50000"/>
+                </a:schemeClr>
+              </a:gs>
+            </a:gsLst>
+            <a:lin ang="6600000" scaled="0"/>
+          </a:gradFill>
+          <a:ln>
+            <a:noFill/>
+          </a:ln>
+        </p:spPr>
+        <p:style>
+          <a:lnRef idx="2">
+            <a:schemeClr val="accent1">
+              <a:shade val="50000"/>
+            </a:schemeClr>
+          </a:lnRef>
+          <a:fillRef idx="1">
+            <a:schemeClr val="accent1"/>
+          </a:fillRef>
+          <a:effectRef idx="0">
+            <a:schemeClr val="accent1"/>
+          </a:effectRef>
+          <a:fontRef idx="minor">
+            <a:schemeClr val="lt1"/>
+          </a:fontRef>
+        </p:style>
+        <p:txBody>
+          <a:bodyPr rtlCol="0" anchor="ctr"/>
+          <a:lstStyle/>
+          <a:p>
+            <a:pPr algn="ctr"/>
+            <a:endParaRPr lang="en-US" dirty="0"/>
+          </a:p>
+        </p:txBody>
+      </p:sp>
+      <p:sp>
+        <p:nvSpPr>
+          <p:cNvPr id="33" name="Rectangle 24">
+            <a:extLst>
+              <a:ext uri="{FF2B5EF4-FFF2-40B4-BE49-F238E27FC236}">
+                <a16:creationId xmlns:a16="http://schemas.microsoft.com/office/drawing/2014/main" id="{AC8F6C8C-AB5A-4548-942D-E3FD40ACBC49}"/>
+              </a:ext>
+              <a:ext uri="{C183D7F6-B498-43B3-948B-1728B52AA6E4}">
+                <adec:decorative xmlns:adec="http://schemas.microsoft.com/office/drawing/2017/decorative" val="1"/>
+              </a:ext>
+            </a:extLst>
+          </p:cNvPr>
+          <p:cNvSpPr>
+            <a:spLocks noGrp="1" noRot="1" noChangeAspect="1" noMove="1" noResize="1" noEditPoints="1" noAdjustHandles="1" noChangeArrowheads="1" noChangeShapeType="1" noTextEdit="1"/>
+          </p:cNvSpPr>
+          <p:nvPr>
+            <p:extLst>
+              <p:ext uri="{386F3935-93C4-4BCD-93E2-E3B085C9AB24}">
+                <p16:designElem xmlns:p16="http://schemas.microsoft.com/office/powerpoint/2015/main" val="1"/>
+              </p:ext>
+            </p:extLst>
+          </p:nvPr>
+        </p:nvSpPr>
+        <p:spPr>
+          <a:xfrm flipH="1">
+            <a:off x="4038600" y="6400799"/>
+            <a:ext cx="8153398" cy="456772"/>
+          </a:xfrm>
+          <a:prstGeom prst="rect">
+            <a:avLst/>
+          </a:prstGeom>
+          <a:gradFill>
+            <a:gsLst>
+              <a:gs pos="0">
+                <a:srgbClr val="000000">
+                  <a:alpha val="76000"/>
+                </a:srgbClr>
+              </a:gs>
+              <a:gs pos="100000">
+                <a:schemeClr val="accent1"/>
+              </a:gs>
+            </a:gsLst>
+            <a:lin ang="17400000" scaled="0"/>
+          </a:gradFill>
+          <a:ln>
+            <a:noFill/>
+          </a:ln>
+        </p:spPr>
+        <p:style>
+          <a:lnRef idx="2">
+            <a:schemeClr val="accent1">
+              <a:shade val="50000"/>
+            </a:schemeClr>
+          </a:lnRef>
+          <a:fillRef idx="1">
+            <a:schemeClr val="accent1"/>
+          </a:fillRef>
+          <a:effectRef idx="0">
+            <a:schemeClr val="accent1"/>
+          </a:effectRef>
+          <a:fontRef idx="minor">
+            <a:schemeClr val="lt1"/>
+          </a:fontRef>
+        </p:style>
+        <p:txBody>
+          <a:bodyPr rtlCol="0" anchor="ctr"/>
+          <a:lstStyle/>
+          <a:p>
+            <a:pPr algn="ctr"/>
+            <a:endParaRPr lang="en-US" dirty="0"/>
+          </a:p>
+        </p:txBody>
+      </p:sp>
+      <p:pic>
+        <p:nvPicPr>
+          <p:cNvPr id="5" name="Content Placeholder 4" descr="Logo&#10;&#10;Description automatically generated with medium confidence">
+            <a:extLst>
+              <a:ext uri="{FF2B5EF4-FFF2-40B4-BE49-F238E27FC236}">
+                <a16:creationId xmlns:a16="http://schemas.microsoft.com/office/drawing/2014/main" id="{D45B6C06-472A-4FAF-ABFC-9E549C7F0B64}"/>
+              </a:ext>
+            </a:extLst>
+          </p:cNvPr>
+          <p:cNvPicPr>
+            <a:picLocks noGrp="1" noChangeAspect="1"/>
+          </p:cNvPicPr>
+          <p:nvPr>
+            <p:ph idx="1"/>
+          </p:nvPr>
+        </p:nvPicPr>
+        <p:blipFill>
+          <a:blip r:embed="rId2">
+            <a:extLst>
+              <a:ext uri="{28A0092B-C50C-407E-A947-70E740481C1C}">
+                <a14:useLocalDpi xmlns:a14="http://schemas.microsoft.com/office/drawing/2010/main" val="0"/>
+              </a:ext>
+            </a:extLst>
+          </a:blip>
+          <a:stretch>
+            <a:fillRect/>
+          </a:stretch>
+        </p:blipFill>
+        <p:spPr>
+          <a:xfrm>
+            <a:off x="10485000" y="96676"/>
+            <a:ext cx="1706998" cy="456772"/>
+          </a:xfrm>
+        </p:spPr>
+      </p:pic>
+      <p:sp>
+        <p:nvSpPr>
+          <p:cNvPr id="11" name="Title 1">
+            <a:extLst>
+              <a:ext uri="{FF2B5EF4-FFF2-40B4-BE49-F238E27FC236}">
+                <a16:creationId xmlns:a16="http://schemas.microsoft.com/office/drawing/2014/main" id="{014E4B23-84A4-4D28-8148-5DA1923358C3}"/>
+              </a:ext>
+            </a:extLst>
+          </p:cNvPr>
+          <p:cNvSpPr txBox="1">
+            <a:spLocks/>
+          </p:cNvSpPr>
+          <p:nvPr/>
+        </p:nvSpPr>
+        <p:spPr>
+          <a:xfrm>
+            <a:off x="0" y="210391"/>
+            <a:ext cx="8983300" cy="572425"/>
+          </a:xfrm>
+          <a:prstGeom prst="rect">
+            <a:avLst/>
+          </a:prstGeom>
+        </p:spPr>
+        <p:txBody>
+          <a:bodyPr vert="horz" lIns="91440" tIns="45720" rIns="91440" bIns="45720" rtlCol="0" anchor="ctr">
+            <a:normAutofit fontScale="90000" lnSpcReduction="20000"/>
+          </a:bodyPr>
+          <a:lstStyle>
+            <a:lvl1pPr algn="l" defTabSz="914400" rtl="0" eaLnBrk="1" latinLnBrk="0" hangingPunct="1">
+              <a:lnSpc>
+                <a:spcPct val="90000"/>
+              </a:lnSpc>
+              <a:spcBef>
+                <a:spcPct val="0"/>
+              </a:spcBef>
+              <a:buNone/>
+              <a:defRPr sz="4400" kern="1200">
+                <a:solidFill>
+                  <a:schemeClr val="tx1"/>
+                </a:solidFill>
+                <a:latin typeface="+mj-lt"/>
+                <a:ea typeface="+mj-ea"/>
+                <a:cs typeface="+mj-cs"/>
+              </a:defRPr>
+            </a:lvl1pPr>
+          </a:lstStyle>
+          <a:p>
+            <a:r>
+              <a:rPr lang="en-CA" sz="4400" b="1" dirty="0"/>
+              <a:t>Meta-characters --- Wild Character</a:t>
+            </a:r>
+          </a:p>
+          <a:p>
+            <a:endParaRPr lang="en-CA" dirty="0">
+              <a:latin typeface="Cambria" panose="02040503050406030204" pitchFamily="18" charset="0"/>
+              <a:ea typeface="Cambria" panose="02040503050406030204" pitchFamily="18" charset="0"/>
+            </a:endParaRPr>
+          </a:p>
+        </p:txBody>
+      </p:sp>
+      <p:cxnSp>
+        <p:nvCxnSpPr>
+          <p:cNvPr id="22" name="Straight Connector 21">
+            <a:extLst>
+              <a:ext uri="{FF2B5EF4-FFF2-40B4-BE49-F238E27FC236}">
+                <a16:creationId xmlns:a16="http://schemas.microsoft.com/office/drawing/2014/main" id="{9AAA96B7-99DF-4292-A7CE-1E6B55682D98}"/>
+              </a:ext>
+            </a:extLst>
+          </p:cNvPr>
+          <p:cNvCxnSpPr/>
+          <p:nvPr/>
+        </p:nvCxnSpPr>
+        <p:spPr>
+          <a:xfrm>
+            <a:off x="0" y="496604"/>
+            <a:ext cx="10800000" cy="0"/>
+          </a:xfrm>
+          <a:prstGeom prst="line">
+            <a:avLst/>
+          </a:prstGeom>
+          <a:ln w="38100"/>
+        </p:spPr>
+        <p:style>
+          <a:lnRef idx="1">
+            <a:schemeClr val="accent1"/>
+          </a:lnRef>
+          <a:fillRef idx="0">
+            <a:schemeClr val="accent1"/>
+          </a:fillRef>
+          <a:effectRef idx="0">
+            <a:schemeClr val="accent1"/>
+          </a:effectRef>
+          <a:fontRef idx="minor">
+            <a:schemeClr val="tx1"/>
+          </a:fontRef>
+        </p:style>
+      </p:cxnSp>
+      <p:sp>
+        <p:nvSpPr>
+          <p:cNvPr id="10" name="TextBox 9">
+            <a:extLst>
+              <a:ext uri="{FF2B5EF4-FFF2-40B4-BE49-F238E27FC236}">
+                <a16:creationId xmlns:a16="http://schemas.microsoft.com/office/drawing/2014/main" id="{2090652F-147C-4A25-9EA3-8E36AEC4317F}"/>
+              </a:ext>
+            </a:extLst>
+          </p:cNvPr>
+          <p:cNvSpPr txBox="1"/>
+          <p:nvPr/>
+        </p:nvSpPr>
+        <p:spPr>
+          <a:xfrm>
+            <a:off x="931415" y="763839"/>
+            <a:ext cx="10329169" cy="5909310"/>
+          </a:xfrm>
+          <a:prstGeom prst="rect">
+            <a:avLst/>
+          </a:prstGeom>
+          <a:noFill/>
+        </p:spPr>
+        <p:txBody>
+          <a:bodyPr wrap="square">
+            <a:spAutoFit/>
+          </a:bodyPr>
+          <a:lstStyle/>
+          <a:p>
+            <a:endParaRPr lang="en-CA" dirty="0"/>
+          </a:p>
+          <a:p>
+            <a:endParaRPr lang="en-CA" dirty="0"/>
+          </a:p>
+          <a:p>
+            <a:pPr marL="285750" indent="-285750">
+              <a:buFont typeface="Wingdings" panose="05000000000000000000" pitchFamily="2" charset="2"/>
+              <a:buChar char="v"/>
+            </a:pPr>
+            <a:r>
+              <a:rPr lang="en-CA" dirty="0"/>
+              <a:t> Dot  or  “ . ” </a:t>
+            </a:r>
+          </a:p>
+          <a:p>
+            <a:endParaRPr lang="en-CA" dirty="0"/>
+          </a:p>
+          <a:p>
+            <a:endParaRPr lang="en-CA" dirty="0"/>
+          </a:p>
+          <a:p>
+            <a:pPr marL="285750" indent="-285750">
+              <a:buFont typeface="Wingdings" panose="05000000000000000000" pitchFamily="2" charset="2"/>
+              <a:buChar char="v"/>
+            </a:pPr>
+            <a:r>
+              <a:rPr lang="en-CA" dirty="0"/>
+              <a:t>The “ . ” is used to match any character except new line</a:t>
+            </a:r>
+          </a:p>
+          <a:p>
+            <a:r>
+              <a:rPr lang="en-CA" dirty="0"/>
+              <a:t>                   word &lt;- c(“goat”, “good”, “main”)</a:t>
+            </a:r>
+          </a:p>
+          <a:p>
+            <a:r>
+              <a:rPr lang="en-CA" dirty="0"/>
+              <a:t>	pattern &lt;- “G o . t” </a:t>
+            </a:r>
+          </a:p>
+          <a:p>
+            <a:r>
+              <a:rPr lang="en-CA" dirty="0"/>
+              <a:t>	</a:t>
+            </a:r>
+            <a:r>
+              <a:rPr lang="en-CA" dirty="0" err="1"/>
+              <a:t>str_detect</a:t>
+            </a:r>
+            <a:r>
+              <a:rPr lang="en-CA" dirty="0"/>
+              <a:t>(word, pattern) : </a:t>
+            </a:r>
+          </a:p>
+          <a:p>
+            <a:endParaRPr lang="en-CA" dirty="0"/>
+          </a:p>
+          <a:p>
+            <a:r>
+              <a:rPr lang="en-CA" dirty="0"/>
+              <a:t>	Ex.2.  The “.” in “G o . t” : could be “goat”, “good”</a:t>
+            </a:r>
+          </a:p>
+          <a:p>
+            <a:r>
+              <a:rPr lang="en-CA" dirty="0"/>
+              <a:t> </a:t>
+            </a:r>
+          </a:p>
+          <a:p>
+            <a:r>
+              <a:rPr lang="en-CA" dirty="0"/>
+              <a:t>	Ex.3.  “5.00” : could be 5000, 5.00, 5-00</a:t>
+            </a:r>
+          </a:p>
+          <a:p>
+            <a:endParaRPr lang="en-CA" dirty="0"/>
+          </a:p>
+          <a:p>
+            <a:endParaRPr lang="en-CA" dirty="0"/>
+          </a:p>
+          <a:p>
+            <a:r>
+              <a:rPr lang="en-CA" dirty="0"/>
+              <a:t>* To escape “.” in R: “5 </a:t>
+            </a:r>
+            <a:r>
+              <a:rPr lang="en-CA" dirty="0">
+                <a:hlinkClick r:id="rId3" action="ppaction://hlinkfile"/>
+              </a:rPr>
+              <a:t>\\.00</a:t>
+            </a:r>
+            <a:r>
+              <a:rPr lang="en-CA" dirty="0"/>
+              <a:t>” : 5.00</a:t>
+            </a:r>
+          </a:p>
+          <a:p>
+            <a:endParaRPr lang="en-CA" dirty="0"/>
+          </a:p>
+          <a:p>
+            <a:endParaRPr lang="en-CA" dirty="0"/>
+          </a:p>
+          <a:p>
+            <a:endParaRPr lang="en-CA" dirty="0"/>
+          </a:p>
+          <a:p>
+            <a:endParaRPr lang="en-CA" dirty="0"/>
+          </a:p>
+          <a:p>
+            <a:r>
+              <a:rPr lang="en-CA" dirty="0"/>
+              <a:t>     </a:t>
+            </a:r>
+          </a:p>
+        </p:txBody>
+      </p:sp>
+    </p:spTree>
+    <p:extLst>
+      <p:ext uri="{BB962C8B-B14F-4D97-AF65-F5344CB8AC3E}">
+        <p14:creationId xmlns:p14="http://schemas.microsoft.com/office/powerpoint/2010/main" val="2277873564"/>
+      </p:ext>
+    </p:extLst>
+  </p:cSld>
+  <p:clrMapOvr>
+    <a:masterClrMapping/>
+  </p:clrMapOvr>
+</p:sld>
+</file>
+
+<file path=ppt/slides/slide12.xml><?xml version="1.0" encoding="utf-8"?>
+<p:sld xmlns:a="http://schemas.openxmlformats.org/drawingml/2006/main" xmlns:r="http://schemas.openxmlformats.org/officeDocument/2006/relationships" xmlns:p="http://schemas.openxmlformats.org/presentationml/2006/main">
+  <p:cSld>
+    <p:bg>
+      <p:bgPr>
+        <a:solidFill>
+          <a:schemeClr val="bg1"/>
+        </a:solidFill>
+        <a:effectLst/>
+      </p:bgPr>
+    </p:bg>
+    <p:spTree>
+      <p:nvGrpSpPr>
+        <p:cNvPr id="1" name=""/>
+        <p:cNvGrpSpPr/>
+        <p:nvPr/>
+      </p:nvGrpSpPr>
+      <p:grpSpPr>
+        <a:xfrm>
+          <a:off x="0" y="0"/>
+          <a:ext cx="0" cy="0"/>
+          <a:chOff x="0" y="0"/>
+          <a:chExt cx="0" cy="0"/>
+        </a:xfrm>
+      </p:grpSpPr>
+      <p:sp useBgFill="1">
+        <p:nvSpPr>
+          <p:cNvPr id="31" name="Rectangle 20">
+            <a:extLst>
+              <a:ext uri="{FF2B5EF4-FFF2-40B4-BE49-F238E27FC236}">
+                <a16:creationId xmlns:a16="http://schemas.microsoft.com/office/drawing/2014/main" id="{979E27D9-03C7-44E2-9FF8-15D0C8506AF7}"/>
+              </a:ext>
+              <a:ext uri="{C183D7F6-B498-43B3-948B-1728B52AA6E4}">
+                <adec:decorative xmlns:adec="http://schemas.microsoft.com/office/drawing/2017/decorative" val="1"/>
+              </a:ext>
+            </a:extLst>
+          </p:cNvPr>
+          <p:cNvSpPr>
+            <a:spLocks noGrp="1" noRot="1" noChangeAspect="1" noMove="1" noResize="1" noEditPoints="1" noAdjustHandles="1" noChangeArrowheads="1" noChangeShapeType="1" noTextEdit="1"/>
+          </p:cNvSpPr>
+          <p:nvPr>
+            <p:extLst>
+              <p:ext uri="{386F3935-93C4-4BCD-93E2-E3B085C9AB24}">
+                <p16:designElem xmlns:p16="http://schemas.microsoft.com/office/powerpoint/2015/main" val="1"/>
+              </p:ext>
+            </p:extLst>
+          </p:nvPr>
+        </p:nvSpPr>
+        <p:spPr>
+          <a:xfrm>
+            <a:off x="0" y="0"/>
+            <a:ext cx="12192000" cy="6858000"/>
+          </a:xfrm>
+          <a:prstGeom prst="rect">
+            <a:avLst/>
+          </a:prstGeom>
+          <a:ln w="12700" cap="flat" cmpd="sng" algn="ctr">
+            <a:noFill/>
+            <a:prstDash val="solid"/>
+            <a:miter lim="800000"/>
+          </a:ln>
+          <a:effectLst/>
+          <a:extLst>
+            <a:ext uri="{91240B29-F687-4F45-9708-019B960494DF}">
+              <a14:hiddenLine xmlns:a14="http://schemas.microsoft.com/office/drawing/2010/main" w="12700" cap="flat" cmpd="sng" algn="ctr">
+                <a:solidFill>
+                  <a:schemeClr val="accent1">
+                    <a:shade val="50000"/>
+                  </a:schemeClr>
+                </a:solidFill>
+                <a:prstDash val="solid"/>
+                <a:miter lim="800000"/>
+              </a14:hiddenLine>
+            </a:ext>
+          </a:extLst>
+        </p:spPr>
+        <p:style>
+          <a:lnRef idx="2">
+            <a:schemeClr val="accent1">
+              <a:shade val="50000"/>
+            </a:schemeClr>
+          </a:lnRef>
+          <a:fillRef idx="1">
+            <a:schemeClr val="accent1"/>
+          </a:fillRef>
+          <a:effectRef idx="0">
+            <a:schemeClr val="accent1"/>
+          </a:effectRef>
+          <a:fontRef idx="minor">
+            <a:schemeClr val="lt1"/>
+          </a:fontRef>
+        </p:style>
+        <p:txBody>
+          <a:bodyPr rtlCol="0" anchor="ctr"/>
+          <a:lstStyle/>
+          <a:p>
+            <a:pPr algn="ctr"/>
+            <a:endParaRPr lang="en-US" dirty="0"/>
+          </a:p>
+        </p:txBody>
+      </p:sp>
+      <p:sp>
+        <p:nvSpPr>
+          <p:cNvPr id="32" name="Rectangle 22">
+            <a:extLst>
+              <a:ext uri="{FF2B5EF4-FFF2-40B4-BE49-F238E27FC236}">
+                <a16:creationId xmlns:a16="http://schemas.microsoft.com/office/drawing/2014/main" id="{EEBF1590-3B36-48EE-A89D-3B6F3CB256AB}"/>
+              </a:ext>
+              <a:ext uri="{C183D7F6-B498-43B3-948B-1728B52AA6E4}">
+                <adec:decorative xmlns:adec="http://schemas.microsoft.com/office/drawing/2017/decorative" val="1"/>
+              </a:ext>
+            </a:extLst>
+          </p:cNvPr>
+          <p:cNvSpPr>
+            <a:spLocks noGrp="1" noRot="1" noChangeAspect="1" noMove="1" noResize="1" noEditPoints="1" noAdjustHandles="1" noChangeArrowheads="1" noChangeShapeType="1" noTextEdit="1"/>
+          </p:cNvSpPr>
+          <p:nvPr>
+            <p:extLst>
+              <p:ext uri="{386F3935-93C4-4BCD-93E2-E3B085C9AB24}">
+                <p16:designElem xmlns:p16="http://schemas.microsoft.com/office/powerpoint/2015/main" val="1"/>
+              </p:ext>
+            </p:extLst>
+          </p:nvPr>
+        </p:nvSpPr>
+        <p:spPr>
+          <a:xfrm rot="10800000" flipH="1">
+            <a:off x="0" y="6400799"/>
+            <a:ext cx="12192000" cy="456773"/>
+          </a:xfrm>
+          <a:prstGeom prst="rect">
+            <a:avLst/>
+          </a:prstGeom>
+          <a:gradFill>
+            <a:gsLst>
+              <a:gs pos="0">
+                <a:schemeClr val="accent1"/>
+              </a:gs>
+              <a:gs pos="100000">
+                <a:schemeClr val="accent1">
+                  <a:lumMod val="50000"/>
+                </a:schemeClr>
+              </a:gs>
+            </a:gsLst>
+            <a:lin ang="6600000" scaled="0"/>
+          </a:gradFill>
+          <a:ln>
+            <a:noFill/>
+          </a:ln>
+        </p:spPr>
+        <p:style>
+          <a:lnRef idx="2">
+            <a:schemeClr val="accent1">
+              <a:shade val="50000"/>
+            </a:schemeClr>
+          </a:lnRef>
+          <a:fillRef idx="1">
+            <a:schemeClr val="accent1"/>
+          </a:fillRef>
+          <a:effectRef idx="0">
+            <a:schemeClr val="accent1"/>
+          </a:effectRef>
+          <a:fontRef idx="minor">
+            <a:schemeClr val="lt1"/>
+          </a:fontRef>
+        </p:style>
+        <p:txBody>
+          <a:bodyPr rtlCol="0" anchor="ctr"/>
+          <a:lstStyle/>
+          <a:p>
+            <a:pPr algn="ctr"/>
+            <a:endParaRPr lang="en-US" dirty="0"/>
+          </a:p>
+        </p:txBody>
+      </p:sp>
+      <p:sp>
+        <p:nvSpPr>
+          <p:cNvPr id="33" name="Rectangle 24">
+            <a:extLst>
+              <a:ext uri="{FF2B5EF4-FFF2-40B4-BE49-F238E27FC236}">
+                <a16:creationId xmlns:a16="http://schemas.microsoft.com/office/drawing/2014/main" id="{AC8F6C8C-AB5A-4548-942D-E3FD40ACBC49}"/>
+              </a:ext>
+              <a:ext uri="{C183D7F6-B498-43B3-948B-1728B52AA6E4}">
+                <adec:decorative xmlns:adec="http://schemas.microsoft.com/office/drawing/2017/decorative" val="1"/>
+              </a:ext>
+            </a:extLst>
+          </p:cNvPr>
+          <p:cNvSpPr>
+            <a:spLocks noGrp="1" noRot="1" noChangeAspect="1" noMove="1" noResize="1" noEditPoints="1" noAdjustHandles="1" noChangeArrowheads="1" noChangeShapeType="1" noTextEdit="1"/>
+          </p:cNvSpPr>
+          <p:nvPr>
+            <p:extLst>
+              <p:ext uri="{386F3935-93C4-4BCD-93E2-E3B085C9AB24}">
+                <p16:designElem xmlns:p16="http://schemas.microsoft.com/office/powerpoint/2015/main" val="1"/>
+              </p:ext>
+            </p:extLst>
+          </p:nvPr>
+        </p:nvSpPr>
+        <p:spPr>
+          <a:xfrm flipH="1">
+            <a:off x="4038600" y="6400799"/>
+            <a:ext cx="8153398" cy="456772"/>
+          </a:xfrm>
+          <a:prstGeom prst="rect">
+            <a:avLst/>
+          </a:prstGeom>
+          <a:gradFill>
+            <a:gsLst>
+              <a:gs pos="0">
+                <a:srgbClr val="000000">
+                  <a:alpha val="76000"/>
+                </a:srgbClr>
+              </a:gs>
+              <a:gs pos="100000">
+                <a:schemeClr val="accent1"/>
+              </a:gs>
+            </a:gsLst>
+            <a:lin ang="17400000" scaled="0"/>
+          </a:gradFill>
+          <a:ln>
+            <a:noFill/>
+          </a:ln>
+        </p:spPr>
+        <p:style>
+          <a:lnRef idx="2">
+            <a:schemeClr val="accent1">
+              <a:shade val="50000"/>
+            </a:schemeClr>
+          </a:lnRef>
+          <a:fillRef idx="1">
+            <a:schemeClr val="accent1"/>
+          </a:fillRef>
+          <a:effectRef idx="0">
+            <a:schemeClr val="accent1"/>
+          </a:effectRef>
+          <a:fontRef idx="minor">
+            <a:schemeClr val="lt1"/>
+          </a:fontRef>
+        </p:style>
+        <p:txBody>
+          <a:bodyPr rtlCol="0" anchor="ctr"/>
+          <a:lstStyle/>
+          <a:p>
+            <a:pPr algn="ctr"/>
+            <a:endParaRPr lang="en-US" dirty="0"/>
+          </a:p>
+        </p:txBody>
+      </p:sp>
+      <p:pic>
+        <p:nvPicPr>
+          <p:cNvPr id="5" name="Content Placeholder 4" descr="Logo&#10;&#10;Description automatically generated with medium confidence">
+            <a:extLst>
+              <a:ext uri="{FF2B5EF4-FFF2-40B4-BE49-F238E27FC236}">
+                <a16:creationId xmlns:a16="http://schemas.microsoft.com/office/drawing/2014/main" id="{D45B6C06-472A-4FAF-ABFC-9E549C7F0B64}"/>
+              </a:ext>
+            </a:extLst>
+          </p:cNvPr>
+          <p:cNvPicPr>
+            <a:picLocks noGrp="1" noChangeAspect="1"/>
+          </p:cNvPicPr>
+          <p:nvPr>
+            <p:ph idx="1"/>
+          </p:nvPr>
+        </p:nvPicPr>
+        <p:blipFill>
+          <a:blip r:embed="rId2">
+            <a:extLst>
+              <a:ext uri="{28A0092B-C50C-407E-A947-70E740481C1C}">
+                <a14:useLocalDpi xmlns:a14="http://schemas.microsoft.com/office/drawing/2010/main" val="0"/>
+              </a:ext>
+            </a:extLst>
+          </a:blip>
+          <a:stretch>
+            <a:fillRect/>
+          </a:stretch>
+        </p:blipFill>
+        <p:spPr>
+          <a:xfrm>
+            <a:off x="10485000" y="96676"/>
+            <a:ext cx="1706998" cy="456772"/>
+          </a:xfrm>
+        </p:spPr>
+      </p:pic>
+      <p:sp>
+        <p:nvSpPr>
+          <p:cNvPr id="11" name="Title 1">
+            <a:extLst>
+              <a:ext uri="{FF2B5EF4-FFF2-40B4-BE49-F238E27FC236}">
+                <a16:creationId xmlns:a16="http://schemas.microsoft.com/office/drawing/2014/main" id="{014E4B23-84A4-4D28-8148-5DA1923358C3}"/>
+              </a:ext>
+            </a:extLst>
+          </p:cNvPr>
+          <p:cNvSpPr txBox="1">
+            <a:spLocks/>
+          </p:cNvSpPr>
+          <p:nvPr/>
+        </p:nvSpPr>
+        <p:spPr>
+          <a:xfrm>
+            <a:off x="0" y="210391"/>
+            <a:ext cx="8983300" cy="572425"/>
+          </a:xfrm>
+          <a:prstGeom prst="rect">
+            <a:avLst/>
+          </a:prstGeom>
+        </p:spPr>
+        <p:txBody>
+          <a:bodyPr vert="horz" lIns="91440" tIns="45720" rIns="91440" bIns="45720" rtlCol="0" anchor="ctr">
+            <a:normAutofit fontScale="90000" lnSpcReduction="20000"/>
+          </a:bodyPr>
+          <a:lstStyle>
+            <a:lvl1pPr algn="l" defTabSz="914400" rtl="0" eaLnBrk="1" latinLnBrk="0" hangingPunct="1">
+              <a:lnSpc>
+                <a:spcPct val="90000"/>
+              </a:lnSpc>
+              <a:spcBef>
+                <a:spcPct val="0"/>
+              </a:spcBef>
+              <a:buNone/>
+              <a:defRPr sz="4400" kern="1200">
+                <a:solidFill>
+                  <a:schemeClr val="tx1"/>
+                </a:solidFill>
+                <a:latin typeface="+mj-lt"/>
+                <a:ea typeface="+mj-ea"/>
+                <a:cs typeface="+mj-cs"/>
+              </a:defRPr>
+            </a:lvl1pPr>
+          </a:lstStyle>
+          <a:p>
+            <a:r>
+              <a:rPr lang="en-CA" sz="4400" b="1" dirty="0"/>
+              <a:t>Meta-characters --- Character </a:t>
+            </a:r>
+            <a:r>
+              <a:rPr lang="en-CA" b="1" dirty="0"/>
+              <a:t>sets</a:t>
+            </a:r>
+            <a:endParaRPr lang="en-CA" sz="4400" b="1" dirty="0"/>
+          </a:p>
+          <a:p>
+            <a:endParaRPr lang="en-CA" dirty="0">
+              <a:latin typeface="Cambria" panose="02040503050406030204" pitchFamily="18" charset="0"/>
+              <a:ea typeface="Cambria" panose="02040503050406030204" pitchFamily="18" charset="0"/>
+            </a:endParaRPr>
+          </a:p>
+        </p:txBody>
+      </p:sp>
+      <p:cxnSp>
+        <p:nvCxnSpPr>
+          <p:cNvPr id="22" name="Straight Connector 21">
+            <a:extLst>
+              <a:ext uri="{FF2B5EF4-FFF2-40B4-BE49-F238E27FC236}">
+                <a16:creationId xmlns:a16="http://schemas.microsoft.com/office/drawing/2014/main" id="{9AAA96B7-99DF-4292-A7CE-1E6B55682D98}"/>
+              </a:ext>
+            </a:extLst>
+          </p:cNvPr>
+          <p:cNvCxnSpPr/>
+          <p:nvPr/>
+        </p:nvCxnSpPr>
+        <p:spPr>
+          <a:xfrm>
+            <a:off x="0" y="496604"/>
+            <a:ext cx="10800000" cy="0"/>
+          </a:xfrm>
+          <a:prstGeom prst="line">
+            <a:avLst/>
+          </a:prstGeom>
+          <a:ln w="38100"/>
+        </p:spPr>
+        <p:style>
+          <a:lnRef idx="1">
+            <a:schemeClr val="accent1"/>
+          </a:lnRef>
+          <a:fillRef idx="0">
+            <a:schemeClr val="accent1"/>
+          </a:fillRef>
+          <a:effectRef idx="0">
+            <a:schemeClr val="accent1"/>
+          </a:effectRef>
+          <a:fontRef idx="minor">
+            <a:schemeClr val="tx1"/>
+          </a:fontRef>
+        </p:style>
+      </p:cxnSp>
+      <p:sp>
+        <p:nvSpPr>
+          <p:cNvPr id="10" name="TextBox 9">
+            <a:extLst>
+              <a:ext uri="{FF2B5EF4-FFF2-40B4-BE49-F238E27FC236}">
+                <a16:creationId xmlns:a16="http://schemas.microsoft.com/office/drawing/2014/main" id="{2090652F-147C-4A25-9EA3-8E36AEC4317F}"/>
+              </a:ext>
+            </a:extLst>
+          </p:cNvPr>
+          <p:cNvSpPr txBox="1"/>
+          <p:nvPr/>
+        </p:nvSpPr>
+        <p:spPr>
+          <a:xfrm>
+            <a:off x="270768" y="744803"/>
+            <a:ext cx="10329169" cy="5909310"/>
+          </a:xfrm>
+          <a:prstGeom prst="rect">
+            <a:avLst/>
+          </a:prstGeom>
+          <a:noFill/>
+        </p:spPr>
+        <p:txBody>
+          <a:bodyPr wrap="square">
+            <a:spAutoFit/>
+          </a:bodyPr>
+          <a:lstStyle/>
+          <a:p>
+            <a:endParaRPr lang="en-CA" dirty="0"/>
+          </a:p>
+          <a:p>
+            <a:endParaRPr lang="en-CA" dirty="0"/>
+          </a:p>
+          <a:p>
+            <a:pPr marL="285750" indent="-285750">
+              <a:buFont typeface="Wingdings" panose="05000000000000000000" pitchFamily="2" charset="2"/>
+              <a:buChar char="v"/>
+            </a:pPr>
+            <a:r>
+              <a:rPr lang="en-CA" dirty="0"/>
+              <a:t>They are described by : [   ]</a:t>
+            </a:r>
+          </a:p>
+          <a:p>
+            <a:endParaRPr lang="en-CA" dirty="0"/>
+          </a:p>
+          <a:p>
+            <a:pPr marL="285750" indent="-285750">
+              <a:buFont typeface="Wingdings" panose="05000000000000000000" pitchFamily="2" charset="2"/>
+              <a:buChar char="v"/>
+            </a:pPr>
+            <a:endParaRPr lang="en-CA" dirty="0"/>
+          </a:p>
+          <a:p>
+            <a:pPr marL="285750" indent="-285750">
+              <a:buFont typeface="Wingdings" panose="05000000000000000000" pitchFamily="2" charset="2"/>
+              <a:buChar char="v"/>
+            </a:pPr>
+            <a:r>
+              <a:rPr lang="en-CA" dirty="0"/>
+              <a:t>Any character in [ ] can be a match</a:t>
+            </a:r>
+          </a:p>
+          <a:p>
+            <a:pPr marL="285750" indent="-285750">
+              <a:buFont typeface="Wingdings" panose="05000000000000000000" pitchFamily="2" charset="2"/>
+              <a:buChar char="v"/>
+            </a:pPr>
+            <a:endParaRPr lang="en-CA" dirty="0"/>
+          </a:p>
+          <a:p>
+            <a:r>
+              <a:rPr lang="en-CA" dirty="0"/>
+              <a:t>	Ex3. “go[</a:t>
+            </a:r>
+            <a:r>
+              <a:rPr lang="en-CA" dirty="0" err="1"/>
+              <a:t>ao</a:t>
+            </a:r>
+            <a:r>
+              <a:rPr lang="en-CA" dirty="0"/>
+              <a:t>]d”  : could be “good” or “goad”</a:t>
+            </a:r>
+          </a:p>
+          <a:p>
+            <a:endParaRPr lang="en-CA" dirty="0"/>
+          </a:p>
+          <a:p>
+            <a:endParaRPr lang="en-CA" dirty="0"/>
+          </a:p>
+          <a:p>
+            <a:pPr marL="285750" indent="-285750">
+              <a:buFont typeface="Wingdings" panose="05000000000000000000" pitchFamily="2" charset="2"/>
+              <a:buChar char="v"/>
+            </a:pPr>
+            <a:r>
+              <a:rPr lang="en-CA" dirty="0"/>
+              <a:t>To describe a range of characters use: “-”</a:t>
+            </a:r>
+          </a:p>
+          <a:p>
+            <a:pPr marL="285750" indent="-285750">
+              <a:buFont typeface="Wingdings" panose="05000000000000000000" pitchFamily="2" charset="2"/>
+              <a:buChar char="v"/>
+            </a:pPr>
+            <a:endParaRPr lang="en-CA" dirty="0"/>
+          </a:p>
+          <a:p>
+            <a:r>
+              <a:rPr lang="en-CA" dirty="0"/>
+              <a:t>	“[0123456789]3067134413”</a:t>
+            </a:r>
+          </a:p>
+          <a:p>
+            <a:endParaRPr lang="en-CA" dirty="0"/>
+          </a:p>
+          <a:p>
+            <a:r>
+              <a:rPr lang="en-CA" dirty="0"/>
+              <a:t>   	Ex4. “[0-9]3067134413”</a:t>
+            </a:r>
+          </a:p>
+          <a:p>
+            <a:pPr marL="285750" indent="-285750">
+              <a:buFont typeface="Wingdings" panose="05000000000000000000" pitchFamily="2" charset="2"/>
+              <a:buChar char="v"/>
+            </a:pPr>
+            <a:endParaRPr lang="en-CA" dirty="0"/>
+          </a:p>
+          <a:p>
+            <a:endParaRPr lang="en-CA" dirty="0"/>
+          </a:p>
+          <a:p>
+            <a:endParaRPr lang="en-CA" dirty="0"/>
+          </a:p>
+          <a:p>
+            <a:endParaRPr lang="en-CA" dirty="0"/>
+          </a:p>
+          <a:p>
+            <a:endParaRPr lang="en-CA" dirty="0"/>
+          </a:p>
+          <a:p>
+            <a:r>
+              <a:rPr lang="en-CA" dirty="0"/>
+              <a:t>     </a:t>
+            </a:r>
+          </a:p>
+        </p:txBody>
+      </p:sp>
+    </p:spTree>
+    <p:extLst>
+      <p:ext uri="{BB962C8B-B14F-4D97-AF65-F5344CB8AC3E}">
+        <p14:creationId xmlns:p14="http://schemas.microsoft.com/office/powerpoint/2010/main" val="2315724405"/>
+      </p:ext>
+    </p:extLst>
+  </p:cSld>
+  <p:clrMapOvr>
+    <a:masterClrMapping/>
+  </p:clrMapOvr>
+</p:sld>
+</file>
+
+<file path=ppt/slides/slide13.xml><?xml version="1.0" encoding="utf-8"?>
+<p:sld xmlns:a="http://schemas.openxmlformats.org/drawingml/2006/main" xmlns:r="http://schemas.openxmlformats.org/officeDocument/2006/relationships" xmlns:p="http://schemas.openxmlformats.org/presentationml/2006/main">
+  <p:cSld>
+    <p:bg>
+      <p:bgPr>
+        <a:solidFill>
+          <a:schemeClr val="bg1"/>
+        </a:solidFill>
+        <a:effectLst/>
+      </p:bgPr>
+    </p:bg>
+    <p:spTree>
+      <p:nvGrpSpPr>
+        <p:cNvPr id="1" name=""/>
+        <p:cNvGrpSpPr/>
+        <p:nvPr/>
+      </p:nvGrpSpPr>
+      <p:grpSpPr>
+        <a:xfrm>
+          <a:off x="0" y="0"/>
+          <a:ext cx="0" cy="0"/>
+          <a:chOff x="0" y="0"/>
+          <a:chExt cx="0" cy="0"/>
+        </a:xfrm>
+      </p:grpSpPr>
+      <p:sp useBgFill="1">
+        <p:nvSpPr>
+          <p:cNvPr id="31" name="Rectangle 20">
+            <a:extLst>
+              <a:ext uri="{FF2B5EF4-FFF2-40B4-BE49-F238E27FC236}">
+                <a16:creationId xmlns:a16="http://schemas.microsoft.com/office/drawing/2014/main" id="{979E27D9-03C7-44E2-9FF8-15D0C8506AF7}"/>
+              </a:ext>
+              <a:ext uri="{C183D7F6-B498-43B3-948B-1728B52AA6E4}">
+                <adec:decorative xmlns:adec="http://schemas.microsoft.com/office/drawing/2017/decorative" val="1"/>
+              </a:ext>
+            </a:extLst>
+          </p:cNvPr>
+          <p:cNvSpPr>
+            <a:spLocks noGrp="1" noRot="1" noChangeAspect="1" noMove="1" noResize="1" noEditPoints="1" noAdjustHandles="1" noChangeArrowheads="1" noChangeShapeType="1" noTextEdit="1"/>
+          </p:cNvSpPr>
+          <p:nvPr>
+            <p:extLst>
+              <p:ext uri="{386F3935-93C4-4BCD-93E2-E3B085C9AB24}">
+                <p16:designElem xmlns:p16="http://schemas.microsoft.com/office/powerpoint/2015/main" val="1"/>
+              </p:ext>
+            </p:extLst>
+          </p:nvPr>
+        </p:nvSpPr>
+        <p:spPr>
+          <a:xfrm>
+            <a:off x="0" y="0"/>
+            <a:ext cx="12192000" cy="6858000"/>
+          </a:xfrm>
+          <a:prstGeom prst="rect">
+            <a:avLst/>
+          </a:prstGeom>
+          <a:ln w="12700" cap="flat" cmpd="sng" algn="ctr">
+            <a:noFill/>
+            <a:prstDash val="solid"/>
+            <a:miter lim="800000"/>
+          </a:ln>
+          <a:effectLst/>
+          <a:extLst>
+            <a:ext uri="{91240B29-F687-4F45-9708-019B960494DF}">
+              <a14:hiddenLine xmlns:a14="http://schemas.microsoft.com/office/drawing/2010/main" w="12700" cap="flat" cmpd="sng" algn="ctr">
+                <a:solidFill>
+                  <a:schemeClr val="accent1">
+                    <a:shade val="50000"/>
+                  </a:schemeClr>
+                </a:solidFill>
+                <a:prstDash val="solid"/>
+                <a:miter lim="800000"/>
+              </a14:hiddenLine>
+            </a:ext>
+          </a:extLst>
+        </p:spPr>
+        <p:style>
+          <a:lnRef idx="2">
+            <a:schemeClr val="accent1">
+              <a:shade val="50000"/>
+            </a:schemeClr>
+          </a:lnRef>
+          <a:fillRef idx="1">
+            <a:schemeClr val="accent1"/>
+          </a:fillRef>
+          <a:effectRef idx="0">
+            <a:schemeClr val="accent1"/>
+          </a:effectRef>
+          <a:fontRef idx="minor">
+            <a:schemeClr val="lt1"/>
+          </a:fontRef>
+        </p:style>
+        <p:txBody>
+          <a:bodyPr rtlCol="0" anchor="ctr"/>
+          <a:lstStyle/>
+          <a:p>
+            <a:pPr algn="ctr"/>
+            <a:endParaRPr lang="en-US" dirty="0"/>
+          </a:p>
+        </p:txBody>
+      </p:sp>
+      <p:sp>
+        <p:nvSpPr>
+          <p:cNvPr id="32" name="Rectangle 22">
+            <a:extLst>
+              <a:ext uri="{FF2B5EF4-FFF2-40B4-BE49-F238E27FC236}">
+                <a16:creationId xmlns:a16="http://schemas.microsoft.com/office/drawing/2014/main" id="{EEBF1590-3B36-48EE-A89D-3B6F3CB256AB}"/>
+              </a:ext>
+              <a:ext uri="{C183D7F6-B498-43B3-948B-1728B52AA6E4}">
+                <adec:decorative xmlns:adec="http://schemas.microsoft.com/office/drawing/2017/decorative" val="1"/>
+              </a:ext>
+            </a:extLst>
+          </p:cNvPr>
+          <p:cNvSpPr>
+            <a:spLocks noGrp="1" noRot="1" noChangeAspect="1" noMove="1" noResize="1" noEditPoints="1" noAdjustHandles="1" noChangeArrowheads="1" noChangeShapeType="1" noTextEdit="1"/>
+          </p:cNvSpPr>
+          <p:nvPr>
+            <p:extLst>
+              <p:ext uri="{386F3935-93C4-4BCD-93E2-E3B085C9AB24}">
+                <p16:designElem xmlns:p16="http://schemas.microsoft.com/office/powerpoint/2015/main" val="1"/>
+              </p:ext>
+            </p:extLst>
+          </p:nvPr>
+        </p:nvSpPr>
+        <p:spPr>
+          <a:xfrm rot="10800000" flipH="1">
+            <a:off x="0" y="6400799"/>
+            <a:ext cx="12192000" cy="456773"/>
+          </a:xfrm>
+          <a:prstGeom prst="rect">
+            <a:avLst/>
+          </a:prstGeom>
+          <a:gradFill>
+            <a:gsLst>
+              <a:gs pos="0">
+                <a:schemeClr val="accent1"/>
+              </a:gs>
+              <a:gs pos="100000">
+                <a:schemeClr val="accent1">
+                  <a:lumMod val="50000"/>
+                </a:schemeClr>
+              </a:gs>
+            </a:gsLst>
+            <a:lin ang="6600000" scaled="0"/>
+          </a:gradFill>
+          <a:ln>
+            <a:noFill/>
+          </a:ln>
+        </p:spPr>
+        <p:style>
+          <a:lnRef idx="2">
+            <a:schemeClr val="accent1">
+              <a:shade val="50000"/>
+            </a:schemeClr>
+          </a:lnRef>
+          <a:fillRef idx="1">
+            <a:schemeClr val="accent1"/>
+          </a:fillRef>
+          <a:effectRef idx="0">
+            <a:schemeClr val="accent1"/>
+          </a:effectRef>
+          <a:fontRef idx="minor">
+            <a:schemeClr val="lt1"/>
+          </a:fontRef>
+        </p:style>
+        <p:txBody>
+          <a:bodyPr rtlCol="0" anchor="ctr"/>
+          <a:lstStyle/>
+          <a:p>
+            <a:pPr algn="ctr"/>
+            <a:endParaRPr lang="en-US" dirty="0"/>
+          </a:p>
+        </p:txBody>
+      </p:sp>
+      <p:sp>
+        <p:nvSpPr>
+          <p:cNvPr id="33" name="Rectangle 24">
+            <a:extLst>
+              <a:ext uri="{FF2B5EF4-FFF2-40B4-BE49-F238E27FC236}">
+                <a16:creationId xmlns:a16="http://schemas.microsoft.com/office/drawing/2014/main" id="{AC8F6C8C-AB5A-4548-942D-E3FD40ACBC49}"/>
+              </a:ext>
+              <a:ext uri="{C183D7F6-B498-43B3-948B-1728B52AA6E4}">
+                <adec:decorative xmlns:adec="http://schemas.microsoft.com/office/drawing/2017/decorative" val="1"/>
+              </a:ext>
+            </a:extLst>
+          </p:cNvPr>
+          <p:cNvSpPr>
+            <a:spLocks noGrp="1" noRot="1" noChangeAspect="1" noMove="1" noResize="1" noEditPoints="1" noAdjustHandles="1" noChangeArrowheads="1" noChangeShapeType="1" noTextEdit="1"/>
+          </p:cNvSpPr>
+          <p:nvPr>
+            <p:extLst>
+              <p:ext uri="{386F3935-93C4-4BCD-93E2-E3B085C9AB24}">
+                <p16:designElem xmlns:p16="http://schemas.microsoft.com/office/powerpoint/2015/main" val="1"/>
+              </p:ext>
+            </p:extLst>
+          </p:nvPr>
+        </p:nvSpPr>
+        <p:spPr>
+          <a:xfrm flipH="1">
+            <a:off x="4038600" y="6400799"/>
+            <a:ext cx="8153398" cy="456772"/>
+          </a:xfrm>
+          <a:prstGeom prst="rect">
+            <a:avLst/>
+          </a:prstGeom>
+          <a:gradFill>
+            <a:gsLst>
+              <a:gs pos="0">
+                <a:srgbClr val="000000">
+                  <a:alpha val="76000"/>
+                </a:srgbClr>
+              </a:gs>
+              <a:gs pos="100000">
+                <a:schemeClr val="accent1"/>
+              </a:gs>
+            </a:gsLst>
+            <a:lin ang="17400000" scaled="0"/>
+          </a:gradFill>
+          <a:ln>
+            <a:noFill/>
+          </a:ln>
+        </p:spPr>
+        <p:style>
+          <a:lnRef idx="2">
+            <a:schemeClr val="accent1">
+              <a:shade val="50000"/>
+            </a:schemeClr>
+          </a:lnRef>
+          <a:fillRef idx="1">
+            <a:schemeClr val="accent1"/>
+          </a:fillRef>
+          <a:effectRef idx="0">
+            <a:schemeClr val="accent1"/>
+          </a:effectRef>
+          <a:fontRef idx="minor">
+            <a:schemeClr val="lt1"/>
+          </a:fontRef>
+        </p:style>
+        <p:txBody>
+          <a:bodyPr rtlCol="0" anchor="ctr"/>
+          <a:lstStyle/>
+          <a:p>
+            <a:pPr algn="ctr"/>
+            <a:endParaRPr lang="en-US" dirty="0"/>
+          </a:p>
+        </p:txBody>
+      </p:sp>
+      <p:pic>
+        <p:nvPicPr>
+          <p:cNvPr id="5" name="Content Placeholder 4" descr="Logo&#10;&#10;Description automatically generated with medium confidence">
+            <a:extLst>
+              <a:ext uri="{FF2B5EF4-FFF2-40B4-BE49-F238E27FC236}">
+                <a16:creationId xmlns:a16="http://schemas.microsoft.com/office/drawing/2014/main" id="{D45B6C06-472A-4FAF-ABFC-9E549C7F0B64}"/>
+              </a:ext>
+            </a:extLst>
+          </p:cNvPr>
+          <p:cNvPicPr>
+            <a:picLocks noGrp="1" noChangeAspect="1"/>
+          </p:cNvPicPr>
+          <p:nvPr>
+            <p:ph idx="1"/>
+          </p:nvPr>
+        </p:nvPicPr>
+        <p:blipFill>
+          <a:blip r:embed="rId2">
+            <a:extLst>
+              <a:ext uri="{28A0092B-C50C-407E-A947-70E740481C1C}">
+                <a14:useLocalDpi xmlns:a14="http://schemas.microsoft.com/office/drawing/2010/main" val="0"/>
+              </a:ext>
+            </a:extLst>
+          </a:blip>
+          <a:stretch>
+            <a:fillRect/>
+          </a:stretch>
+        </p:blipFill>
+        <p:spPr>
+          <a:xfrm>
+            <a:off x="10485000" y="96676"/>
+            <a:ext cx="1706998" cy="456772"/>
+          </a:xfrm>
+        </p:spPr>
+      </p:pic>
+      <p:sp>
+        <p:nvSpPr>
+          <p:cNvPr id="11" name="Title 1">
+            <a:extLst>
+              <a:ext uri="{FF2B5EF4-FFF2-40B4-BE49-F238E27FC236}">
+                <a16:creationId xmlns:a16="http://schemas.microsoft.com/office/drawing/2014/main" id="{014E4B23-84A4-4D28-8148-5DA1923358C3}"/>
+              </a:ext>
+            </a:extLst>
+          </p:cNvPr>
+          <p:cNvSpPr txBox="1">
+            <a:spLocks/>
+          </p:cNvSpPr>
+          <p:nvPr/>
+        </p:nvSpPr>
+        <p:spPr>
+          <a:xfrm>
+            <a:off x="0" y="210391"/>
+            <a:ext cx="8983300" cy="572425"/>
+          </a:xfrm>
+          <a:prstGeom prst="rect">
+            <a:avLst/>
+          </a:prstGeom>
+        </p:spPr>
+        <p:txBody>
+          <a:bodyPr vert="horz" lIns="91440" tIns="45720" rIns="91440" bIns="45720" rtlCol="0" anchor="ctr">
+            <a:normAutofit fontScale="90000" lnSpcReduction="20000"/>
+          </a:bodyPr>
+          <a:lstStyle>
+            <a:lvl1pPr algn="l" defTabSz="914400" rtl="0" eaLnBrk="1" latinLnBrk="0" hangingPunct="1">
+              <a:lnSpc>
+                <a:spcPct val="90000"/>
+              </a:lnSpc>
+              <a:spcBef>
+                <a:spcPct val="0"/>
+              </a:spcBef>
+              <a:buNone/>
+              <a:defRPr sz="4400" kern="1200">
+                <a:solidFill>
+                  <a:schemeClr val="tx1"/>
+                </a:solidFill>
+                <a:latin typeface="+mj-lt"/>
+                <a:ea typeface="+mj-ea"/>
+                <a:cs typeface="+mj-cs"/>
+              </a:defRPr>
+            </a:lvl1pPr>
+          </a:lstStyle>
+          <a:p>
+            <a:r>
+              <a:rPr lang="en-CA" sz="4400" b="1" dirty="0"/>
+              <a:t>Meta-characters --- Negative Character Sets</a:t>
+            </a:r>
+          </a:p>
+          <a:p>
+            <a:endParaRPr lang="en-CA" dirty="0">
+              <a:latin typeface="Cambria" panose="02040503050406030204" pitchFamily="18" charset="0"/>
+              <a:ea typeface="Cambria" panose="02040503050406030204" pitchFamily="18" charset="0"/>
+            </a:endParaRPr>
+          </a:p>
+        </p:txBody>
+      </p:sp>
+      <p:cxnSp>
+        <p:nvCxnSpPr>
+          <p:cNvPr id="22" name="Straight Connector 21">
+            <a:extLst>
+              <a:ext uri="{FF2B5EF4-FFF2-40B4-BE49-F238E27FC236}">
+                <a16:creationId xmlns:a16="http://schemas.microsoft.com/office/drawing/2014/main" id="{9AAA96B7-99DF-4292-A7CE-1E6B55682D98}"/>
+              </a:ext>
+            </a:extLst>
+          </p:cNvPr>
+          <p:cNvCxnSpPr/>
+          <p:nvPr/>
+        </p:nvCxnSpPr>
+        <p:spPr>
+          <a:xfrm>
+            <a:off x="0" y="496604"/>
+            <a:ext cx="10800000" cy="0"/>
+          </a:xfrm>
+          <a:prstGeom prst="line">
+            <a:avLst/>
+          </a:prstGeom>
+          <a:ln w="38100"/>
+        </p:spPr>
+        <p:style>
+          <a:lnRef idx="1">
+            <a:schemeClr val="accent1"/>
+          </a:lnRef>
+          <a:fillRef idx="0">
+            <a:schemeClr val="accent1"/>
+          </a:fillRef>
+          <a:effectRef idx="0">
+            <a:schemeClr val="accent1"/>
+          </a:effectRef>
+          <a:fontRef idx="minor">
+            <a:schemeClr val="tx1"/>
+          </a:fontRef>
+        </p:style>
+      </p:cxnSp>
+      <p:sp>
+        <p:nvSpPr>
+          <p:cNvPr id="10" name="TextBox 9">
+            <a:extLst>
+              <a:ext uri="{FF2B5EF4-FFF2-40B4-BE49-F238E27FC236}">
+                <a16:creationId xmlns:a16="http://schemas.microsoft.com/office/drawing/2014/main" id="{2090652F-147C-4A25-9EA3-8E36AEC4317F}"/>
+              </a:ext>
+            </a:extLst>
+          </p:cNvPr>
+          <p:cNvSpPr txBox="1"/>
+          <p:nvPr/>
+        </p:nvSpPr>
+        <p:spPr>
+          <a:xfrm>
+            <a:off x="270768" y="744803"/>
+            <a:ext cx="10329169" cy="3693319"/>
+          </a:xfrm>
+          <a:prstGeom prst="rect">
+            <a:avLst/>
+          </a:prstGeom>
+          <a:noFill/>
+        </p:spPr>
+        <p:txBody>
+          <a:bodyPr wrap="square">
+            <a:spAutoFit/>
+          </a:bodyPr>
+          <a:lstStyle/>
+          <a:p>
+            <a:endParaRPr lang="en-CA" dirty="0"/>
+          </a:p>
+          <a:p>
+            <a:endParaRPr lang="en-CA" dirty="0"/>
+          </a:p>
+          <a:p>
+            <a:pPr marL="285750" indent="-285750">
+              <a:buFont typeface="Wingdings" panose="05000000000000000000" pitchFamily="2" charset="2"/>
+              <a:buChar char="v"/>
+            </a:pPr>
+            <a:r>
+              <a:rPr lang="en-CA" dirty="0"/>
+              <a:t>Match characters that are not defined in  [  ]: this is how it is specified [^…]</a:t>
+            </a:r>
+          </a:p>
+          <a:p>
+            <a:pPr marL="285750" indent="-285750">
+              <a:buFont typeface="Wingdings" panose="05000000000000000000" pitchFamily="2" charset="2"/>
+              <a:buChar char="v"/>
+            </a:pPr>
+            <a:endParaRPr lang="en-CA" dirty="0"/>
+          </a:p>
+          <a:p>
+            <a:r>
+              <a:rPr lang="en-CA" dirty="0"/>
+              <a:t>	</a:t>
+            </a:r>
+          </a:p>
+          <a:p>
+            <a:r>
+              <a:rPr lang="en-CA" dirty="0"/>
+              <a:t>	Match Canada country code: “[^023456789]3067134413”</a:t>
+            </a:r>
+          </a:p>
+          <a:p>
+            <a:endParaRPr lang="en-CA" dirty="0"/>
+          </a:p>
+          <a:p>
+            <a:endParaRPr lang="en-CA" dirty="0"/>
+          </a:p>
+          <a:p>
+            <a:endParaRPr lang="en-CA" dirty="0"/>
+          </a:p>
+          <a:p>
+            <a:endParaRPr lang="en-CA" dirty="0"/>
+          </a:p>
+          <a:p>
+            <a:endParaRPr lang="en-CA" dirty="0"/>
+          </a:p>
+          <a:p>
+            <a:endParaRPr lang="en-CA" dirty="0"/>
+          </a:p>
+          <a:p>
+            <a:r>
+              <a:rPr lang="en-CA" dirty="0"/>
+              <a:t>     </a:t>
+            </a:r>
+          </a:p>
+        </p:txBody>
+      </p:sp>
+    </p:spTree>
+    <p:extLst>
+      <p:ext uri="{BB962C8B-B14F-4D97-AF65-F5344CB8AC3E}">
+        <p14:creationId xmlns:p14="http://schemas.microsoft.com/office/powerpoint/2010/main" val="3197436830"/>
+      </p:ext>
+    </p:extLst>
+  </p:cSld>
+  <p:clrMapOvr>
+    <a:masterClrMapping/>
+  </p:clrMapOvr>
+</p:sld>
+</file>
+
+<file path=ppt/slides/slide14.xml><?xml version="1.0" encoding="utf-8"?>
+<p:sld xmlns:a="http://schemas.openxmlformats.org/drawingml/2006/main" xmlns:r="http://schemas.openxmlformats.org/officeDocument/2006/relationships" xmlns:p="http://schemas.openxmlformats.org/presentationml/2006/main">
+  <p:cSld>
+    <p:bg>
+      <p:bgPr>
+        <a:solidFill>
+          <a:schemeClr val="bg1"/>
+        </a:solidFill>
+        <a:effectLst/>
+      </p:bgPr>
+    </p:bg>
+    <p:spTree>
+      <p:nvGrpSpPr>
+        <p:cNvPr id="1" name=""/>
+        <p:cNvGrpSpPr/>
+        <p:nvPr/>
+      </p:nvGrpSpPr>
+      <p:grpSpPr>
+        <a:xfrm>
+          <a:off x="0" y="0"/>
+          <a:ext cx="0" cy="0"/>
+          <a:chOff x="0" y="0"/>
+          <a:chExt cx="0" cy="0"/>
+        </a:xfrm>
+      </p:grpSpPr>
+      <p:sp useBgFill="1">
+        <p:nvSpPr>
+          <p:cNvPr id="31" name="Rectangle 20">
+            <a:extLst>
+              <a:ext uri="{FF2B5EF4-FFF2-40B4-BE49-F238E27FC236}">
+                <a16:creationId xmlns:a16="http://schemas.microsoft.com/office/drawing/2014/main" id="{979E27D9-03C7-44E2-9FF8-15D0C8506AF7}"/>
+              </a:ext>
+              <a:ext uri="{C183D7F6-B498-43B3-948B-1728B52AA6E4}">
+                <adec:decorative xmlns:adec="http://schemas.microsoft.com/office/drawing/2017/decorative" val="1"/>
+              </a:ext>
+            </a:extLst>
+          </p:cNvPr>
+          <p:cNvSpPr>
+            <a:spLocks noGrp="1" noRot="1" noChangeAspect="1" noMove="1" noResize="1" noEditPoints="1" noAdjustHandles="1" noChangeArrowheads="1" noChangeShapeType="1" noTextEdit="1"/>
+          </p:cNvSpPr>
+          <p:nvPr>
+            <p:extLst>
+              <p:ext uri="{386F3935-93C4-4BCD-93E2-E3B085C9AB24}">
+                <p16:designElem xmlns:p16="http://schemas.microsoft.com/office/powerpoint/2015/main" val="1"/>
+              </p:ext>
+            </p:extLst>
+          </p:nvPr>
+        </p:nvSpPr>
+        <p:spPr>
+          <a:xfrm>
+            <a:off x="0" y="0"/>
+            <a:ext cx="12192000" cy="6858000"/>
+          </a:xfrm>
+          <a:prstGeom prst="rect">
+            <a:avLst/>
+          </a:prstGeom>
+          <a:ln w="12700" cap="flat" cmpd="sng" algn="ctr">
+            <a:noFill/>
+            <a:prstDash val="solid"/>
+            <a:miter lim="800000"/>
+          </a:ln>
+          <a:effectLst/>
+          <a:extLst>
+            <a:ext uri="{91240B29-F687-4F45-9708-019B960494DF}">
+              <a14:hiddenLine xmlns:a14="http://schemas.microsoft.com/office/drawing/2010/main" w="12700" cap="flat" cmpd="sng" algn="ctr">
+                <a:solidFill>
+                  <a:schemeClr val="accent1">
+                    <a:shade val="50000"/>
+                  </a:schemeClr>
+                </a:solidFill>
+                <a:prstDash val="solid"/>
+                <a:miter lim="800000"/>
+              </a14:hiddenLine>
+            </a:ext>
+          </a:extLst>
+        </p:spPr>
+        <p:style>
+          <a:lnRef idx="2">
+            <a:schemeClr val="accent1">
+              <a:shade val="50000"/>
+            </a:schemeClr>
+          </a:lnRef>
+          <a:fillRef idx="1">
+            <a:schemeClr val="accent1"/>
+          </a:fillRef>
+          <a:effectRef idx="0">
+            <a:schemeClr val="accent1"/>
+          </a:effectRef>
+          <a:fontRef idx="minor">
+            <a:schemeClr val="lt1"/>
+          </a:fontRef>
+        </p:style>
+        <p:txBody>
+          <a:bodyPr rtlCol="0" anchor="ctr"/>
+          <a:lstStyle/>
+          <a:p>
+            <a:pPr algn="ctr"/>
+            <a:endParaRPr lang="en-US" dirty="0"/>
+          </a:p>
+        </p:txBody>
+      </p:sp>
+      <p:sp>
+        <p:nvSpPr>
+          <p:cNvPr id="32" name="Rectangle 22">
+            <a:extLst>
+              <a:ext uri="{FF2B5EF4-FFF2-40B4-BE49-F238E27FC236}">
+                <a16:creationId xmlns:a16="http://schemas.microsoft.com/office/drawing/2014/main" id="{EEBF1590-3B36-48EE-A89D-3B6F3CB256AB}"/>
+              </a:ext>
+              <a:ext uri="{C183D7F6-B498-43B3-948B-1728B52AA6E4}">
+                <adec:decorative xmlns:adec="http://schemas.microsoft.com/office/drawing/2017/decorative" val="1"/>
+              </a:ext>
+            </a:extLst>
+          </p:cNvPr>
+          <p:cNvSpPr>
+            <a:spLocks noGrp="1" noRot="1" noChangeAspect="1" noMove="1" noResize="1" noEditPoints="1" noAdjustHandles="1" noChangeArrowheads="1" noChangeShapeType="1" noTextEdit="1"/>
+          </p:cNvSpPr>
+          <p:nvPr>
+            <p:extLst>
+              <p:ext uri="{386F3935-93C4-4BCD-93E2-E3B085C9AB24}">
+                <p16:designElem xmlns:p16="http://schemas.microsoft.com/office/powerpoint/2015/main" val="1"/>
+              </p:ext>
+            </p:extLst>
+          </p:nvPr>
+        </p:nvSpPr>
+        <p:spPr>
+          <a:xfrm rot="10800000" flipH="1">
+            <a:off x="0" y="6400799"/>
+            <a:ext cx="12192000" cy="456773"/>
+          </a:xfrm>
+          <a:prstGeom prst="rect">
+            <a:avLst/>
+          </a:prstGeom>
+          <a:gradFill>
+            <a:gsLst>
+              <a:gs pos="0">
+                <a:schemeClr val="accent1"/>
+              </a:gs>
+              <a:gs pos="100000">
+                <a:schemeClr val="accent1">
+                  <a:lumMod val="50000"/>
+                </a:schemeClr>
+              </a:gs>
+            </a:gsLst>
+            <a:lin ang="6600000" scaled="0"/>
+          </a:gradFill>
+          <a:ln>
+            <a:noFill/>
+          </a:ln>
+        </p:spPr>
+        <p:style>
+          <a:lnRef idx="2">
+            <a:schemeClr val="accent1">
+              <a:shade val="50000"/>
+            </a:schemeClr>
+          </a:lnRef>
+          <a:fillRef idx="1">
+            <a:schemeClr val="accent1"/>
+          </a:fillRef>
+          <a:effectRef idx="0">
+            <a:schemeClr val="accent1"/>
+          </a:effectRef>
+          <a:fontRef idx="minor">
+            <a:schemeClr val="lt1"/>
+          </a:fontRef>
+        </p:style>
+        <p:txBody>
+          <a:bodyPr rtlCol="0" anchor="ctr"/>
+          <a:lstStyle/>
+          <a:p>
+            <a:pPr algn="ctr"/>
+            <a:endParaRPr lang="en-US" dirty="0"/>
+          </a:p>
+        </p:txBody>
+      </p:sp>
+      <p:sp>
+        <p:nvSpPr>
+          <p:cNvPr id="33" name="Rectangle 24">
+            <a:extLst>
+              <a:ext uri="{FF2B5EF4-FFF2-40B4-BE49-F238E27FC236}">
+                <a16:creationId xmlns:a16="http://schemas.microsoft.com/office/drawing/2014/main" id="{AC8F6C8C-AB5A-4548-942D-E3FD40ACBC49}"/>
+              </a:ext>
+              <a:ext uri="{C183D7F6-B498-43B3-948B-1728B52AA6E4}">
+                <adec:decorative xmlns:adec="http://schemas.microsoft.com/office/drawing/2017/decorative" val="1"/>
+              </a:ext>
+            </a:extLst>
+          </p:cNvPr>
+          <p:cNvSpPr>
+            <a:spLocks noGrp="1" noRot="1" noChangeAspect="1" noMove="1" noResize="1" noEditPoints="1" noAdjustHandles="1" noChangeArrowheads="1" noChangeShapeType="1" noTextEdit="1"/>
+          </p:cNvSpPr>
+          <p:nvPr>
+            <p:extLst>
+              <p:ext uri="{386F3935-93C4-4BCD-93E2-E3B085C9AB24}">
+                <p16:designElem xmlns:p16="http://schemas.microsoft.com/office/powerpoint/2015/main" val="1"/>
+              </p:ext>
+            </p:extLst>
+          </p:nvPr>
+        </p:nvSpPr>
+        <p:spPr>
+          <a:xfrm flipH="1">
+            <a:off x="4038600" y="6400799"/>
+            <a:ext cx="8153398" cy="456772"/>
+          </a:xfrm>
+          <a:prstGeom prst="rect">
+            <a:avLst/>
+          </a:prstGeom>
+          <a:gradFill>
+            <a:gsLst>
+              <a:gs pos="0">
+                <a:srgbClr val="000000">
+                  <a:alpha val="76000"/>
+                </a:srgbClr>
+              </a:gs>
+              <a:gs pos="100000">
+                <a:schemeClr val="accent1"/>
+              </a:gs>
+            </a:gsLst>
+            <a:lin ang="17400000" scaled="0"/>
+          </a:gradFill>
+          <a:ln>
+            <a:noFill/>
+          </a:ln>
+        </p:spPr>
+        <p:style>
+          <a:lnRef idx="2">
+            <a:schemeClr val="accent1">
+              <a:shade val="50000"/>
+            </a:schemeClr>
+          </a:lnRef>
+          <a:fillRef idx="1">
+            <a:schemeClr val="accent1"/>
+          </a:fillRef>
+          <a:effectRef idx="0">
+            <a:schemeClr val="accent1"/>
+          </a:effectRef>
+          <a:fontRef idx="minor">
+            <a:schemeClr val="lt1"/>
+          </a:fontRef>
+        </p:style>
+        <p:txBody>
+          <a:bodyPr rtlCol="0" anchor="ctr"/>
+          <a:lstStyle/>
+          <a:p>
+            <a:pPr algn="ctr"/>
+            <a:endParaRPr lang="en-US" dirty="0"/>
+          </a:p>
+        </p:txBody>
+      </p:sp>
+      <p:pic>
+        <p:nvPicPr>
+          <p:cNvPr id="5" name="Content Placeholder 4" descr="Logo&#10;&#10;Description automatically generated with medium confidence">
+            <a:extLst>
+              <a:ext uri="{FF2B5EF4-FFF2-40B4-BE49-F238E27FC236}">
+                <a16:creationId xmlns:a16="http://schemas.microsoft.com/office/drawing/2014/main" id="{D45B6C06-472A-4FAF-ABFC-9E549C7F0B64}"/>
+              </a:ext>
+            </a:extLst>
+          </p:cNvPr>
+          <p:cNvPicPr>
+            <a:picLocks noGrp="1" noChangeAspect="1"/>
+          </p:cNvPicPr>
+          <p:nvPr>
+            <p:ph idx="1"/>
+          </p:nvPr>
+        </p:nvPicPr>
+        <p:blipFill>
+          <a:blip r:embed="rId2">
+            <a:extLst>
+              <a:ext uri="{28A0092B-C50C-407E-A947-70E740481C1C}">
+                <a14:useLocalDpi xmlns:a14="http://schemas.microsoft.com/office/drawing/2010/main" val="0"/>
+              </a:ext>
+            </a:extLst>
+          </a:blip>
+          <a:stretch>
+            <a:fillRect/>
+          </a:stretch>
+        </p:blipFill>
+        <p:spPr>
+          <a:xfrm>
+            <a:off x="10485000" y="96676"/>
+            <a:ext cx="1706998" cy="456772"/>
+          </a:xfrm>
+        </p:spPr>
+      </p:pic>
+      <p:sp>
+        <p:nvSpPr>
+          <p:cNvPr id="11" name="Title 1">
+            <a:extLst>
+              <a:ext uri="{FF2B5EF4-FFF2-40B4-BE49-F238E27FC236}">
+                <a16:creationId xmlns:a16="http://schemas.microsoft.com/office/drawing/2014/main" id="{014E4B23-84A4-4D28-8148-5DA1923358C3}"/>
+              </a:ext>
+            </a:extLst>
+          </p:cNvPr>
+          <p:cNvSpPr txBox="1">
+            <a:spLocks/>
+          </p:cNvSpPr>
+          <p:nvPr/>
+        </p:nvSpPr>
+        <p:spPr>
+          <a:xfrm>
+            <a:off x="0" y="210391"/>
+            <a:ext cx="8983300" cy="572425"/>
+          </a:xfrm>
+          <a:prstGeom prst="rect">
+            <a:avLst/>
+          </a:prstGeom>
+        </p:spPr>
+        <p:txBody>
+          <a:bodyPr vert="horz" lIns="91440" tIns="45720" rIns="91440" bIns="45720" rtlCol="0" anchor="ctr">
+            <a:normAutofit fontScale="90000" lnSpcReduction="20000"/>
+          </a:bodyPr>
+          <a:lstStyle>
+            <a:lvl1pPr algn="l" defTabSz="914400" rtl="0" eaLnBrk="1" latinLnBrk="0" hangingPunct="1">
+              <a:lnSpc>
+                <a:spcPct val="90000"/>
+              </a:lnSpc>
+              <a:spcBef>
+                <a:spcPct val="0"/>
+              </a:spcBef>
+              <a:buNone/>
+              <a:defRPr sz="4400" kern="1200">
+                <a:solidFill>
+                  <a:schemeClr val="tx1"/>
+                </a:solidFill>
+                <a:latin typeface="+mj-lt"/>
+                <a:ea typeface="+mj-ea"/>
+                <a:cs typeface="+mj-cs"/>
+              </a:defRPr>
+            </a:lvl1pPr>
+          </a:lstStyle>
+          <a:p>
+            <a:r>
+              <a:rPr lang="en-CA" sz="4400" b="1" dirty="0"/>
+              <a:t>Character Classes</a:t>
+            </a:r>
+          </a:p>
+          <a:p>
+            <a:endParaRPr lang="en-CA" dirty="0">
+              <a:latin typeface="Cambria" panose="02040503050406030204" pitchFamily="18" charset="0"/>
+              <a:ea typeface="Cambria" panose="02040503050406030204" pitchFamily="18" charset="0"/>
+            </a:endParaRPr>
+          </a:p>
+        </p:txBody>
+      </p:sp>
+      <p:cxnSp>
+        <p:nvCxnSpPr>
+          <p:cNvPr id="22" name="Straight Connector 21">
+            <a:extLst>
+              <a:ext uri="{FF2B5EF4-FFF2-40B4-BE49-F238E27FC236}">
+                <a16:creationId xmlns:a16="http://schemas.microsoft.com/office/drawing/2014/main" id="{9AAA96B7-99DF-4292-A7CE-1E6B55682D98}"/>
+              </a:ext>
+            </a:extLst>
+          </p:cNvPr>
+          <p:cNvCxnSpPr/>
+          <p:nvPr/>
+        </p:nvCxnSpPr>
+        <p:spPr>
+          <a:xfrm>
+            <a:off x="0" y="496604"/>
+            <a:ext cx="10800000" cy="0"/>
+          </a:xfrm>
+          <a:prstGeom prst="line">
+            <a:avLst/>
+          </a:prstGeom>
+          <a:ln w="38100"/>
+        </p:spPr>
+        <p:style>
+          <a:lnRef idx="1">
+            <a:schemeClr val="accent1"/>
+          </a:lnRef>
+          <a:fillRef idx="0">
+            <a:schemeClr val="accent1"/>
+          </a:fillRef>
+          <a:effectRef idx="0">
+            <a:schemeClr val="accent1"/>
+          </a:effectRef>
+          <a:fontRef idx="minor">
+            <a:schemeClr val="tx1"/>
+          </a:fontRef>
+        </p:style>
+      </p:cxnSp>
+      <p:sp>
+        <p:nvSpPr>
+          <p:cNvPr id="10" name="TextBox 9">
+            <a:extLst>
+              <a:ext uri="{FF2B5EF4-FFF2-40B4-BE49-F238E27FC236}">
+                <a16:creationId xmlns:a16="http://schemas.microsoft.com/office/drawing/2014/main" id="{2090652F-147C-4A25-9EA3-8E36AEC4317F}"/>
+              </a:ext>
+            </a:extLst>
+          </p:cNvPr>
+          <p:cNvSpPr txBox="1"/>
+          <p:nvPr/>
+        </p:nvSpPr>
+        <p:spPr>
+          <a:xfrm>
+            <a:off x="270768" y="744803"/>
+            <a:ext cx="10329169" cy="6463308"/>
+          </a:xfrm>
+          <a:prstGeom prst="rect">
+            <a:avLst/>
+          </a:prstGeom>
+          <a:noFill/>
+        </p:spPr>
+        <p:txBody>
+          <a:bodyPr wrap="square">
+            <a:spAutoFit/>
+          </a:bodyPr>
+          <a:lstStyle/>
+          <a:p>
+            <a:endParaRPr lang="en-CA" dirty="0"/>
+          </a:p>
+          <a:p>
+            <a:pPr marL="285750" indent="-285750">
+              <a:buFont typeface="Wingdings" panose="05000000000000000000" pitchFamily="2" charset="2"/>
+              <a:buChar char="v"/>
+            </a:pPr>
+            <a:r>
+              <a:rPr lang="en-CA" dirty="0"/>
+              <a:t>Already defined classes that can be used as short-cuts to match patterns</a:t>
+            </a:r>
+          </a:p>
+          <a:p>
+            <a:endParaRPr lang="en-CA" dirty="0"/>
+          </a:p>
+          <a:p>
+            <a:pPr marL="285750" indent="-285750">
+              <a:buFont typeface="Wingdings" panose="05000000000000000000" pitchFamily="2" charset="2"/>
+              <a:buChar char="v"/>
+            </a:pPr>
+            <a:endParaRPr lang="en-CA" dirty="0"/>
+          </a:p>
+          <a:p>
+            <a:r>
+              <a:rPr lang="en-CA" b="1" dirty="0"/>
+              <a:t>Class  			Meaning    				Character Sets	</a:t>
+            </a:r>
+          </a:p>
+          <a:p>
+            <a:endParaRPr lang="en-CA" dirty="0"/>
+          </a:p>
+          <a:p>
+            <a:r>
+              <a:rPr lang="en-US" dirty="0"/>
+              <a:t>\\d      			any digit    				 [0-9]</a:t>
+            </a:r>
+          </a:p>
+          <a:p>
+            <a:endParaRPr lang="en-US" dirty="0"/>
+          </a:p>
+          <a:p>
+            <a:r>
+              <a:rPr lang="en-US" dirty="0"/>
+              <a:t>\\D       			 any non-digit   				[^0-9]</a:t>
+            </a:r>
+          </a:p>
+          <a:p>
+            <a:endParaRPr lang="en-US" dirty="0"/>
+          </a:p>
+          <a:p>
+            <a:r>
+              <a:rPr lang="en-US" dirty="0"/>
+              <a:t> \\w     			any character which is part of a word    		[a-zA-Z0-9]</a:t>
+            </a:r>
+          </a:p>
+          <a:p>
+            <a:endParaRPr lang="en-US" dirty="0"/>
+          </a:p>
+          <a:p>
+            <a:r>
+              <a:rPr lang="en-US" dirty="0"/>
+              <a:t> \\W        			not part of a word          			[^a-zA-Z0-9]</a:t>
+            </a:r>
+          </a:p>
+          <a:p>
+            <a:endParaRPr lang="en-US" dirty="0"/>
+          </a:p>
+          <a:p>
+            <a:r>
+              <a:rPr lang="en-US" dirty="0"/>
+              <a:t> \\s    			any white space      				[\f\n\r\t\v]</a:t>
+            </a:r>
+          </a:p>
+          <a:p>
+            <a:endParaRPr lang="en-US" dirty="0"/>
+          </a:p>
+          <a:p>
+            <a:r>
+              <a:rPr lang="en-US" dirty="0"/>
+              <a:t> \\S  			any non-white character   			[^\f\n\r\t\v]</a:t>
+            </a:r>
+            <a:endParaRPr lang="en-CA" dirty="0"/>
+          </a:p>
+          <a:p>
+            <a:endParaRPr lang="en-CA" dirty="0"/>
+          </a:p>
+          <a:p>
+            <a:endParaRPr lang="en-CA" dirty="0"/>
+          </a:p>
+          <a:p>
+            <a:endParaRPr lang="en-CA" dirty="0"/>
+          </a:p>
+          <a:p>
+            <a:endParaRPr lang="en-CA" dirty="0"/>
+          </a:p>
+          <a:p>
+            <a:endParaRPr lang="en-CA" dirty="0"/>
+          </a:p>
+          <a:p>
+            <a:r>
+              <a:rPr lang="en-CA" dirty="0"/>
+              <a:t>     </a:t>
+            </a:r>
+          </a:p>
+        </p:txBody>
+      </p:sp>
+    </p:spTree>
+    <p:extLst>
+      <p:ext uri="{BB962C8B-B14F-4D97-AF65-F5344CB8AC3E}">
+        <p14:creationId xmlns:p14="http://schemas.microsoft.com/office/powerpoint/2010/main" val="3797609546"/>
+      </p:ext>
+    </p:extLst>
+  </p:cSld>
+  <p:clrMapOvr>
+    <a:masterClrMapping/>
+  </p:clrMapOvr>
+</p:sld>
+</file>
+
+<file path=ppt/slides/slide15.xml><?xml version="1.0" encoding="utf-8"?>
+<p:sld xmlns:a="http://schemas.openxmlformats.org/drawingml/2006/main" xmlns:r="http://schemas.openxmlformats.org/officeDocument/2006/relationships" xmlns:p="http://schemas.openxmlformats.org/presentationml/2006/main">
+  <p:cSld>
+    <p:bg>
+      <p:bgPr>
+        <a:solidFill>
+          <a:schemeClr val="bg1"/>
+        </a:solidFill>
+        <a:effectLst/>
+      </p:bgPr>
+    </p:bg>
+    <p:spTree>
+      <p:nvGrpSpPr>
+        <p:cNvPr id="1" name=""/>
+        <p:cNvGrpSpPr/>
+        <p:nvPr/>
+      </p:nvGrpSpPr>
+      <p:grpSpPr>
+        <a:xfrm>
+          <a:off x="0" y="0"/>
+          <a:ext cx="0" cy="0"/>
+          <a:chOff x="0" y="0"/>
+          <a:chExt cx="0" cy="0"/>
+        </a:xfrm>
+      </p:grpSpPr>
+      <p:sp useBgFill="1">
+        <p:nvSpPr>
+          <p:cNvPr id="31" name="Rectangle 20">
+            <a:extLst>
+              <a:ext uri="{FF2B5EF4-FFF2-40B4-BE49-F238E27FC236}">
+                <a16:creationId xmlns:a16="http://schemas.microsoft.com/office/drawing/2014/main" id="{979E27D9-03C7-44E2-9FF8-15D0C8506AF7}"/>
+              </a:ext>
+              <a:ext uri="{C183D7F6-B498-43B3-948B-1728B52AA6E4}">
+                <adec:decorative xmlns:adec="http://schemas.microsoft.com/office/drawing/2017/decorative" val="1"/>
+              </a:ext>
+            </a:extLst>
+          </p:cNvPr>
+          <p:cNvSpPr>
+            <a:spLocks noGrp="1" noRot="1" noChangeAspect="1" noMove="1" noResize="1" noEditPoints="1" noAdjustHandles="1" noChangeArrowheads="1" noChangeShapeType="1" noTextEdit="1"/>
+          </p:cNvSpPr>
+          <p:nvPr>
+            <p:extLst>
+              <p:ext uri="{386F3935-93C4-4BCD-93E2-E3B085C9AB24}">
+                <p16:designElem xmlns:p16="http://schemas.microsoft.com/office/powerpoint/2015/main" val="1"/>
+              </p:ext>
+            </p:extLst>
+          </p:nvPr>
+        </p:nvSpPr>
+        <p:spPr>
+          <a:xfrm>
+            <a:off x="0" y="0"/>
+            <a:ext cx="12192000" cy="6858000"/>
+          </a:xfrm>
+          <a:prstGeom prst="rect">
+            <a:avLst/>
+          </a:prstGeom>
+          <a:ln w="12700" cap="flat" cmpd="sng" algn="ctr">
+            <a:noFill/>
+            <a:prstDash val="solid"/>
+            <a:miter lim="800000"/>
+          </a:ln>
+          <a:effectLst/>
+          <a:extLst>
+            <a:ext uri="{91240B29-F687-4F45-9708-019B960494DF}">
+              <a14:hiddenLine xmlns:a14="http://schemas.microsoft.com/office/drawing/2010/main" w="12700" cap="flat" cmpd="sng" algn="ctr">
+                <a:solidFill>
+                  <a:schemeClr val="accent1">
+                    <a:shade val="50000"/>
+                  </a:schemeClr>
+                </a:solidFill>
+                <a:prstDash val="solid"/>
+                <a:miter lim="800000"/>
+              </a14:hiddenLine>
+            </a:ext>
+          </a:extLst>
+        </p:spPr>
+        <p:style>
+          <a:lnRef idx="2">
+            <a:schemeClr val="accent1">
+              <a:shade val="50000"/>
+            </a:schemeClr>
+          </a:lnRef>
+          <a:fillRef idx="1">
+            <a:schemeClr val="accent1"/>
+          </a:fillRef>
+          <a:effectRef idx="0">
+            <a:schemeClr val="accent1"/>
+          </a:effectRef>
+          <a:fontRef idx="minor">
+            <a:schemeClr val="lt1"/>
+          </a:fontRef>
+        </p:style>
+        <p:txBody>
+          <a:bodyPr rtlCol="0" anchor="ctr"/>
+          <a:lstStyle/>
+          <a:p>
+            <a:pPr algn="ctr"/>
+            <a:endParaRPr lang="en-US" dirty="0"/>
+          </a:p>
+        </p:txBody>
+      </p:sp>
+      <p:sp>
+        <p:nvSpPr>
+          <p:cNvPr id="32" name="Rectangle 22">
+            <a:extLst>
+              <a:ext uri="{FF2B5EF4-FFF2-40B4-BE49-F238E27FC236}">
+                <a16:creationId xmlns:a16="http://schemas.microsoft.com/office/drawing/2014/main" id="{EEBF1590-3B36-48EE-A89D-3B6F3CB256AB}"/>
+              </a:ext>
+              <a:ext uri="{C183D7F6-B498-43B3-948B-1728B52AA6E4}">
+                <adec:decorative xmlns:adec="http://schemas.microsoft.com/office/drawing/2017/decorative" val="1"/>
+              </a:ext>
+            </a:extLst>
+          </p:cNvPr>
+          <p:cNvSpPr>
+            <a:spLocks noGrp="1" noRot="1" noChangeAspect="1" noMove="1" noResize="1" noEditPoints="1" noAdjustHandles="1" noChangeArrowheads="1" noChangeShapeType="1" noTextEdit="1"/>
+          </p:cNvSpPr>
+          <p:nvPr>
+            <p:extLst>
+              <p:ext uri="{386F3935-93C4-4BCD-93E2-E3B085C9AB24}">
+                <p16:designElem xmlns:p16="http://schemas.microsoft.com/office/powerpoint/2015/main" val="1"/>
+              </p:ext>
+            </p:extLst>
+          </p:nvPr>
+        </p:nvSpPr>
+        <p:spPr>
+          <a:xfrm rot="10800000" flipH="1">
+            <a:off x="0" y="6400799"/>
+            <a:ext cx="12192000" cy="456773"/>
+          </a:xfrm>
+          <a:prstGeom prst="rect">
+            <a:avLst/>
+          </a:prstGeom>
+          <a:gradFill>
+            <a:gsLst>
+              <a:gs pos="0">
+                <a:schemeClr val="accent1"/>
+              </a:gs>
+              <a:gs pos="100000">
+                <a:schemeClr val="accent1">
+                  <a:lumMod val="50000"/>
+                </a:schemeClr>
+              </a:gs>
+            </a:gsLst>
+            <a:lin ang="6600000" scaled="0"/>
+          </a:gradFill>
+          <a:ln>
+            <a:noFill/>
+          </a:ln>
+        </p:spPr>
+        <p:style>
+          <a:lnRef idx="2">
+            <a:schemeClr val="accent1">
+              <a:shade val="50000"/>
+            </a:schemeClr>
+          </a:lnRef>
+          <a:fillRef idx="1">
+            <a:schemeClr val="accent1"/>
+          </a:fillRef>
+          <a:effectRef idx="0">
+            <a:schemeClr val="accent1"/>
+          </a:effectRef>
+          <a:fontRef idx="minor">
+            <a:schemeClr val="lt1"/>
+          </a:fontRef>
+        </p:style>
+        <p:txBody>
+          <a:bodyPr rtlCol="0" anchor="ctr"/>
+          <a:lstStyle/>
+          <a:p>
+            <a:pPr algn="ctr"/>
+            <a:endParaRPr lang="en-US" dirty="0"/>
+          </a:p>
+        </p:txBody>
+      </p:sp>
+      <p:sp>
+        <p:nvSpPr>
+          <p:cNvPr id="33" name="Rectangle 24">
+            <a:extLst>
+              <a:ext uri="{FF2B5EF4-FFF2-40B4-BE49-F238E27FC236}">
+                <a16:creationId xmlns:a16="http://schemas.microsoft.com/office/drawing/2014/main" id="{AC8F6C8C-AB5A-4548-942D-E3FD40ACBC49}"/>
+              </a:ext>
+              <a:ext uri="{C183D7F6-B498-43B3-948B-1728B52AA6E4}">
+                <adec:decorative xmlns:adec="http://schemas.microsoft.com/office/drawing/2017/decorative" val="1"/>
+              </a:ext>
+            </a:extLst>
+          </p:cNvPr>
+          <p:cNvSpPr>
+            <a:spLocks noGrp="1" noRot="1" noChangeAspect="1" noMove="1" noResize="1" noEditPoints="1" noAdjustHandles="1" noChangeArrowheads="1" noChangeShapeType="1" noTextEdit="1"/>
+          </p:cNvSpPr>
+          <p:nvPr>
+            <p:extLst>
+              <p:ext uri="{386F3935-93C4-4BCD-93E2-E3B085C9AB24}">
+                <p16:designElem xmlns:p16="http://schemas.microsoft.com/office/powerpoint/2015/main" val="1"/>
+              </p:ext>
+            </p:extLst>
+          </p:nvPr>
+        </p:nvSpPr>
+        <p:spPr>
+          <a:xfrm flipH="1">
+            <a:off x="4038600" y="6400799"/>
+            <a:ext cx="8153398" cy="456772"/>
+          </a:xfrm>
+          <a:prstGeom prst="rect">
+            <a:avLst/>
+          </a:prstGeom>
+          <a:gradFill>
+            <a:gsLst>
+              <a:gs pos="0">
+                <a:srgbClr val="000000">
+                  <a:alpha val="76000"/>
+                </a:srgbClr>
+              </a:gs>
+              <a:gs pos="100000">
+                <a:schemeClr val="accent1"/>
+              </a:gs>
+            </a:gsLst>
+            <a:lin ang="17400000" scaled="0"/>
+          </a:gradFill>
+          <a:ln>
+            <a:noFill/>
+          </a:ln>
+        </p:spPr>
+        <p:style>
+          <a:lnRef idx="2">
+            <a:schemeClr val="accent1">
+              <a:shade val="50000"/>
+            </a:schemeClr>
+          </a:lnRef>
+          <a:fillRef idx="1">
+            <a:schemeClr val="accent1"/>
+          </a:fillRef>
+          <a:effectRef idx="0">
+            <a:schemeClr val="accent1"/>
+          </a:effectRef>
+          <a:fontRef idx="minor">
+            <a:schemeClr val="lt1"/>
+          </a:fontRef>
+        </p:style>
+        <p:txBody>
+          <a:bodyPr rtlCol="0" anchor="ctr"/>
+          <a:lstStyle/>
+          <a:p>
+            <a:pPr algn="ctr"/>
+            <a:endParaRPr lang="en-US" dirty="0"/>
+          </a:p>
+        </p:txBody>
+      </p:sp>
+      <p:pic>
+        <p:nvPicPr>
+          <p:cNvPr id="5" name="Content Placeholder 4" descr="Logo&#10;&#10;Description automatically generated with medium confidence">
+            <a:extLst>
+              <a:ext uri="{FF2B5EF4-FFF2-40B4-BE49-F238E27FC236}">
+                <a16:creationId xmlns:a16="http://schemas.microsoft.com/office/drawing/2014/main" id="{D45B6C06-472A-4FAF-ABFC-9E549C7F0B64}"/>
+              </a:ext>
+            </a:extLst>
+          </p:cNvPr>
+          <p:cNvPicPr>
+            <a:picLocks noGrp="1" noChangeAspect="1"/>
+          </p:cNvPicPr>
+          <p:nvPr>
+            <p:ph idx="1"/>
+          </p:nvPr>
+        </p:nvPicPr>
+        <p:blipFill>
+          <a:blip r:embed="rId2">
+            <a:extLst>
+              <a:ext uri="{28A0092B-C50C-407E-A947-70E740481C1C}">
+                <a14:useLocalDpi xmlns:a14="http://schemas.microsoft.com/office/drawing/2010/main" val="0"/>
+              </a:ext>
+            </a:extLst>
+          </a:blip>
+          <a:stretch>
+            <a:fillRect/>
+          </a:stretch>
+        </p:blipFill>
+        <p:spPr>
+          <a:xfrm>
+            <a:off x="10485000" y="96676"/>
+            <a:ext cx="1706998" cy="456772"/>
+          </a:xfrm>
+        </p:spPr>
+      </p:pic>
+      <p:sp>
+        <p:nvSpPr>
+          <p:cNvPr id="11" name="Title 1">
+            <a:extLst>
+              <a:ext uri="{FF2B5EF4-FFF2-40B4-BE49-F238E27FC236}">
+                <a16:creationId xmlns:a16="http://schemas.microsoft.com/office/drawing/2014/main" id="{014E4B23-84A4-4D28-8148-5DA1923358C3}"/>
+              </a:ext>
+            </a:extLst>
+          </p:cNvPr>
+          <p:cNvSpPr txBox="1">
+            <a:spLocks/>
+          </p:cNvSpPr>
+          <p:nvPr/>
+        </p:nvSpPr>
+        <p:spPr>
+          <a:xfrm>
+            <a:off x="0" y="210391"/>
+            <a:ext cx="8983300" cy="572425"/>
+          </a:xfrm>
+          <a:prstGeom prst="rect">
+            <a:avLst/>
+          </a:prstGeom>
+        </p:spPr>
+        <p:txBody>
+          <a:bodyPr vert="horz" lIns="91440" tIns="45720" rIns="91440" bIns="45720" rtlCol="0" anchor="ctr">
+            <a:normAutofit fontScale="90000" lnSpcReduction="20000"/>
+          </a:bodyPr>
+          <a:lstStyle>
+            <a:lvl1pPr algn="l" defTabSz="914400" rtl="0" eaLnBrk="1" latinLnBrk="0" hangingPunct="1">
+              <a:lnSpc>
+                <a:spcPct val="90000"/>
+              </a:lnSpc>
+              <a:spcBef>
+                <a:spcPct val="0"/>
+              </a:spcBef>
+              <a:buNone/>
+              <a:defRPr sz="4400" kern="1200">
+                <a:solidFill>
+                  <a:schemeClr val="tx1"/>
+                </a:solidFill>
+                <a:latin typeface="+mj-lt"/>
+                <a:ea typeface="+mj-ea"/>
+                <a:cs typeface="+mj-cs"/>
+              </a:defRPr>
+            </a:lvl1pPr>
+          </a:lstStyle>
+          <a:p>
+            <a:r>
+              <a:rPr lang="en-CA" sz="4400" b="1" dirty="0"/>
+              <a:t>POSIX Character Classes</a:t>
+            </a:r>
+          </a:p>
+          <a:p>
+            <a:endParaRPr lang="en-CA" dirty="0">
+              <a:latin typeface="Cambria" panose="02040503050406030204" pitchFamily="18" charset="0"/>
+              <a:ea typeface="Cambria" panose="02040503050406030204" pitchFamily="18" charset="0"/>
+            </a:endParaRPr>
+          </a:p>
+        </p:txBody>
+      </p:sp>
+      <p:cxnSp>
+        <p:nvCxnSpPr>
+          <p:cNvPr id="22" name="Straight Connector 21">
+            <a:extLst>
+              <a:ext uri="{FF2B5EF4-FFF2-40B4-BE49-F238E27FC236}">
+                <a16:creationId xmlns:a16="http://schemas.microsoft.com/office/drawing/2014/main" id="{9AAA96B7-99DF-4292-A7CE-1E6B55682D98}"/>
+              </a:ext>
+            </a:extLst>
+          </p:cNvPr>
+          <p:cNvCxnSpPr/>
+          <p:nvPr/>
+        </p:nvCxnSpPr>
+        <p:spPr>
+          <a:xfrm>
+            <a:off x="0" y="496604"/>
+            <a:ext cx="10800000" cy="0"/>
+          </a:xfrm>
+          <a:prstGeom prst="line">
+            <a:avLst/>
+          </a:prstGeom>
+          <a:ln w="38100"/>
+        </p:spPr>
+        <p:style>
+          <a:lnRef idx="1">
+            <a:schemeClr val="accent1"/>
+          </a:lnRef>
+          <a:fillRef idx="0">
+            <a:schemeClr val="accent1"/>
+          </a:fillRef>
+          <a:effectRef idx="0">
+            <a:schemeClr val="accent1"/>
+          </a:effectRef>
+          <a:fontRef idx="minor">
+            <a:schemeClr val="tx1"/>
+          </a:fontRef>
+        </p:style>
+      </p:cxnSp>
+      <p:sp>
+        <p:nvSpPr>
+          <p:cNvPr id="10" name="TextBox 9">
+            <a:extLst>
+              <a:ext uri="{FF2B5EF4-FFF2-40B4-BE49-F238E27FC236}">
+                <a16:creationId xmlns:a16="http://schemas.microsoft.com/office/drawing/2014/main" id="{2090652F-147C-4A25-9EA3-8E36AEC4317F}"/>
+              </a:ext>
+            </a:extLst>
+          </p:cNvPr>
+          <p:cNvSpPr txBox="1"/>
+          <p:nvPr/>
+        </p:nvSpPr>
+        <p:spPr>
+          <a:xfrm>
+            <a:off x="270768" y="744803"/>
+            <a:ext cx="10329169" cy="5632311"/>
+          </a:xfrm>
+          <a:prstGeom prst="rect">
+            <a:avLst/>
+          </a:prstGeom>
+          <a:noFill/>
+        </p:spPr>
+        <p:txBody>
+          <a:bodyPr wrap="square">
+            <a:spAutoFit/>
+          </a:bodyPr>
+          <a:lstStyle/>
+          <a:p>
+            <a:endParaRPr lang="en-CA" dirty="0"/>
+          </a:p>
+          <a:p>
+            <a:endParaRPr lang="en-CA" dirty="0"/>
+          </a:p>
+          <a:p>
+            <a:r>
+              <a:rPr lang="en-CA" b="1" dirty="0"/>
+              <a:t>Class  			Meaning    				Character Sets	</a:t>
+            </a:r>
+          </a:p>
+          <a:p>
+            <a:endParaRPr lang="en-US" dirty="0"/>
+          </a:p>
+          <a:p>
+            <a:r>
+              <a:rPr lang="en-US" dirty="0"/>
+              <a:t> [:</a:t>
+            </a:r>
+            <a:r>
+              <a:rPr lang="en-US" dirty="0" err="1"/>
+              <a:t>alnum</a:t>
+            </a:r>
+            <a:r>
+              <a:rPr lang="en-US" dirty="0"/>
+              <a:t>:]			any letter or digit				[a-zA-Z0-9]</a:t>
+            </a:r>
+          </a:p>
+          <a:p>
+            <a:r>
+              <a:rPr lang="en-US" dirty="0"/>
+              <a:t> [:alpha:]			any letter					[a-</a:t>
+            </a:r>
+            <a:r>
+              <a:rPr lang="en-US" dirty="0" err="1"/>
+              <a:t>zA</a:t>
+            </a:r>
+            <a:r>
+              <a:rPr lang="en-US" dirty="0"/>
+              <a:t>-Z]</a:t>
+            </a:r>
+          </a:p>
+          <a:p>
+            <a:r>
+              <a:rPr lang="en-US" dirty="0"/>
+              <a:t> [:digit:]	 		any digit					[0-9]</a:t>
+            </a:r>
+          </a:p>
+          <a:p>
+            <a:r>
+              <a:rPr lang="en-US" dirty="0"/>
+              <a:t> [:lower:]			any lower case letter			[a-z]</a:t>
+            </a:r>
+          </a:p>
+          <a:p>
+            <a:r>
+              <a:rPr lang="en-US" dirty="0"/>
+              <a:t> [:upper:]			any upper case letter			[A-Z]</a:t>
+            </a:r>
+          </a:p>
+          <a:p>
+            <a:r>
+              <a:rPr lang="en-US" dirty="0"/>
+              <a:t> [:space:]			any whitespace 				[\f\n\r\t\v ]</a:t>
+            </a:r>
+          </a:p>
+          <a:p>
+            <a:r>
+              <a:rPr lang="en-US" dirty="0"/>
+              <a:t> [:</a:t>
+            </a:r>
+            <a:r>
+              <a:rPr lang="en-US" dirty="0" err="1"/>
+              <a:t>punct</a:t>
+            </a:r>
+            <a:r>
+              <a:rPr lang="en-US" dirty="0"/>
+              <a:t>:]			any punctuation symbol	</a:t>
+            </a:r>
+          </a:p>
+          <a:p>
+            <a:r>
+              <a:rPr lang="en-US" dirty="0"/>
+              <a:t> [:print:]			any printable character	</a:t>
+            </a:r>
+          </a:p>
+          <a:p>
+            <a:r>
+              <a:rPr lang="en-US" dirty="0"/>
+              <a:t> [:graph:]			any printable character excluding space	</a:t>
+            </a:r>
+          </a:p>
+          <a:p>
+            <a:r>
+              <a:rPr lang="en-US" dirty="0"/>
+              <a:t> [:</a:t>
+            </a:r>
+            <a:r>
+              <a:rPr lang="en-US" dirty="0" err="1"/>
+              <a:t>xdigit</a:t>
+            </a:r>
+            <a:r>
+              <a:rPr lang="en-US" dirty="0"/>
+              <a:t>:]			any hexadecimal digit			[a-fA-F0-9]</a:t>
+            </a:r>
+          </a:p>
+          <a:p>
+            <a:r>
+              <a:rPr lang="en-US" dirty="0"/>
+              <a:t> [:</a:t>
+            </a:r>
+            <a:r>
+              <a:rPr lang="en-US" dirty="0" err="1"/>
+              <a:t>cntrl</a:t>
+            </a:r>
+            <a:r>
+              <a:rPr lang="en-US" dirty="0"/>
+              <a:t>:]			ASCII control characters	</a:t>
+            </a:r>
+            <a:endParaRPr lang="en-CA" dirty="0"/>
+          </a:p>
+          <a:p>
+            <a:endParaRPr lang="en-CA" dirty="0"/>
+          </a:p>
+          <a:p>
+            <a:endParaRPr lang="en-CA" dirty="0"/>
+          </a:p>
+          <a:p>
+            <a:endParaRPr lang="en-CA" dirty="0"/>
+          </a:p>
+          <a:p>
+            <a:endParaRPr lang="en-CA" dirty="0"/>
+          </a:p>
+          <a:p>
+            <a:r>
+              <a:rPr lang="en-CA" dirty="0"/>
+              <a:t>     </a:t>
+            </a:r>
+          </a:p>
+        </p:txBody>
+      </p:sp>
+    </p:spTree>
+    <p:extLst>
+      <p:ext uri="{BB962C8B-B14F-4D97-AF65-F5344CB8AC3E}">
+        <p14:creationId xmlns:p14="http://schemas.microsoft.com/office/powerpoint/2010/main" val="1980743515"/>
+      </p:ext>
+    </p:extLst>
+  </p:cSld>
+  <p:clrMapOvr>
+    <a:masterClrMapping/>
+  </p:clrMapOvr>
+</p:sld>
+</file>
+
+<file path=ppt/slides/slide16.xml><?xml version="1.0" encoding="utf-8"?>
+<p:sld xmlns:a="http://schemas.openxmlformats.org/drawingml/2006/main" xmlns:r="http://schemas.openxmlformats.org/officeDocument/2006/relationships" xmlns:p="http://schemas.openxmlformats.org/presentationml/2006/main">
+  <p:cSld>
+    <p:bg>
+      <p:bgPr>
+        <a:solidFill>
+          <a:schemeClr val="bg1"/>
+        </a:solidFill>
+        <a:effectLst/>
+      </p:bgPr>
+    </p:bg>
+    <p:spTree>
+      <p:nvGrpSpPr>
+        <p:cNvPr id="1" name=""/>
+        <p:cNvGrpSpPr/>
+        <p:nvPr/>
+      </p:nvGrpSpPr>
+      <p:grpSpPr>
+        <a:xfrm>
+          <a:off x="0" y="0"/>
+          <a:ext cx="0" cy="0"/>
+          <a:chOff x="0" y="0"/>
+          <a:chExt cx="0" cy="0"/>
+        </a:xfrm>
+      </p:grpSpPr>
+      <p:sp useBgFill="1">
+        <p:nvSpPr>
+          <p:cNvPr id="31" name="Rectangle 20">
+            <a:extLst>
+              <a:ext uri="{FF2B5EF4-FFF2-40B4-BE49-F238E27FC236}">
+                <a16:creationId xmlns:a16="http://schemas.microsoft.com/office/drawing/2014/main" id="{979E27D9-03C7-44E2-9FF8-15D0C8506AF7}"/>
+              </a:ext>
+              <a:ext uri="{C183D7F6-B498-43B3-948B-1728B52AA6E4}">
+                <adec:decorative xmlns:adec="http://schemas.microsoft.com/office/drawing/2017/decorative" val="1"/>
+              </a:ext>
+            </a:extLst>
+          </p:cNvPr>
+          <p:cNvSpPr>
+            <a:spLocks noGrp="1" noRot="1" noChangeAspect="1" noMove="1" noResize="1" noEditPoints="1" noAdjustHandles="1" noChangeArrowheads="1" noChangeShapeType="1" noTextEdit="1"/>
+          </p:cNvSpPr>
+          <p:nvPr>
+            <p:extLst>
+              <p:ext uri="{386F3935-93C4-4BCD-93E2-E3B085C9AB24}">
+                <p16:designElem xmlns:p16="http://schemas.microsoft.com/office/powerpoint/2015/main" val="1"/>
+              </p:ext>
+            </p:extLst>
+          </p:nvPr>
+        </p:nvSpPr>
+        <p:spPr>
+          <a:xfrm>
+            <a:off x="0" y="0"/>
+            <a:ext cx="12192000" cy="6858000"/>
+          </a:xfrm>
+          <a:prstGeom prst="rect">
+            <a:avLst/>
+          </a:prstGeom>
+          <a:ln w="12700" cap="flat" cmpd="sng" algn="ctr">
+            <a:noFill/>
+            <a:prstDash val="solid"/>
+            <a:miter lim="800000"/>
+          </a:ln>
+          <a:effectLst/>
+          <a:extLst>
+            <a:ext uri="{91240B29-F687-4F45-9708-019B960494DF}">
+              <a14:hiddenLine xmlns:a14="http://schemas.microsoft.com/office/drawing/2010/main" w="12700" cap="flat" cmpd="sng" algn="ctr">
+                <a:solidFill>
+                  <a:schemeClr val="accent1">
+                    <a:shade val="50000"/>
+                  </a:schemeClr>
+                </a:solidFill>
+                <a:prstDash val="solid"/>
+                <a:miter lim="800000"/>
+              </a14:hiddenLine>
+            </a:ext>
+          </a:extLst>
+        </p:spPr>
+        <p:style>
+          <a:lnRef idx="2">
+            <a:schemeClr val="accent1">
+              <a:shade val="50000"/>
+            </a:schemeClr>
+          </a:lnRef>
+          <a:fillRef idx="1">
+            <a:schemeClr val="accent1"/>
+          </a:fillRef>
+          <a:effectRef idx="0">
+            <a:schemeClr val="accent1"/>
+          </a:effectRef>
+          <a:fontRef idx="minor">
+            <a:schemeClr val="lt1"/>
+          </a:fontRef>
+        </p:style>
+        <p:txBody>
+          <a:bodyPr rtlCol="0" anchor="ctr"/>
+          <a:lstStyle/>
+          <a:p>
+            <a:pPr algn="ctr"/>
+            <a:endParaRPr lang="en-US" dirty="0"/>
+          </a:p>
+        </p:txBody>
+      </p:sp>
+      <p:sp>
+        <p:nvSpPr>
+          <p:cNvPr id="32" name="Rectangle 22">
+            <a:extLst>
+              <a:ext uri="{FF2B5EF4-FFF2-40B4-BE49-F238E27FC236}">
+                <a16:creationId xmlns:a16="http://schemas.microsoft.com/office/drawing/2014/main" id="{EEBF1590-3B36-48EE-A89D-3B6F3CB256AB}"/>
+              </a:ext>
+              <a:ext uri="{C183D7F6-B498-43B3-948B-1728B52AA6E4}">
+                <adec:decorative xmlns:adec="http://schemas.microsoft.com/office/drawing/2017/decorative" val="1"/>
+              </a:ext>
+            </a:extLst>
+          </p:cNvPr>
+          <p:cNvSpPr>
+            <a:spLocks noGrp="1" noRot="1" noChangeAspect="1" noMove="1" noResize="1" noEditPoints="1" noAdjustHandles="1" noChangeArrowheads="1" noChangeShapeType="1" noTextEdit="1"/>
+          </p:cNvSpPr>
+          <p:nvPr>
+            <p:extLst>
+              <p:ext uri="{386F3935-93C4-4BCD-93E2-E3B085C9AB24}">
+                <p16:designElem xmlns:p16="http://schemas.microsoft.com/office/powerpoint/2015/main" val="1"/>
+              </p:ext>
+            </p:extLst>
+          </p:nvPr>
+        </p:nvSpPr>
+        <p:spPr>
+          <a:xfrm rot="10800000" flipH="1">
+            <a:off x="0" y="6400799"/>
+            <a:ext cx="12192000" cy="456773"/>
+          </a:xfrm>
+          <a:prstGeom prst="rect">
+            <a:avLst/>
+          </a:prstGeom>
+          <a:gradFill>
+            <a:gsLst>
+              <a:gs pos="0">
+                <a:schemeClr val="accent1"/>
+              </a:gs>
+              <a:gs pos="100000">
+                <a:schemeClr val="accent1">
+                  <a:lumMod val="50000"/>
+                </a:schemeClr>
+              </a:gs>
+            </a:gsLst>
+            <a:lin ang="6600000" scaled="0"/>
+          </a:gradFill>
+          <a:ln>
+            <a:noFill/>
+          </a:ln>
+        </p:spPr>
+        <p:style>
+          <a:lnRef idx="2">
+            <a:schemeClr val="accent1">
+              <a:shade val="50000"/>
+            </a:schemeClr>
+          </a:lnRef>
+          <a:fillRef idx="1">
+            <a:schemeClr val="accent1"/>
+          </a:fillRef>
+          <a:effectRef idx="0">
+            <a:schemeClr val="accent1"/>
+          </a:effectRef>
+          <a:fontRef idx="minor">
+            <a:schemeClr val="lt1"/>
+          </a:fontRef>
+        </p:style>
+        <p:txBody>
+          <a:bodyPr rtlCol="0" anchor="ctr"/>
+          <a:lstStyle/>
+          <a:p>
+            <a:pPr algn="ctr"/>
+            <a:endParaRPr lang="en-US" dirty="0"/>
+          </a:p>
+        </p:txBody>
+      </p:sp>
+      <p:sp>
+        <p:nvSpPr>
+          <p:cNvPr id="33" name="Rectangle 24">
+            <a:extLst>
+              <a:ext uri="{FF2B5EF4-FFF2-40B4-BE49-F238E27FC236}">
+                <a16:creationId xmlns:a16="http://schemas.microsoft.com/office/drawing/2014/main" id="{AC8F6C8C-AB5A-4548-942D-E3FD40ACBC49}"/>
+              </a:ext>
+              <a:ext uri="{C183D7F6-B498-43B3-948B-1728B52AA6E4}">
+                <adec:decorative xmlns:adec="http://schemas.microsoft.com/office/drawing/2017/decorative" val="1"/>
+              </a:ext>
+            </a:extLst>
+          </p:cNvPr>
+          <p:cNvSpPr>
+            <a:spLocks noGrp="1" noRot="1" noChangeAspect="1" noMove="1" noResize="1" noEditPoints="1" noAdjustHandles="1" noChangeArrowheads="1" noChangeShapeType="1" noTextEdit="1"/>
+          </p:cNvSpPr>
+          <p:nvPr>
+            <p:extLst>
+              <p:ext uri="{386F3935-93C4-4BCD-93E2-E3B085C9AB24}">
+                <p16:designElem xmlns:p16="http://schemas.microsoft.com/office/powerpoint/2015/main" val="1"/>
+              </p:ext>
+            </p:extLst>
+          </p:nvPr>
+        </p:nvSpPr>
+        <p:spPr>
+          <a:xfrm flipH="1">
+            <a:off x="4038600" y="6400799"/>
+            <a:ext cx="8153398" cy="456772"/>
+          </a:xfrm>
+          <a:prstGeom prst="rect">
+            <a:avLst/>
+          </a:prstGeom>
+          <a:gradFill>
+            <a:gsLst>
+              <a:gs pos="0">
+                <a:srgbClr val="000000">
+                  <a:alpha val="76000"/>
+                </a:srgbClr>
+              </a:gs>
+              <a:gs pos="100000">
+                <a:schemeClr val="accent1"/>
+              </a:gs>
+            </a:gsLst>
+            <a:lin ang="17400000" scaled="0"/>
+          </a:gradFill>
+          <a:ln>
+            <a:noFill/>
+          </a:ln>
+        </p:spPr>
+        <p:style>
+          <a:lnRef idx="2">
+            <a:schemeClr val="accent1">
+              <a:shade val="50000"/>
+            </a:schemeClr>
+          </a:lnRef>
+          <a:fillRef idx="1">
+            <a:schemeClr val="accent1"/>
+          </a:fillRef>
+          <a:effectRef idx="0">
+            <a:schemeClr val="accent1"/>
+          </a:effectRef>
+          <a:fontRef idx="minor">
+            <a:schemeClr val="lt1"/>
+          </a:fontRef>
+        </p:style>
+        <p:txBody>
+          <a:bodyPr rtlCol="0" anchor="ctr"/>
+          <a:lstStyle/>
+          <a:p>
+            <a:pPr algn="ctr"/>
+            <a:endParaRPr lang="en-US" dirty="0"/>
+          </a:p>
+        </p:txBody>
+      </p:sp>
+      <p:pic>
+        <p:nvPicPr>
+          <p:cNvPr id="5" name="Content Placeholder 4" descr="Logo&#10;&#10;Description automatically generated with medium confidence">
+            <a:extLst>
+              <a:ext uri="{FF2B5EF4-FFF2-40B4-BE49-F238E27FC236}">
+                <a16:creationId xmlns:a16="http://schemas.microsoft.com/office/drawing/2014/main" id="{D45B6C06-472A-4FAF-ABFC-9E549C7F0B64}"/>
+              </a:ext>
+            </a:extLst>
+          </p:cNvPr>
+          <p:cNvPicPr>
+            <a:picLocks noGrp="1" noChangeAspect="1"/>
+          </p:cNvPicPr>
+          <p:nvPr>
+            <p:ph idx="1"/>
+          </p:nvPr>
+        </p:nvPicPr>
+        <p:blipFill>
+          <a:blip r:embed="rId2">
+            <a:extLst>
+              <a:ext uri="{28A0092B-C50C-407E-A947-70E740481C1C}">
+                <a14:useLocalDpi xmlns:a14="http://schemas.microsoft.com/office/drawing/2010/main" val="0"/>
+              </a:ext>
+            </a:extLst>
+          </a:blip>
+          <a:stretch>
+            <a:fillRect/>
+          </a:stretch>
+        </p:blipFill>
+        <p:spPr>
+          <a:xfrm>
+            <a:off x="10485000" y="96676"/>
+            <a:ext cx="1706998" cy="456772"/>
+          </a:xfrm>
+        </p:spPr>
+      </p:pic>
+      <p:sp>
+        <p:nvSpPr>
+          <p:cNvPr id="11" name="Title 1">
+            <a:extLst>
+              <a:ext uri="{FF2B5EF4-FFF2-40B4-BE49-F238E27FC236}">
+                <a16:creationId xmlns:a16="http://schemas.microsoft.com/office/drawing/2014/main" id="{014E4B23-84A4-4D28-8148-5DA1923358C3}"/>
+              </a:ext>
+            </a:extLst>
+          </p:cNvPr>
+          <p:cNvSpPr txBox="1">
+            <a:spLocks/>
+          </p:cNvSpPr>
+          <p:nvPr/>
+        </p:nvSpPr>
+        <p:spPr>
+          <a:xfrm>
+            <a:off x="0" y="210391"/>
+            <a:ext cx="8983300" cy="572425"/>
+          </a:xfrm>
+          <a:prstGeom prst="rect">
+            <a:avLst/>
+          </a:prstGeom>
+        </p:spPr>
+        <p:txBody>
+          <a:bodyPr vert="horz" lIns="91440" tIns="45720" rIns="91440" bIns="45720" rtlCol="0" anchor="ctr">
+            <a:normAutofit fontScale="90000" lnSpcReduction="20000"/>
+          </a:bodyPr>
+          <a:lstStyle>
+            <a:lvl1pPr algn="l" defTabSz="914400" rtl="0" eaLnBrk="1" latinLnBrk="0" hangingPunct="1">
+              <a:lnSpc>
+                <a:spcPct val="90000"/>
+              </a:lnSpc>
+              <a:spcBef>
+                <a:spcPct val="0"/>
+              </a:spcBef>
+              <a:buNone/>
+              <a:defRPr sz="4400" kern="1200">
+                <a:solidFill>
+                  <a:schemeClr val="tx1"/>
+                </a:solidFill>
+                <a:latin typeface="+mj-lt"/>
+                <a:ea typeface="+mj-ea"/>
+                <a:cs typeface="+mj-cs"/>
+              </a:defRPr>
+            </a:lvl1pPr>
+          </a:lstStyle>
+          <a:p>
+            <a:r>
+              <a:rPr lang="en-CA" sz="4400" b="1" dirty="0"/>
+              <a:t>POSIX Character Classes</a:t>
+            </a:r>
+          </a:p>
+          <a:p>
+            <a:endParaRPr lang="en-CA" dirty="0">
+              <a:latin typeface="Cambria" panose="02040503050406030204" pitchFamily="18" charset="0"/>
+              <a:ea typeface="Cambria" panose="02040503050406030204" pitchFamily="18" charset="0"/>
+            </a:endParaRPr>
+          </a:p>
+        </p:txBody>
+      </p:sp>
+      <p:cxnSp>
+        <p:nvCxnSpPr>
+          <p:cNvPr id="22" name="Straight Connector 21">
+            <a:extLst>
+              <a:ext uri="{FF2B5EF4-FFF2-40B4-BE49-F238E27FC236}">
+                <a16:creationId xmlns:a16="http://schemas.microsoft.com/office/drawing/2014/main" id="{9AAA96B7-99DF-4292-A7CE-1E6B55682D98}"/>
+              </a:ext>
+            </a:extLst>
+          </p:cNvPr>
+          <p:cNvCxnSpPr/>
+          <p:nvPr/>
+        </p:nvCxnSpPr>
+        <p:spPr>
+          <a:xfrm>
+            <a:off x="0" y="496604"/>
+            <a:ext cx="10800000" cy="0"/>
+          </a:xfrm>
+          <a:prstGeom prst="line">
+            <a:avLst/>
+          </a:prstGeom>
+          <a:ln w="38100"/>
+        </p:spPr>
+        <p:style>
+          <a:lnRef idx="1">
+            <a:schemeClr val="accent1"/>
+          </a:lnRef>
+          <a:fillRef idx="0">
+            <a:schemeClr val="accent1"/>
+          </a:fillRef>
+          <a:effectRef idx="0">
+            <a:schemeClr val="accent1"/>
+          </a:effectRef>
+          <a:fontRef idx="minor">
+            <a:schemeClr val="tx1"/>
+          </a:fontRef>
+        </p:style>
+      </p:cxnSp>
+      <p:sp>
+        <p:nvSpPr>
+          <p:cNvPr id="10" name="TextBox 9">
+            <a:extLst>
+              <a:ext uri="{FF2B5EF4-FFF2-40B4-BE49-F238E27FC236}">
+                <a16:creationId xmlns:a16="http://schemas.microsoft.com/office/drawing/2014/main" id="{2090652F-147C-4A25-9EA3-8E36AEC4317F}"/>
+              </a:ext>
+            </a:extLst>
+          </p:cNvPr>
+          <p:cNvSpPr txBox="1"/>
+          <p:nvPr/>
+        </p:nvSpPr>
+        <p:spPr>
+          <a:xfrm>
+            <a:off x="270768" y="744803"/>
+            <a:ext cx="10329169" cy="5632311"/>
+          </a:xfrm>
+          <a:prstGeom prst="rect">
+            <a:avLst/>
+          </a:prstGeom>
+          <a:noFill/>
+        </p:spPr>
+        <p:txBody>
+          <a:bodyPr wrap="square">
+            <a:spAutoFit/>
+          </a:bodyPr>
+          <a:lstStyle/>
+          <a:p>
+            <a:endParaRPr lang="en-CA" dirty="0"/>
+          </a:p>
+          <a:p>
+            <a:endParaRPr lang="en-CA" dirty="0"/>
+          </a:p>
+          <a:p>
+            <a:r>
+              <a:rPr lang="en-CA" b="1" dirty="0"/>
+              <a:t>Class  			Meaning    				Character Sets	</a:t>
+            </a:r>
+          </a:p>
+          <a:p>
+            <a:endParaRPr lang="en-US" dirty="0"/>
+          </a:p>
+          <a:p>
+            <a:r>
+              <a:rPr lang="en-US" dirty="0"/>
+              <a:t> [:</a:t>
+            </a:r>
+            <a:r>
+              <a:rPr lang="en-US" dirty="0" err="1"/>
+              <a:t>alnum</a:t>
+            </a:r>
+            <a:r>
+              <a:rPr lang="en-US" dirty="0"/>
+              <a:t>:]			any letter or digit				[a-zA-Z0-9]</a:t>
+            </a:r>
+          </a:p>
+          <a:p>
+            <a:r>
+              <a:rPr lang="en-US" dirty="0"/>
+              <a:t> [:alpha:]			any letter					[a-</a:t>
+            </a:r>
+            <a:r>
+              <a:rPr lang="en-US" dirty="0" err="1"/>
+              <a:t>zA</a:t>
+            </a:r>
+            <a:r>
+              <a:rPr lang="en-US" dirty="0"/>
+              <a:t>-Z]</a:t>
+            </a:r>
+          </a:p>
+          <a:p>
+            <a:r>
+              <a:rPr lang="en-US" dirty="0"/>
+              <a:t> [:digit:]	 		any digit					[0-9]</a:t>
+            </a:r>
+          </a:p>
+          <a:p>
+            <a:r>
+              <a:rPr lang="en-US" dirty="0"/>
+              <a:t> [:lower:]			any lower case letter			[a-z]</a:t>
+            </a:r>
+          </a:p>
+          <a:p>
+            <a:r>
+              <a:rPr lang="en-US" dirty="0"/>
+              <a:t> [:upper:]			any upper case letter			[A-Z]</a:t>
+            </a:r>
+          </a:p>
+          <a:p>
+            <a:r>
+              <a:rPr lang="en-US" dirty="0"/>
+              <a:t> [:space:]			any whitespace 				[\f\n\r\t\v ]</a:t>
+            </a:r>
+          </a:p>
+          <a:p>
+            <a:r>
+              <a:rPr lang="en-US" dirty="0"/>
+              <a:t> [:</a:t>
+            </a:r>
+            <a:r>
+              <a:rPr lang="en-US" dirty="0" err="1"/>
+              <a:t>punct</a:t>
+            </a:r>
+            <a:r>
+              <a:rPr lang="en-US" dirty="0"/>
+              <a:t>:]			any punctuation symbol	</a:t>
+            </a:r>
+          </a:p>
+          <a:p>
+            <a:r>
+              <a:rPr lang="en-US" dirty="0"/>
+              <a:t> [:print:]			any printable character	</a:t>
+            </a:r>
+          </a:p>
+          <a:p>
+            <a:r>
+              <a:rPr lang="en-US" dirty="0"/>
+              <a:t> [:graph:]			any printable character excluding space	</a:t>
+            </a:r>
+          </a:p>
+          <a:p>
+            <a:r>
+              <a:rPr lang="en-US" dirty="0"/>
+              <a:t> [:</a:t>
+            </a:r>
+            <a:r>
+              <a:rPr lang="en-US" dirty="0" err="1"/>
+              <a:t>xdigit</a:t>
+            </a:r>
+            <a:r>
+              <a:rPr lang="en-US" dirty="0"/>
+              <a:t>:]			any hexadecimal digit			[a-fA-F0-9]</a:t>
+            </a:r>
+          </a:p>
+          <a:p>
+            <a:r>
+              <a:rPr lang="en-US" dirty="0"/>
+              <a:t> [:</a:t>
+            </a:r>
+            <a:r>
+              <a:rPr lang="en-US" dirty="0" err="1"/>
+              <a:t>cntrl</a:t>
+            </a:r>
+            <a:r>
+              <a:rPr lang="en-US" dirty="0"/>
+              <a:t>:]			ASCII control characters	</a:t>
+            </a:r>
+            <a:endParaRPr lang="en-CA" dirty="0"/>
+          </a:p>
+          <a:p>
+            <a:endParaRPr lang="en-CA" dirty="0"/>
+          </a:p>
+          <a:p>
+            <a:endParaRPr lang="en-CA" dirty="0"/>
+          </a:p>
+          <a:p>
+            <a:endParaRPr lang="en-CA" dirty="0"/>
+          </a:p>
+          <a:p>
+            <a:endParaRPr lang="en-CA" dirty="0"/>
+          </a:p>
+          <a:p>
+            <a:r>
+              <a:rPr lang="en-CA" dirty="0"/>
+              <a:t>     </a:t>
+            </a:r>
+          </a:p>
+        </p:txBody>
+      </p:sp>
+    </p:spTree>
+    <p:extLst>
+      <p:ext uri="{BB962C8B-B14F-4D97-AF65-F5344CB8AC3E}">
+        <p14:creationId xmlns:p14="http://schemas.microsoft.com/office/powerpoint/2010/main" val="3568137368"/>
+      </p:ext>
+    </p:extLst>
+  </p:cSld>
+  <p:clrMapOvr>
+    <a:masterClrMapping/>
+  </p:clrMapOvr>
+</p:sld>
+</file>
+
+<file path=ppt/slides/slide17.xml><?xml version="1.0" encoding="utf-8"?>
+<p:sld xmlns:a="http://schemas.openxmlformats.org/drawingml/2006/main" xmlns:r="http://schemas.openxmlformats.org/officeDocument/2006/relationships" xmlns:p="http://schemas.openxmlformats.org/presentationml/2006/main">
+  <p:cSld>
+    <p:bg>
+      <p:bgPr>
+        <a:solidFill>
+          <a:schemeClr val="bg1"/>
+        </a:solidFill>
+        <a:effectLst/>
+      </p:bgPr>
+    </p:bg>
+    <p:spTree>
+      <p:nvGrpSpPr>
+        <p:cNvPr id="1" name=""/>
+        <p:cNvGrpSpPr/>
+        <p:nvPr/>
+      </p:nvGrpSpPr>
+      <p:grpSpPr>
+        <a:xfrm>
+          <a:off x="0" y="0"/>
+          <a:ext cx="0" cy="0"/>
+          <a:chOff x="0" y="0"/>
+          <a:chExt cx="0" cy="0"/>
+        </a:xfrm>
+      </p:grpSpPr>
+      <p:sp useBgFill="1">
+        <p:nvSpPr>
+          <p:cNvPr id="31" name="Rectangle 20">
+            <a:extLst>
+              <a:ext uri="{FF2B5EF4-FFF2-40B4-BE49-F238E27FC236}">
+                <a16:creationId xmlns:a16="http://schemas.microsoft.com/office/drawing/2014/main" id="{979E27D9-03C7-44E2-9FF8-15D0C8506AF7}"/>
+              </a:ext>
+              <a:ext uri="{C183D7F6-B498-43B3-948B-1728B52AA6E4}">
+                <adec:decorative xmlns:adec="http://schemas.microsoft.com/office/drawing/2017/decorative" val="1"/>
+              </a:ext>
+            </a:extLst>
+          </p:cNvPr>
+          <p:cNvSpPr>
+            <a:spLocks noGrp="1" noRot="1" noChangeAspect="1" noMove="1" noResize="1" noEditPoints="1" noAdjustHandles="1" noChangeArrowheads="1" noChangeShapeType="1" noTextEdit="1"/>
+          </p:cNvSpPr>
+          <p:nvPr>
+            <p:extLst>
+              <p:ext uri="{386F3935-93C4-4BCD-93E2-E3B085C9AB24}">
+                <p16:designElem xmlns:p16="http://schemas.microsoft.com/office/powerpoint/2015/main" val="1"/>
+              </p:ext>
+            </p:extLst>
+          </p:nvPr>
+        </p:nvSpPr>
+        <p:spPr>
+          <a:xfrm>
+            <a:off x="0" y="0"/>
+            <a:ext cx="12192000" cy="6858000"/>
+          </a:xfrm>
+          <a:prstGeom prst="rect">
+            <a:avLst/>
+          </a:prstGeom>
+          <a:ln w="12700" cap="flat" cmpd="sng" algn="ctr">
+            <a:noFill/>
+            <a:prstDash val="solid"/>
+            <a:miter lim="800000"/>
+          </a:ln>
+          <a:effectLst/>
+          <a:extLst>
+            <a:ext uri="{91240B29-F687-4F45-9708-019B960494DF}">
+              <a14:hiddenLine xmlns:a14="http://schemas.microsoft.com/office/drawing/2010/main" w="12700" cap="flat" cmpd="sng" algn="ctr">
+                <a:solidFill>
+                  <a:schemeClr val="accent1">
+                    <a:shade val="50000"/>
+                  </a:schemeClr>
+                </a:solidFill>
+                <a:prstDash val="solid"/>
+                <a:miter lim="800000"/>
+              </a14:hiddenLine>
+            </a:ext>
+          </a:extLst>
+        </p:spPr>
+        <p:style>
+          <a:lnRef idx="2">
+            <a:schemeClr val="accent1">
+              <a:shade val="50000"/>
+            </a:schemeClr>
+          </a:lnRef>
+          <a:fillRef idx="1">
+            <a:schemeClr val="accent1"/>
+          </a:fillRef>
+          <a:effectRef idx="0">
+            <a:schemeClr val="accent1"/>
+          </a:effectRef>
+          <a:fontRef idx="minor">
+            <a:schemeClr val="lt1"/>
+          </a:fontRef>
+        </p:style>
+        <p:txBody>
+          <a:bodyPr rtlCol="0" anchor="ctr"/>
+          <a:lstStyle/>
+          <a:p>
+            <a:pPr algn="ctr"/>
+            <a:endParaRPr lang="en-US" dirty="0"/>
+          </a:p>
+        </p:txBody>
+      </p:sp>
+      <p:sp>
+        <p:nvSpPr>
+          <p:cNvPr id="32" name="Rectangle 22">
+            <a:extLst>
+              <a:ext uri="{FF2B5EF4-FFF2-40B4-BE49-F238E27FC236}">
+                <a16:creationId xmlns:a16="http://schemas.microsoft.com/office/drawing/2014/main" id="{EEBF1590-3B36-48EE-A89D-3B6F3CB256AB}"/>
+              </a:ext>
+              <a:ext uri="{C183D7F6-B498-43B3-948B-1728B52AA6E4}">
+                <adec:decorative xmlns:adec="http://schemas.microsoft.com/office/drawing/2017/decorative" val="1"/>
+              </a:ext>
+            </a:extLst>
+          </p:cNvPr>
+          <p:cNvSpPr>
+            <a:spLocks noGrp="1" noRot="1" noChangeAspect="1" noMove="1" noResize="1" noEditPoints="1" noAdjustHandles="1" noChangeArrowheads="1" noChangeShapeType="1" noTextEdit="1"/>
+          </p:cNvSpPr>
+          <p:nvPr>
+            <p:extLst>
+              <p:ext uri="{386F3935-93C4-4BCD-93E2-E3B085C9AB24}">
+                <p16:designElem xmlns:p16="http://schemas.microsoft.com/office/powerpoint/2015/main" val="1"/>
+              </p:ext>
+            </p:extLst>
+          </p:nvPr>
+        </p:nvSpPr>
+        <p:spPr>
+          <a:xfrm rot="10800000" flipH="1">
+            <a:off x="0" y="6400799"/>
+            <a:ext cx="12192000" cy="456773"/>
+          </a:xfrm>
+          <a:prstGeom prst="rect">
+            <a:avLst/>
+          </a:prstGeom>
+          <a:gradFill>
+            <a:gsLst>
+              <a:gs pos="0">
+                <a:schemeClr val="accent1"/>
+              </a:gs>
+              <a:gs pos="100000">
+                <a:schemeClr val="accent1">
+                  <a:lumMod val="50000"/>
+                </a:schemeClr>
+              </a:gs>
+            </a:gsLst>
+            <a:lin ang="6600000" scaled="0"/>
+          </a:gradFill>
+          <a:ln>
+            <a:noFill/>
+          </a:ln>
+        </p:spPr>
+        <p:style>
+          <a:lnRef idx="2">
+            <a:schemeClr val="accent1">
+              <a:shade val="50000"/>
+            </a:schemeClr>
+          </a:lnRef>
+          <a:fillRef idx="1">
+            <a:schemeClr val="accent1"/>
+          </a:fillRef>
+          <a:effectRef idx="0">
+            <a:schemeClr val="accent1"/>
+          </a:effectRef>
+          <a:fontRef idx="minor">
+            <a:schemeClr val="lt1"/>
+          </a:fontRef>
+        </p:style>
+        <p:txBody>
+          <a:bodyPr rtlCol="0" anchor="ctr"/>
+          <a:lstStyle/>
+          <a:p>
+            <a:pPr algn="ctr"/>
+            <a:endParaRPr lang="en-US" dirty="0"/>
+          </a:p>
+        </p:txBody>
+      </p:sp>
+      <p:sp>
+        <p:nvSpPr>
+          <p:cNvPr id="33" name="Rectangle 24">
+            <a:extLst>
+              <a:ext uri="{FF2B5EF4-FFF2-40B4-BE49-F238E27FC236}">
+                <a16:creationId xmlns:a16="http://schemas.microsoft.com/office/drawing/2014/main" id="{AC8F6C8C-AB5A-4548-942D-E3FD40ACBC49}"/>
+              </a:ext>
+              <a:ext uri="{C183D7F6-B498-43B3-948B-1728B52AA6E4}">
+                <adec:decorative xmlns:adec="http://schemas.microsoft.com/office/drawing/2017/decorative" val="1"/>
+              </a:ext>
+            </a:extLst>
+          </p:cNvPr>
+          <p:cNvSpPr>
+            <a:spLocks noGrp="1" noRot="1" noChangeAspect="1" noMove="1" noResize="1" noEditPoints="1" noAdjustHandles="1" noChangeArrowheads="1" noChangeShapeType="1" noTextEdit="1"/>
+          </p:cNvSpPr>
+          <p:nvPr>
+            <p:extLst>
+              <p:ext uri="{386F3935-93C4-4BCD-93E2-E3B085C9AB24}">
+                <p16:designElem xmlns:p16="http://schemas.microsoft.com/office/powerpoint/2015/main" val="1"/>
+              </p:ext>
+            </p:extLst>
+          </p:nvPr>
+        </p:nvSpPr>
+        <p:spPr>
+          <a:xfrm flipH="1">
+            <a:off x="4038600" y="6400799"/>
+            <a:ext cx="8153398" cy="456772"/>
+          </a:xfrm>
+          <a:prstGeom prst="rect">
+            <a:avLst/>
+          </a:prstGeom>
+          <a:gradFill>
+            <a:gsLst>
+              <a:gs pos="0">
+                <a:srgbClr val="000000">
+                  <a:alpha val="76000"/>
+                </a:srgbClr>
+              </a:gs>
+              <a:gs pos="100000">
+                <a:schemeClr val="accent1"/>
+              </a:gs>
+            </a:gsLst>
+            <a:lin ang="17400000" scaled="0"/>
+          </a:gradFill>
+          <a:ln>
+            <a:noFill/>
+          </a:ln>
+        </p:spPr>
+        <p:style>
+          <a:lnRef idx="2">
+            <a:schemeClr val="accent1">
+              <a:shade val="50000"/>
+            </a:schemeClr>
+          </a:lnRef>
+          <a:fillRef idx="1">
+            <a:schemeClr val="accent1"/>
+          </a:fillRef>
+          <a:effectRef idx="0">
+            <a:schemeClr val="accent1"/>
+          </a:effectRef>
+          <a:fontRef idx="minor">
+            <a:schemeClr val="lt1"/>
+          </a:fontRef>
+        </p:style>
+        <p:txBody>
+          <a:bodyPr rtlCol="0" anchor="ctr"/>
+          <a:lstStyle/>
+          <a:p>
+            <a:pPr algn="ctr"/>
+            <a:endParaRPr lang="en-US" dirty="0"/>
+          </a:p>
+        </p:txBody>
+      </p:sp>
+      <p:pic>
+        <p:nvPicPr>
+          <p:cNvPr id="5" name="Content Placeholder 4" descr="Logo&#10;&#10;Description automatically generated with medium confidence">
+            <a:extLst>
+              <a:ext uri="{FF2B5EF4-FFF2-40B4-BE49-F238E27FC236}">
+                <a16:creationId xmlns:a16="http://schemas.microsoft.com/office/drawing/2014/main" id="{D45B6C06-472A-4FAF-ABFC-9E549C7F0B64}"/>
+              </a:ext>
+            </a:extLst>
+          </p:cNvPr>
+          <p:cNvPicPr>
+            <a:picLocks noGrp="1" noChangeAspect="1"/>
+          </p:cNvPicPr>
+          <p:nvPr>
+            <p:ph idx="1"/>
+          </p:nvPr>
+        </p:nvPicPr>
+        <p:blipFill>
+          <a:blip r:embed="rId2">
+            <a:extLst>
+              <a:ext uri="{28A0092B-C50C-407E-A947-70E740481C1C}">
+                <a14:useLocalDpi xmlns:a14="http://schemas.microsoft.com/office/drawing/2010/main" val="0"/>
+              </a:ext>
+            </a:extLst>
+          </a:blip>
+          <a:stretch>
+            <a:fillRect/>
+          </a:stretch>
+        </p:blipFill>
+        <p:spPr>
+          <a:xfrm>
+            <a:off x="10485000" y="96676"/>
+            <a:ext cx="1706998" cy="456772"/>
+          </a:xfrm>
+        </p:spPr>
+      </p:pic>
+      <p:sp>
+        <p:nvSpPr>
+          <p:cNvPr id="11" name="Title 1">
+            <a:extLst>
+              <a:ext uri="{FF2B5EF4-FFF2-40B4-BE49-F238E27FC236}">
+                <a16:creationId xmlns:a16="http://schemas.microsoft.com/office/drawing/2014/main" id="{014E4B23-84A4-4D28-8148-5DA1923358C3}"/>
+              </a:ext>
+            </a:extLst>
+          </p:cNvPr>
+          <p:cNvSpPr txBox="1">
+            <a:spLocks/>
+          </p:cNvSpPr>
+          <p:nvPr/>
+        </p:nvSpPr>
+        <p:spPr>
+          <a:xfrm>
+            <a:off x="0" y="210391"/>
+            <a:ext cx="8983300" cy="572425"/>
+          </a:xfrm>
+          <a:prstGeom prst="rect">
+            <a:avLst/>
+          </a:prstGeom>
+        </p:spPr>
+        <p:txBody>
+          <a:bodyPr vert="horz" lIns="91440" tIns="45720" rIns="91440" bIns="45720" rtlCol="0" anchor="ctr">
+            <a:normAutofit fontScale="90000" lnSpcReduction="20000"/>
+          </a:bodyPr>
+          <a:lstStyle>
+            <a:lvl1pPr algn="l" defTabSz="914400" rtl="0" eaLnBrk="1" latinLnBrk="0" hangingPunct="1">
+              <a:lnSpc>
+                <a:spcPct val="90000"/>
+              </a:lnSpc>
+              <a:spcBef>
+                <a:spcPct val="0"/>
+              </a:spcBef>
+              <a:buNone/>
+              <a:defRPr sz="4400" kern="1200">
+                <a:solidFill>
+                  <a:schemeClr val="tx1"/>
+                </a:solidFill>
+                <a:latin typeface="+mj-lt"/>
+                <a:ea typeface="+mj-ea"/>
+                <a:cs typeface="+mj-cs"/>
+              </a:defRPr>
+            </a:lvl1pPr>
+          </a:lstStyle>
+          <a:p>
+            <a:r>
+              <a:rPr lang="en-CA" sz="4400" b="1" dirty="0"/>
+              <a:t>Positional Meta-characters</a:t>
+            </a:r>
+          </a:p>
+          <a:p>
+            <a:endParaRPr lang="en-CA" dirty="0">
+              <a:latin typeface="Cambria" panose="02040503050406030204" pitchFamily="18" charset="0"/>
+              <a:ea typeface="Cambria" panose="02040503050406030204" pitchFamily="18" charset="0"/>
+            </a:endParaRPr>
+          </a:p>
+        </p:txBody>
+      </p:sp>
+      <p:cxnSp>
+        <p:nvCxnSpPr>
+          <p:cNvPr id="22" name="Straight Connector 21">
+            <a:extLst>
+              <a:ext uri="{FF2B5EF4-FFF2-40B4-BE49-F238E27FC236}">
+                <a16:creationId xmlns:a16="http://schemas.microsoft.com/office/drawing/2014/main" id="{9AAA96B7-99DF-4292-A7CE-1E6B55682D98}"/>
+              </a:ext>
+            </a:extLst>
+          </p:cNvPr>
+          <p:cNvCxnSpPr/>
+          <p:nvPr/>
+        </p:nvCxnSpPr>
+        <p:spPr>
+          <a:xfrm>
+            <a:off x="0" y="496604"/>
+            <a:ext cx="10800000" cy="0"/>
+          </a:xfrm>
+          <a:prstGeom prst="line">
+            <a:avLst/>
+          </a:prstGeom>
+          <a:ln w="38100"/>
+        </p:spPr>
+        <p:style>
+          <a:lnRef idx="1">
+            <a:schemeClr val="accent1"/>
+          </a:lnRef>
+          <a:fillRef idx="0">
+            <a:schemeClr val="accent1"/>
+          </a:fillRef>
+          <a:effectRef idx="0">
+            <a:schemeClr val="accent1"/>
+          </a:effectRef>
+          <a:fontRef idx="minor">
+            <a:schemeClr val="tx1"/>
+          </a:fontRef>
+        </p:style>
+      </p:cxnSp>
+      <p:sp>
+        <p:nvSpPr>
+          <p:cNvPr id="10" name="TextBox 9">
+            <a:extLst>
+              <a:ext uri="{FF2B5EF4-FFF2-40B4-BE49-F238E27FC236}">
+                <a16:creationId xmlns:a16="http://schemas.microsoft.com/office/drawing/2014/main" id="{2090652F-147C-4A25-9EA3-8E36AEC4317F}"/>
+              </a:ext>
+            </a:extLst>
+          </p:cNvPr>
+          <p:cNvSpPr txBox="1"/>
+          <p:nvPr/>
+        </p:nvSpPr>
+        <p:spPr>
+          <a:xfrm>
+            <a:off x="270768" y="744803"/>
+            <a:ext cx="11181426" cy="3970318"/>
+          </a:xfrm>
+          <a:prstGeom prst="rect">
+            <a:avLst/>
+          </a:prstGeom>
+          <a:noFill/>
+        </p:spPr>
+        <p:txBody>
+          <a:bodyPr wrap="square">
+            <a:spAutoFit/>
+          </a:bodyPr>
+          <a:lstStyle/>
+          <a:p>
+            <a:endParaRPr lang="en-CA" dirty="0"/>
+          </a:p>
+          <a:p>
+            <a:endParaRPr lang="en-CA" dirty="0"/>
+          </a:p>
+          <a:p>
+            <a:r>
+              <a:rPr lang="en-CA" b="1" dirty="0"/>
+              <a:t>Character		Meaning							 	Ex</a:t>
+            </a:r>
+          </a:p>
+          <a:p>
+            <a:endParaRPr lang="en-CA" b="1" dirty="0"/>
+          </a:p>
+          <a:p>
+            <a:r>
+              <a:rPr lang="en-US" dirty="0"/>
+              <a:t>^..		Matches a line starting with the substring.                                                	^You</a:t>
+            </a:r>
+          </a:p>
+          <a:p>
+            <a:r>
+              <a:rPr lang="en-US" dirty="0"/>
+              <a:t>		</a:t>
+            </a:r>
+          </a:p>
+          <a:p>
+            <a:r>
+              <a:rPr lang="en-US" dirty="0"/>
+              <a:t>..$		Matches a line ending with the substring. 				You$</a:t>
+            </a:r>
+          </a:p>
+          <a:p>
+            <a:r>
+              <a:rPr lang="en-US" dirty="0"/>
+              <a:t>		</a:t>
+            </a:r>
+          </a:p>
+          <a:p>
+            <a:r>
+              <a:rPr lang="en-US" dirty="0"/>
+              <a:t>^ .. $		Matches a line that starts and ends with substring, i.e., exact match.		^God is great$</a:t>
+            </a:r>
+          </a:p>
+          <a:p>
+            <a:r>
+              <a:rPr lang="en-US" dirty="0"/>
+              <a:t>	</a:t>
+            </a:r>
+          </a:p>
+          <a:p>
+            <a:endParaRPr lang="en-CA" dirty="0"/>
+          </a:p>
+          <a:p>
+            <a:endParaRPr lang="en-CA" dirty="0"/>
+          </a:p>
+          <a:p>
+            <a:endParaRPr lang="en-CA" dirty="0"/>
+          </a:p>
+          <a:p>
+            <a:r>
+              <a:rPr lang="en-CA" dirty="0"/>
+              <a:t>     </a:t>
+            </a:r>
+          </a:p>
+        </p:txBody>
+      </p:sp>
+    </p:spTree>
+    <p:extLst>
+      <p:ext uri="{BB962C8B-B14F-4D97-AF65-F5344CB8AC3E}">
+        <p14:creationId xmlns:p14="http://schemas.microsoft.com/office/powerpoint/2010/main" val="1809953458"/>
+      </p:ext>
+    </p:extLst>
+  </p:cSld>
+  <p:clrMapOvr>
+    <a:masterClrMapping/>
+  </p:clrMapOvr>
+</p:sld>
+</file>
+
+<file path=ppt/slides/slide18.xml><?xml version="1.0" encoding="utf-8"?>
+<p:sld xmlns:a="http://schemas.openxmlformats.org/drawingml/2006/main" xmlns:r="http://schemas.openxmlformats.org/officeDocument/2006/relationships" xmlns:p="http://schemas.openxmlformats.org/presentationml/2006/main">
+  <p:cSld>
+    <p:bg>
+      <p:bgPr>
+        <a:solidFill>
+          <a:schemeClr val="bg1"/>
+        </a:solidFill>
+        <a:effectLst/>
+      </p:bgPr>
+    </p:bg>
+    <p:spTree>
+      <p:nvGrpSpPr>
+        <p:cNvPr id="1" name=""/>
+        <p:cNvGrpSpPr/>
+        <p:nvPr/>
+      </p:nvGrpSpPr>
+      <p:grpSpPr>
+        <a:xfrm>
+          <a:off x="0" y="0"/>
+          <a:ext cx="0" cy="0"/>
+          <a:chOff x="0" y="0"/>
+          <a:chExt cx="0" cy="0"/>
+        </a:xfrm>
+      </p:grpSpPr>
+      <p:sp useBgFill="1">
+        <p:nvSpPr>
+          <p:cNvPr id="31" name="Rectangle 20">
+            <a:extLst>
+              <a:ext uri="{FF2B5EF4-FFF2-40B4-BE49-F238E27FC236}">
+                <a16:creationId xmlns:a16="http://schemas.microsoft.com/office/drawing/2014/main" id="{979E27D9-03C7-44E2-9FF8-15D0C8506AF7}"/>
+              </a:ext>
+              <a:ext uri="{C183D7F6-B498-43B3-948B-1728B52AA6E4}">
+                <adec:decorative xmlns:adec="http://schemas.microsoft.com/office/drawing/2017/decorative" val="1"/>
+              </a:ext>
+            </a:extLst>
+          </p:cNvPr>
+          <p:cNvSpPr>
+            <a:spLocks noGrp="1" noRot="1" noChangeAspect="1" noMove="1" noResize="1" noEditPoints="1" noAdjustHandles="1" noChangeArrowheads="1" noChangeShapeType="1" noTextEdit="1"/>
+          </p:cNvSpPr>
+          <p:nvPr>
+            <p:extLst>
+              <p:ext uri="{386F3935-93C4-4BCD-93E2-E3B085C9AB24}">
+                <p16:designElem xmlns:p16="http://schemas.microsoft.com/office/powerpoint/2015/main" val="1"/>
+              </p:ext>
+            </p:extLst>
+          </p:nvPr>
+        </p:nvSpPr>
+        <p:spPr>
+          <a:xfrm>
+            <a:off x="0" y="0"/>
+            <a:ext cx="12192000" cy="6858000"/>
+          </a:xfrm>
+          <a:prstGeom prst="rect">
+            <a:avLst/>
+          </a:prstGeom>
+          <a:ln w="12700" cap="flat" cmpd="sng" algn="ctr">
+            <a:noFill/>
+            <a:prstDash val="solid"/>
+            <a:miter lim="800000"/>
+          </a:ln>
+          <a:effectLst/>
+          <a:extLst>
+            <a:ext uri="{91240B29-F687-4F45-9708-019B960494DF}">
+              <a14:hiddenLine xmlns:a14="http://schemas.microsoft.com/office/drawing/2010/main" w="12700" cap="flat" cmpd="sng" algn="ctr">
+                <a:solidFill>
+                  <a:schemeClr val="accent1">
+                    <a:shade val="50000"/>
+                  </a:schemeClr>
+                </a:solidFill>
+                <a:prstDash val="solid"/>
+                <a:miter lim="800000"/>
+              </a14:hiddenLine>
+            </a:ext>
+          </a:extLst>
+        </p:spPr>
+        <p:style>
+          <a:lnRef idx="2">
+            <a:schemeClr val="accent1">
+              <a:shade val="50000"/>
+            </a:schemeClr>
+          </a:lnRef>
+          <a:fillRef idx="1">
+            <a:schemeClr val="accent1"/>
+          </a:fillRef>
+          <a:effectRef idx="0">
+            <a:schemeClr val="accent1"/>
+          </a:effectRef>
+          <a:fontRef idx="minor">
+            <a:schemeClr val="lt1"/>
+          </a:fontRef>
+        </p:style>
+        <p:txBody>
+          <a:bodyPr rtlCol="0" anchor="ctr"/>
+          <a:lstStyle/>
+          <a:p>
+            <a:pPr algn="ctr"/>
+            <a:endParaRPr lang="en-US" dirty="0"/>
+          </a:p>
+        </p:txBody>
+      </p:sp>
+      <p:sp>
+        <p:nvSpPr>
+          <p:cNvPr id="32" name="Rectangle 22">
+            <a:extLst>
+              <a:ext uri="{FF2B5EF4-FFF2-40B4-BE49-F238E27FC236}">
+                <a16:creationId xmlns:a16="http://schemas.microsoft.com/office/drawing/2014/main" id="{EEBF1590-3B36-48EE-A89D-3B6F3CB256AB}"/>
+              </a:ext>
+              <a:ext uri="{C183D7F6-B498-43B3-948B-1728B52AA6E4}">
+                <adec:decorative xmlns:adec="http://schemas.microsoft.com/office/drawing/2017/decorative" val="1"/>
+              </a:ext>
+            </a:extLst>
+          </p:cNvPr>
+          <p:cNvSpPr>
+            <a:spLocks noGrp="1" noRot="1" noChangeAspect="1" noMove="1" noResize="1" noEditPoints="1" noAdjustHandles="1" noChangeArrowheads="1" noChangeShapeType="1" noTextEdit="1"/>
+          </p:cNvSpPr>
+          <p:nvPr>
+            <p:extLst>
+              <p:ext uri="{386F3935-93C4-4BCD-93E2-E3B085C9AB24}">
+                <p16:designElem xmlns:p16="http://schemas.microsoft.com/office/powerpoint/2015/main" val="1"/>
+              </p:ext>
+            </p:extLst>
+          </p:nvPr>
+        </p:nvSpPr>
+        <p:spPr>
+          <a:xfrm rot="10800000" flipH="1">
+            <a:off x="0" y="6400799"/>
+            <a:ext cx="12192000" cy="456773"/>
+          </a:xfrm>
+          <a:prstGeom prst="rect">
+            <a:avLst/>
+          </a:prstGeom>
+          <a:gradFill>
+            <a:gsLst>
+              <a:gs pos="0">
+                <a:schemeClr val="accent1"/>
+              </a:gs>
+              <a:gs pos="100000">
+                <a:schemeClr val="accent1">
+                  <a:lumMod val="50000"/>
+                </a:schemeClr>
+              </a:gs>
+            </a:gsLst>
+            <a:lin ang="6600000" scaled="0"/>
+          </a:gradFill>
+          <a:ln>
+            <a:noFill/>
+          </a:ln>
+        </p:spPr>
+        <p:style>
+          <a:lnRef idx="2">
+            <a:schemeClr val="accent1">
+              <a:shade val="50000"/>
+            </a:schemeClr>
+          </a:lnRef>
+          <a:fillRef idx="1">
+            <a:schemeClr val="accent1"/>
+          </a:fillRef>
+          <a:effectRef idx="0">
+            <a:schemeClr val="accent1"/>
+          </a:effectRef>
+          <a:fontRef idx="minor">
+            <a:schemeClr val="lt1"/>
+          </a:fontRef>
+        </p:style>
+        <p:txBody>
+          <a:bodyPr rtlCol="0" anchor="ctr"/>
+          <a:lstStyle/>
+          <a:p>
+            <a:pPr algn="ctr"/>
+            <a:endParaRPr lang="en-US" dirty="0"/>
+          </a:p>
+        </p:txBody>
+      </p:sp>
+      <p:sp>
+        <p:nvSpPr>
+          <p:cNvPr id="33" name="Rectangle 24">
+            <a:extLst>
+              <a:ext uri="{FF2B5EF4-FFF2-40B4-BE49-F238E27FC236}">
+                <a16:creationId xmlns:a16="http://schemas.microsoft.com/office/drawing/2014/main" id="{AC8F6C8C-AB5A-4548-942D-E3FD40ACBC49}"/>
+              </a:ext>
+              <a:ext uri="{C183D7F6-B498-43B3-948B-1728B52AA6E4}">
+                <adec:decorative xmlns:adec="http://schemas.microsoft.com/office/drawing/2017/decorative" val="1"/>
+              </a:ext>
+            </a:extLst>
+          </p:cNvPr>
+          <p:cNvSpPr>
+            <a:spLocks noGrp="1" noRot="1" noChangeAspect="1" noMove="1" noResize="1" noEditPoints="1" noAdjustHandles="1" noChangeArrowheads="1" noChangeShapeType="1" noTextEdit="1"/>
+          </p:cNvSpPr>
+          <p:nvPr>
+            <p:extLst>
+              <p:ext uri="{386F3935-93C4-4BCD-93E2-E3B085C9AB24}">
+                <p16:designElem xmlns:p16="http://schemas.microsoft.com/office/powerpoint/2015/main" val="1"/>
+              </p:ext>
+            </p:extLst>
+          </p:nvPr>
+        </p:nvSpPr>
+        <p:spPr>
+          <a:xfrm flipH="1">
+            <a:off x="4038600" y="6400799"/>
+            <a:ext cx="8153398" cy="456772"/>
+          </a:xfrm>
+          <a:prstGeom prst="rect">
+            <a:avLst/>
+          </a:prstGeom>
+          <a:gradFill>
+            <a:gsLst>
+              <a:gs pos="0">
+                <a:srgbClr val="000000">
+                  <a:alpha val="76000"/>
+                </a:srgbClr>
+              </a:gs>
+              <a:gs pos="100000">
+                <a:schemeClr val="accent1"/>
+              </a:gs>
+            </a:gsLst>
+            <a:lin ang="17400000" scaled="0"/>
+          </a:gradFill>
+          <a:ln>
+            <a:noFill/>
+          </a:ln>
+        </p:spPr>
+        <p:style>
+          <a:lnRef idx="2">
+            <a:schemeClr val="accent1">
+              <a:shade val="50000"/>
+            </a:schemeClr>
+          </a:lnRef>
+          <a:fillRef idx="1">
+            <a:schemeClr val="accent1"/>
+          </a:fillRef>
+          <a:effectRef idx="0">
+            <a:schemeClr val="accent1"/>
+          </a:effectRef>
+          <a:fontRef idx="minor">
+            <a:schemeClr val="lt1"/>
+          </a:fontRef>
+        </p:style>
+        <p:txBody>
+          <a:bodyPr rtlCol="0" anchor="ctr"/>
+          <a:lstStyle/>
+          <a:p>
+            <a:pPr algn="ctr"/>
+            <a:endParaRPr lang="en-US" dirty="0"/>
+          </a:p>
+        </p:txBody>
+      </p:sp>
+      <p:pic>
+        <p:nvPicPr>
+          <p:cNvPr id="5" name="Content Placeholder 4" descr="Logo&#10;&#10;Description automatically generated with medium confidence">
+            <a:extLst>
+              <a:ext uri="{FF2B5EF4-FFF2-40B4-BE49-F238E27FC236}">
+                <a16:creationId xmlns:a16="http://schemas.microsoft.com/office/drawing/2014/main" id="{D45B6C06-472A-4FAF-ABFC-9E549C7F0B64}"/>
+              </a:ext>
+            </a:extLst>
+          </p:cNvPr>
+          <p:cNvPicPr>
+            <a:picLocks noGrp="1" noChangeAspect="1"/>
+          </p:cNvPicPr>
+          <p:nvPr>
+            <p:ph idx="1"/>
+          </p:nvPr>
+        </p:nvPicPr>
+        <p:blipFill>
+          <a:blip r:embed="rId2">
+            <a:extLst>
+              <a:ext uri="{28A0092B-C50C-407E-A947-70E740481C1C}">
+                <a14:useLocalDpi xmlns:a14="http://schemas.microsoft.com/office/drawing/2010/main" val="0"/>
+              </a:ext>
+            </a:extLst>
+          </a:blip>
+          <a:stretch>
+            <a:fillRect/>
+          </a:stretch>
+        </p:blipFill>
+        <p:spPr>
+          <a:xfrm>
+            <a:off x="10485000" y="96676"/>
+            <a:ext cx="1706998" cy="456772"/>
+          </a:xfrm>
+        </p:spPr>
+      </p:pic>
+      <p:sp>
+        <p:nvSpPr>
+          <p:cNvPr id="11" name="Title 1">
+            <a:extLst>
+              <a:ext uri="{FF2B5EF4-FFF2-40B4-BE49-F238E27FC236}">
+                <a16:creationId xmlns:a16="http://schemas.microsoft.com/office/drawing/2014/main" id="{014E4B23-84A4-4D28-8148-5DA1923358C3}"/>
+              </a:ext>
+            </a:extLst>
+          </p:cNvPr>
+          <p:cNvSpPr txBox="1">
+            <a:spLocks/>
+          </p:cNvSpPr>
+          <p:nvPr/>
+        </p:nvSpPr>
+        <p:spPr>
+          <a:xfrm>
+            <a:off x="0" y="267235"/>
+            <a:ext cx="8983300" cy="572425"/>
+          </a:xfrm>
+          <a:prstGeom prst="rect">
+            <a:avLst/>
+          </a:prstGeom>
+        </p:spPr>
+        <p:txBody>
+          <a:bodyPr vert="horz" lIns="91440" tIns="45720" rIns="91440" bIns="45720" rtlCol="0" anchor="ctr">
+            <a:normAutofit fontScale="90000" lnSpcReduction="20000"/>
+          </a:bodyPr>
+          <a:lstStyle>
+            <a:lvl1pPr algn="l" defTabSz="914400" rtl="0" eaLnBrk="1" latinLnBrk="0" hangingPunct="1">
+              <a:lnSpc>
+                <a:spcPct val="90000"/>
+              </a:lnSpc>
+              <a:spcBef>
+                <a:spcPct val="0"/>
+              </a:spcBef>
+              <a:buNone/>
+              <a:defRPr sz="4400" kern="1200">
+                <a:solidFill>
+                  <a:schemeClr val="tx1"/>
+                </a:solidFill>
+                <a:latin typeface="+mj-lt"/>
+                <a:ea typeface="+mj-ea"/>
+                <a:cs typeface="+mj-cs"/>
+              </a:defRPr>
+            </a:lvl1pPr>
+          </a:lstStyle>
+          <a:p>
+            <a:r>
+              <a:rPr lang="en-CA" sz="4400" b="1" dirty="0"/>
+              <a:t>Quantifiers characters</a:t>
+            </a:r>
+          </a:p>
+          <a:p>
+            <a:endParaRPr lang="en-CA" dirty="0">
+              <a:latin typeface="Cambria" panose="02040503050406030204" pitchFamily="18" charset="0"/>
+              <a:ea typeface="Cambria" panose="02040503050406030204" pitchFamily="18" charset="0"/>
+            </a:endParaRPr>
+          </a:p>
+        </p:txBody>
+      </p:sp>
+      <p:cxnSp>
+        <p:nvCxnSpPr>
+          <p:cNvPr id="22" name="Straight Connector 21">
+            <a:extLst>
+              <a:ext uri="{FF2B5EF4-FFF2-40B4-BE49-F238E27FC236}">
+                <a16:creationId xmlns:a16="http://schemas.microsoft.com/office/drawing/2014/main" id="{9AAA96B7-99DF-4292-A7CE-1E6B55682D98}"/>
+              </a:ext>
+            </a:extLst>
+          </p:cNvPr>
+          <p:cNvCxnSpPr/>
+          <p:nvPr/>
+        </p:nvCxnSpPr>
+        <p:spPr>
+          <a:xfrm>
+            <a:off x="0" y="496604"/>
+            <a:ext cx="10800000" cy="0"/>
+          </a:xfrm>
+          <a:prstGeom prst="line">
+            <a:avLst/>
+          </a:prstGeom>
+          <a:ln w="38100"/>
+        </p:spPr>
+        <p:style>
+          <a:lnRef idx="1">
+            <a:schemeClr val="accent1"/>
+          </a:lnRef>
+          <a:fillRef idx="0">
+            <a:schemeClr val="accent1"/>
+          </a:fillRef>
+          <a:effectRef idx="0">
+            <a:schemeClr val="accent1"/>
+          </a:effectRef>
+          <a:fontRef idx="minor">
+            <a:schemeClr val="tx1"/>
+          </a:fontRef>
+        </p:style>
+      </p:cxnSp>
+      <p:sp>
+        <p:nvSpPr>
+          <p:cNvPr id="10" name="TextBox 9">
+            <a:extLst>
+              <a:ext uri="{FF2B5EF4-FFF2-40B4-BE49-F238E27FC236}">
+                <a16:creationId xmlns:a16="http://schemas.microsoft.com/office/drawing/2014/main" id="{2090652F-147C-4A25-9EA3-8E36AEC4317F}"/>
+              </a:ext>
+            </a:extLst>
+          </p:cNvPr>
+          <p:cNvSpPr txBox="1"/>
+          <p:nvPr/>
+        </p:nvSpPr>
+        <p:spPr>
+          <a:xfrm>
+            <a:off x="572609" y="839660"/>
+            <a:ext cx="11181426" cy="5909310"/>
+          </a:xfrm>
+          <a:prstGeom prst="rect">
+            <a:avLst/>
+          </a:prstGeom>
+          <a:noFill/>
+        </p:spPr>
+        <p:txBody>
+          <a:bodyPr wrap="square">
+            <a:spAutoFit/>
+          </a:bodyPr>
+          <a:lstStyle/>
+          <a:p>
+            <a:r>
+              <a:rPr lang="en-CA" dirty="0"/>
+              <a:t>Say character : q</a:t>
+            </a:r>
+          </a:p>
+          <a:p>
+            <a:endParaRPr lang="en-CA" dirty="0"/>
+          </a:p>
+          <a:p>
+            <a:r>
+              <a:rPr lang="en-CA" b="1" dirty="0"/>
+              <a:t>Character		Meaning	  			Examples				</a:t>
+            </a:r>
+          </a:p>
+          <a:p>
+            <a:endParaRPr lang="en-CA" b="1" dirty="0"/>
+          </a:p>
+          <a:p>
+            <a:r>
+              <a:rPr lang="en-US" dirty="0"/>
+              <a:t>..*		0 or more instances ..		[</a:t>
+            </a:r>
+            <a:r>
+              <a:rPr lang="en-US" dirty="0" err="1"/>
+              <a:t>eu</a:t>
+            </a:r>
+            <a:r>
+              <a:rPr lang="en-US" dirty="0"/>
+              <a:t>]*         : no e or no u; e or u, eeeeeeeee or uuuuuuuu…</a:t>
+            </a:r>
+          </a:p>
+          <a:p>
+            <a:endParaRPr lang="en-US" dirty="0"/>
+          </a:p>
+          <a:p>
+            <a:r>
+              <a:rPr lang="en-US" dirty="0"/>
+              <a:t>..+		1 or more instances of ..  		[</a:t>
+            </a:r>
+            <a:r>
+              <a:rPr lang="en-US" dirty="0" err="1"/>
+              <a:t>eu</a:t>
+            </a:r>
+            <a:r>
+              <a:rPr lang="en-US" dirty="0"/>
+              <a:t>]+          : e or u, </a:t>
+            </a:r>
+            <a:r>
+              <a:rPr lang="en-US" dirty="0" err="1"/>
+              <a:t>ee</a:t>
+            </a:r>
+            <a:r>
+              <a:rPr lang="en-US" dirty="0"/>
+              <a:t> or </a:t>
+            </a:r>
+            <a:r>
+              <a:rPr lang="en-US" dirty="0" err="1"/>
+              <a:t>uu</a:t>
+            </a:r>
+            <a:r>
+              <a:rPr lang="en-US" dirty="0"/>
+              <a:t> … eeeeeeeee or uuuuuuuu…</a:t>
+            </a:r>
+          </a:p>
+          <a:p>
+            <a:endParaRPr lang="en-US" dirty="0"/>
+          </a:p>
+          <a:p>
+            <a:r>
+              <a:rPr lang="en-US" dirty="0"/>
+              <a:t>..?		0 or 1 instance of ..			[</a:t>
+            </a:r>
+            <a:r>
+              <a:rPr lang="en-US" dirty="0" err="1"/>
+              <a:t>eu</a:t>
+            </a:r>
+            <a:r>
+              <a:rPr lang="en-US" dirty="0"/>
+              <a:t>]?          : no e or no u; e or u</a:t>
+            </a:r>
+          </a:p>
+          <a:p>
+            <a:endParaRPr lang="en-US" dirty="0"/>
+          </a:p>
+          <a:p>
+            <a:r>
+              <a:rPr lang="en-US" dirty="0"/>
+              <a:t>..{m}		Exactly m instances of .. 		[</a:t>
+            </a:r>
+            <a:r>
+              <a:rPr lang="en-US" dirty="0" err="1"/>
+              <a:t>eu</a:t>
+            </a:r>
+            <a:r>
+              <a:rPr lang="en-US" dirty="0"/>
+              <a:t>]{2}  : </a:t>
+            </a:r>
+            <a:r>
+              <a:rPr lang="en-US" dirty="0" err="1"/>
+              <a:t>ee</a:t>
+            </a:r>
+            <a:r>
+              <a:rPr lang="en-US" dirty="0"/>
+              <a:t> or </a:t>
+            </a:r>
+            <a:r>
+              <a:rPr lang="en-US" dirty="0" err="1"/>
+              <a:t>uu</a:t>
+            </a:r>
+            <a:r>
+              <a:rPr lang="en-US" dirty="0"/>
+              <a:t>;  [</a:t>
+            </a:r>
+            <a:r>
+              <a:rPr lang="en-US" dirty="0" err="1"/>
+              <a:t>eu</a:t>
+            </a:r>
+            <a:r>
+              <a:rPr lang="en-US" dirty="0"/>
+              <a:t>]{1} same as [</a:t>
+            </a:r>
+            <a:r>
+              <a:rPr lang="en-US" dirty="0" err="1"/>
+              <a:t>eu</a:t>
+            </a:r>
+            <a:r>
+              <a:rPr lang="en-US" dirty="0"/>
+              <a:t>] </a:t>
+            </a:r>
+          </a:p>
+          <a:p>
+            <a:endParaRPr lang="en-US" dirty="0"/>
+          </a:p>
+          <a:p>
+            <a:r>
+              <a:rPr lang="en-US" dirty="0"/>
+              <a:t>..{m,}		At least m instances of .. 	  	[</a:t>
+            </a:r>
+            <a:r>
+              <a:rPr lang="en-US" dirty="0" err="1"/>
+              <a:t>eu</a:t>
+            </a:r>
+            <a:r>
+              <a:rPr lang="en-US" dirty="0"/>
+              <a:t>]{3,}</a:t>
+            </a:r>
+          </a:p>
+          <a:p>
+            <a:endParaRPr lang="en-US" dirty="0"/>
+          </a:p>
+          <a:p>
+            <a:r>
+              <a:rPr lang="en-US" dirty="0"/>
+              <a:t>..{</a:t>
+            </a:r>
+            <a:r>
+              <a:rPr lang="en-US" dirty="0" err="1"/>
+              <a:t>m,n</a:t>
+            </a:r>
+            <a:r>
+              <a:rPr lang="en-US" dirty="0"/>
+              <a:t>}		Between m and n instances of .. 	[</a:t>
+            </a:r>
+            <a:r>
+              <a:rPr lang="en-US" dirty="0" err="1"/>
+              <a:t>eu</a:t>
+            </a:r>
+            <a:r>
+              <a:rPr lang="en-US" dirty="0"/>
+              <a:t>]{3, 5}: </a:t>
+            </a:r>
+            <a:r>
+              <a:rPr lang="en-US" dirty="0" err="1"/>
+              <a:t>eee</a:t>
+            </a:r>
+            <a:r>
+              <a:rPr lang="en-US" dirty="0"/>
+              <a:t>, </a:t>
+            </a:r>
+            <a:r>
+              <a:rPr lang="en-US" dirty="0" err="1"/>
+              <a:t>eeee</a:t>
+            </a:r>
+            <a:r>
+              <a:rPr lang="en-US" dirty="0"/>
+              <a:t>, </a:t>
+            </a:r>
+            <a:r>
+              <a:rPr lang="en-US" dirty="0" err="1"/>
+              <a:t>eeeee</a:t>
+            </a:r>
+            <a:r>
+              <a:rPr lang="en-US" dirty="0"/>
+              <a:t> </a:t>
+            </a:r>
+          </a:p>
+          <a:p>
+            <a:r>
+              <a:rPr lang="en-US" dirty="0"/>
+              <a:t>							</a:t>
+            </a:r>
+            <a:r>
+              <a:rPr lang="en-US" dirty="0" err="1"/>
+              <a:t>uuu,uuuu,uuuuu</a:t>
+            </a:r>
+            <a:endParaRPr lang="en-US" dirty="0"/>
+          </a:p>
+          <a:p>
+            <a:r>
+              <a:rPr lang="en-US" dirty="0"/>
+              <a:t>	</a:t>
+            </a:r>
+          </a:p>
+          <a:p>
+            <a:endParaRPr lang="en-CA" dirty="0"/>
+          </a:p>
+          <a:p>
+            <a:endParaRPr lang="en-CA" dirty="0"/>
+          </a:p>
+          <a:p>
+            <a:endParaRPr lang="en-CA" dirty="0"/>
+          </a:p>
+          <a:p>
+            <a:r>
+              <a:rPr lang="en-CA" dirty="0"/>
+              <a:t>     </a:t>
+            </a:r>
+          </a:p>
+        </p:txBody>
+      </p:sp>
+    </p:spTree>
+    <p:extLst>
+      <p:ext uri="{BB962C8B-B14F-4D97-AF65-F5344CB8AC3E}">
+        <p14:creationId xmlns:p14="http://schemas.microsoft.com/office/powerpoint/2010/main" val="3622812358"/>
+      </p:ext>
+    </p:extLst>
+  </p:cSld>
+  <p:clrMapOvr>
+    <a:masterClrMapping/>
+  </p:clrMapOvr>
+</p:sld>
+</file>
+
 <file path=ppt/slides/slide2.xml><?xml version="1.0" encoding="utf-8"?>
 <p:sld xmlns:a="http://schemas.openxmlformats.org/drawingml/2006/main" xmlns:r="http://schemas.openxmlformats.org/officeDocument/2006/relationships" xmlns:p="http://schemas.openxmlformats.org/presentationml/2006/main">
   <p:cSld>
@@ -7059,6 +11959,1070 @@
     <p:extLst>
       <p:ext uri="{BB962C8B-B14F-4D97-AF65-F5344CB8AC3E}">
         <p14:creationId xmlns:p14="http://schemas.microsoft.com/office/powerpoint/2010/main" val="1354360044"/>
+      </p:ext>
+    </p:extLst>
+  </p:cSld>
+  <p:clrMapOvr>
+    <a:masterClrMapping/>
+  </p:clrMapOvr>
+</p:sld>
+</file>
+
+<file path=ppt/slides/slide8.xml><?xml version="1.0" encoding="utf-8"?>
+<p:sld xmlns:a="http://schemas.openxmlformats.org/drawingml/2006/main" xmlns:r="http://schemas.openxmlformats.org/officeDocument/2006/relationships" xmlns:p="http://schemas.openxmlformats.org/presentationml/2006/main">
+  <p:cSld>
+    <p:bg>
+      <p:bgPr>
+        <a:solidFill>
+          <a:schemeClr val="bg1"/>
+        </a:solidFill>
+        <a:effectLst/>
+      </p:bgPr>
+    </p:bg>
+    <p:spTree>
+      <p:nvGrpSpPr>
+        <p:cNvPr id="1" name=""/>
+        <p:cNvGrpSpPr/>
+        <p:nvPr/>
+      </p:nvGrpSpPr>
+      <p:grpSpPr>
+        <a:xfrm>
+          <a:off x="0" y="0"/>
+          <a:ext cx="0" cy="0"/>
+          <a:chOff x="0" y="0"/>
+          <a:chExt cx="0" cy="0"/>
+        </a:xfrm>
+      </p:grpSpPr>
+      <p:sp useBgFill="1">
+        <p:nvSpPr>
+          <p:cNvPr id="31" name="Rectangle 20">
+            <a:extLst>
+              <a:ext uri="{FF2B5EF4-FFF2-40B4-BE49-F238E27FC236}">
+                <a16:creationId xmlns:a16="http://schemas.microsoft.com/office/drawing/2014/main" id="{979E27D9-03C7-44E2-9FF8-15D0C8506AF7}"/>
+              </a:ext>
+              <a:ext uri="{C183D7F6-B498-43B3-948B-1728B52AA6E4}">
+                <adec:decorative xmlns:adec="http://schemas.microsoft.com/office/drawing/2017/decorative" val="1"/>
+              </a:ext>
+            </a:extLst>
+          </p:cNvPr>
+          <p:cNvSpPr>
+            <a:spLocks noGrp="1" noRot="1" noChangeAspect="1" noMove="1" noResize="1" noEditPoints="1" noAdjustHandles="1" noChangeArrowheads="1" noChangeShapeType="1" noTextEdit="1"/>
+          </p:cNvSpPr>
+          <p:nvPr>
+            <p:extLst>
+              <p:ext uri="{386F3935-93C4-4BCD-93E2-E3B085C9AB24}">
+                <p16:designElem xmlns:p16="http://schemas.microsoft.com/office/powerpoint/2015/main" val="1"/>
+              </p:ext>
+            </p:extLst>
+          </p:nvPr>
+        </p:nvSpPr>
+        <p:spPr>
+          <a:xfrm>
+            <a:off x="0" y="0"/>
+            <a:ext cx="12192000" cy="6858000"/>
+          </a:xfrm>
+          <a:prstGeom prst="rect">
+            <a:avLst/>
+          </a:prstGeom>
+          <a:ln w="12700" cap="flat" cmpd="sng" algn="ctr">
+            <a:noFill/>
+            <a:prstDash val="solid"/>
+            <a:miter lim="800000"/>
+          </a:ln>
+          <a:effectLst/>
+          <a:extLst>
+            <a:ext uri="{91240B29-F687-4F45-9708-019B960494DF}">
+              <a14:hiddenLine xmlns:a14="http://schemas.microsoft.com/office/drawing/2010/main" w="12700" cap="flat" cmpd="sng" algn="ctr">
+                <a:solidFill>
+                  <a:schemeClr val="accent1">
+                    <a:shade val="50000"/>
+                  </a:schemeClr>
+                </a:solidFill>
+                <a:prstDash val="solid"/>
+                <a:miter lim="800000"/>
+              </a14:hiddenLine>
+            </a:ext>
+          </a:extLst>
+        </p:spPr>
+        <p:style>
+          <a:lnRef idx="2">
+            <a:schemeClr val="accent1">
+              <a:shade val="50000"/>
+            </a:schemeClr>
+          </a:lnRef>
+          <a:fillRef idx="1">
+            <a:schemeClr val="accent1"/>
+          </a:fillRef>
+          <a:effectRef idx="0">
+            <a:schemeClr val="accent1"/>
+          </a:effectRef>
+          <a:fontRef idx="minor">
+            <a:schemeClr val="lt1"/>
+          </a:fontRef>
+        </p:style>
+        <p:txBody>
+          <a:bodyPr rtlCol="0" anchor="ctr"/>
+          <a:lstStyle/>
+          <a:p>
+            <a:pPr algn="ctr"/>
+            <a:endParaRPr lang="en-US" dirty="0"/>
+          </a:p>
+        </p:txBody>
+      </p:sp>
+      <p:sp>
+        <p:nvSpPr>
+          <p:cNvPr id="32" name="Rectangle 22">
+            <a:extLst>
+              <a:ext uri="{FF2B5EF4-FFF2-40B4-BE49-F238E27FC236}">
+                <a16:creationId xmlns:a16="http://schemas.microsoft.com/office/drawing/2014/main" id="{EEBF1590-3B36-48EE-A89D-3B6F3CB256AB}"/>
+              </a:ext>
+              <a:ext uri="{C183D7F6-B498-43B3-948B-1728B52AA6E4}">
+                <adec:decorative xmlns:adec="http://schemas.microsoft.com/office/drawing/2017/decorative" val="1"/>
+              </a:ext>
+            </a:extLst>
+          </p:cNvPr>
+          <p:cNvSpPr>
+            <a:spLocks noGrp="1" noRot="1" noChangeAspect="1" noMove="1" noResize="1" noEditPoints="1" noAdjustHandles="1" noChangeArrowheads="1" noChangeShapeType="1" noTextEdit="1"/>
+          </p:cNvSpPr>
+          <p:nvPr>
+            <p:extLst>
+              <p:ext uri="{386F3935-93C4-4BCD-93E2-E3B085C9AB24}">
+                <p16:designElem xmlns:p16="http://schemas.microsoft.com/office/powerpoint/2015/main" val="1"/>
+              </p:ext>
+            </p:extLst>
+          </p:nvPr>
+        </p:nvSpPr>
+        <p:spPr>
+          <a:xfrm rot="10800000" flipH="1">
+            <a:off x="0" y="6400799"/>
+            <a:ext cx="12192000" cy="456773"/>
+          </a:xfrm>
+          <a:prstGeom prst="rect">
+            <a:avLst/>
+          </a:prstGeom>
+          <a:gradFill>
+            <a:gsLst>
+              <a:gs pos="0">
+                <a:schemeClr val="accent1"/>
+              </a:gs>
+              <a:gs pos="100000">
+                <a:schemeClr val="accent1">
+                  <a:lumMod val="50000"/>
+                </a:schemeClr>
+              </a:gs>
+            </a:gsLst>
+            <a:lin ang="6600000" scaled="0"/>
+          </a:gradFill>
+          <a:ln>
+            <a:noFill/>
+          </a:ln>
+        </p:spPr>
+        <p:style>
+          <a:lnRef idx="2">
+            <a:schemeClr val="accent1">
+              <a:shade val="50000"/>
+            </a:schemeClr>
+          </a:lnRef>
+          <a:fillRef idx="1">
+            <a:schemeClr val="accent1"/>
+          </a:fillRef>
+          <a:effectRef idx="0">
+            <a:schemeClr val="accent1"/>
+          </a:effectRef>
+          <a:fontRef idx="minor">
+            <a:schemeClr val="lt1"/>
+          </a:fontRef>
+        </p:style>
+        <p:txBody>
+          <a:bodyPr rtlCol="0" anchor="ctr"/>
+          <a:lstStyle/>
+          <a:p>
+            <a:pPr algn="ctr"/>
+            <a:endParaRPr lang="en-US" dirty="0"/>
+          </a:p>
+        </p:txBody>
+      </p:sp>
+      <p:sp>
+        <p:nvSpPr>
+          <p:cNvPr id="33" name="Rectangle 24">
+            <a:extLst>
+              <a:ext uri="{FF2B5EF4-FFF2-40B4-BE49-F238E27FC236}">
+                <a16:creationId xmlns:a16="http://schemas.microsoft.com/office/drawing/2014/main" id="{AC8F6C8C-AB5A-4548-942D-E3FD40ACBC49}"/>
+              </a:ext>
+              <a:ext uri="{C183D7F6-B498-43B3-948B-1728B52AA6E4}">
+                <adec:decorative xmlns:adec="http://schemas.microsoft.com/office/drawing/2017/decorative" val="1"/>
+              </a:ext>
+            </a:extLst>
+          </p:cNvPr>
+          <p:cNvSpPr>
+            <a:spLocks noGrp="1" noRot="1" noChangeAspect="1" noMove="1" noResize="1" noEditPoints="1" noAdjustHandles="1" noChangeArrowheads="1" noChangeShapeType="1" noTextEdit="1"/>
+          </p:cNvSpPr>
+          <p:nvPr>
+            <p:extLst>
+              <p:ext uri="{386F3935-93C4-4BCD-93E2-E3B085C9AB24}">
+                <p16:designElem xmlns:p16="http://schemas.microsoft.com/office/powerpoint/2015/main" val="1"/>
+              </p:ext>
+            </p:extLst>
+          </p:nvPr>
+        </p:nvSpPr>
+        <p:spPr>
+          <a:xfrm flipH="1">
+            <a:off x="4038600" y="6400799"/>
+            <a:ext cx="8153398" cy="456772"/>
+          </a:xfrm>
+          <a:prstGeom prst="rect">
+            <a:avLst/>
+          </a:prstGeom>
+          <a:gradFill>
+            <a:gsLst>
+              <a:gs pos="0">
+                <a:srgbClr val="000000">
+                  <a:alpha val="76000"/>
+                </a:srgbClr>
+              </a:gs>
+              <a:gs pos="100000">
+                <a:schemeClr val="accent1"/>
+              </a:gs>
+            </a:gsLst>
+            <a:lin ang="17400000" scaled="0"/>
+          </a:gradFill>
+          <a:ln>
+            <a:noFill/>
+          </a:ln>
+        </p:spPr>
+        <p:style>
+          <a:lnRef idx="2">
+            <a:schemeClr val="accent1">
+              <a:shade val="50000"/>
+            </a:schemeClr>
+          </a:lnRef>
+          <a:fillRef idx="1">
+            <a:schemeClr val="accent1"/>
+          </a:fillRef>
+          <a:effectRef idx="0">
+            <a:schemeClr val="accent1"/>
+          </a:effectRef>
+          <a:fontRef idx="minor">
+            <a:schemeClr val="lt1"/>
+          </a:fontRef>
+        </p:style>
+        <p:txBody>
+          <a:bodyPr rtlCol="0" anchor="ctr"/>
+          <a:lstStyle/>
+          <a:p>
+            <a:pPr algn="ctr"/>
+            <a:endParaRPr lang="en-US" dirty="0"/>
+          </a:p>
+        </p:txBody>
+      </p:sp>
+      <p:pic>
+        <p:nvPicPr>
+          <p:cNvPr id="5" name="Content Placeholder 4" descr="Logo&#10;&#10;Description automatically generated with medium confidence">
+            <a:extLst>
+              <a:ext uri="{FF2B5EF4-FFF2-40B4-BE49-F238E27FC236}">
+                <a16:creationId xmlns:a16="http://schemas.microsoft.com/office/drawing/2014/main" id="{D45B6C06-472A-4FAF-ABFC-9E549C7F0B64}"/>
+              </a:ext>
+            </a:extLst>
+          </p:cNvPr>
+          <p:cNvPicPr>
+            <a:picLocks noGrp="1" noChangeAspect="1"/>
+          </p:cNvPicPr>
+          <p:nvPr>
+            <p:ph idx="1"/>
+          </p:nvPr>
+        </p:nvPicPr>
+        <p:blipFill>
+          <a:blip r:embed="rId2">
+            <a:extLst>
+              <a:ext uri="{28A0092B-C50C-407E-A947-70E740481C1C}">
+                <a14:useLocalDpi xmlns:a14="http://schemas.microsoft.com/office/drawing/2010/main" val="0"/>
+              </a:ext>
+            </a:extLst>
+          </a:blip>
+          <a:stretch>
+            <a:fillRect/>
+          </a:stretch>
+        </p:blipFill>
+        <p:spPr>
+          <a:xfrm>
+            <a:off x="10485000" y="96676"/>
+            <a:ext cx="1706998" cy="456772"/>
+          </a:xfrm>
+        </p:spPr>
+      </p:pic>
+      <p:sp>
+        <p:nvSpPr>
+          <p:cNvPr id="11" name="Title 1">
+            <a:extLst>
+              <a:ext uri="{FF2B5EF4-FFF2-40B4-BE49-F238E27FC236}">
+                <a16:creationId xmlns:a16="http://schemas.microsoft.com/office/drawing/2014/main" id="{014E4B23-84A4-4D28-8148-5DA1923358C3}"/>
+              </a:ext>
+            </a:extLst>
+          </p:cNvPr>
+          <p:cNvSpPr txBox="1">
+            <a:spLocks/>
+          </p:cNvSpPr>
+          <p:nvPr/>
+        </p:nvSpPr>
+        <p:spPr>
+          <a:xfrm>
+            <a:off x="0" y="38849"/>
+            <a:ext cx="8983300" cy="572425"/>
+          </a:xfrm>
+          <a:prstGeom prst="rect">
+            <a:avLst/>
+          </a:prstGeom>
+        </p:spPr>
+        <p:txBody>
+          <a:bodyPr vert="horz" lIns="91440" tIns="45720" rIns="91440" bIns="45720" rtlCol="0" anchor="ctr">
+            <a:normAutofit fontScale="90000" lnSpcReduction="20000"/>
+          </a:bodyPr>
+          <a:lstStyle>
+            <a:lvl1pPr algn="l" defTabSz="914400" rtl="0" eaLnBrk="1" latinLnBrk="0" hangingPunct="1">
+              <a:lnSpc>
+                <a:spcPct val="90000"/>
+              </a:lnSpc>
+              <a:spcBef>
+                <a:spcPct val="0"/>
+              </a:spcBef>
+              <a:buNone/>
+              <a:defRPr sz="4400" kern="1200">
+                <a:solidFill>
+                  <a:schemeClr val="tx1"/>
+                </a:solidFill>
+                <a:latin typeface="+mj-lt"/>
+                <a:ea typeface="+mj-ea"/>
+                <a:cs typeface="+mj-cs"/>
+              </a:defRPr>
+            </a:lvl1pPr>
+          </a:lstStyle>
+          <a:p>
+            <a:r>
+              <a:rPr lang="en-US" dirty="0">
+                <a:latin typeface="Cambria" panose="02040503050406030204" pitchFamily="18" charset="0"/>
+                <a:ea typeface="Cambria" panose="02040503050406030204" pitchFamily="18" charset="0"/>
+              </a:rPr>
+              <a:t>Regular Expressions (Regex)</a:t>
+            </a:r>
+            <a:endParaRPr lang="en-CA" dirty="0">
+              <a:latin typeface="Cambria" panose="02040503050406030204" pitchFamily="18" charset="0"/>
+              <a:ea typeface="Cambria" panose="02040503050406030204" pitchFamily="18" charset="0"/>
+            </a:endParaRPr>
+          </a:p>
+        </p:txBody>
+      </p:sp>
+      <p:cxnSp>
+        <p:nvCxnSpPr>
+          <p:cNvPr id="22" name="Straight Connector 21">
+            <a:extLst>
+              <a:ext uri="{FF2B5EF4-FFF2-40B4-BE49-F238E27FC236}">
+                <a16:creationId xmlns:a16="http://schemas.microsoft.com/office/drawing/2014/main" id="{9AAA96B7-99DF-4292-A7CE-1E6B55682D98}"/>
+              </a:ext>
+            </a:extLst>
+          </p:cNvPr>
+          <p:cNvCxnSpPr/>
+          <p:nvPr/>
+        </p:nvCxnSpPr>
+        <p:spPr>
+          <a:xfrm>
+            <a:off x="0" y="496604"/>
+            <a:ext cx="10800000" cy="0"/>
+          </a:xfrm>
+          <a:prstGeom prst="line">
+            <a:avLst/>
+          </a:prstGeom>
+          <a:ln w="38100"/>
+        </p:spPr>
+        <p:style>
+          <a:lnRef idx="1">
+            <a:schemeClr val="accent1"/>
+          </a:lnRef>
+          <a:fillRef idx="0">
+            <a:schemeClr val="accent1"/>
+          </a:fillRef>
+          <a:effectRef idx="0">
+            <a:schemeClr val="accent1"/>
+          </a:effectRef>
+          <a:fontRef idx="minor">
+            <a:schemeClr val="tx1"/>
+          </a:fontRef>
+        </p:style>
+      </p:cxnSp>
+      <p:sp>
+        <p:nvSpPr>
+          <p:cNvPr id="10" name="TextBox 9">
+            <a:extLst>
+              <a:ext uri="{FF2B5EF4-FFF2-40B4-BE49-F238E27FC236}">
+                <a16:creationId xmlns:a16="http://schemas.microsoft.com/office/drawing/2014/main" id="{2090652F-147C-4A25-9EA3-8E36AEC4317F}"/>
+              </a:ext>
+            </a:extLst>
+          </p:cNvPr>
+          <p:cNvSpPr txBox="1"/>
+          <p:nvPr/>
+        </p:nvSpPr>
+        <p:spPr>
+          <a:xfrm>
+            <a:off x="701650" y="909545"/>
+            <a:ext cx="10329169" cy="5078313"/>
+          </a:xfrm>
+          <a:prstGeom prst="rect">
+            <a:avLst/>
+          </a:prstGeom>
+          <a:noFill/>
+        </p:spPr>
+        <p:txBody>
+          <a:bodyPr wrap="square">
+            <a:spAutoFit/>
+          </a:bodyPr>
+          <a:lstStyle>
+            <a:defPPr>
+              <a:defRPr lang="en-US"/>
+            </a:defPPr>
+          </a:lstStyle>
+          <a:p>
+            <a:endParaRPr lang="en-CA" dirty="0"/>
+          </a:p>
+          <a:p>
+            <a:pPr marL="285750" indent="-285750">
+              <a:buFont typeface="Wingdings" panose="05000000000000000000" pitchFamily="2" charset="2"/>
+              <a:buChar char="v"/>
+            </a:pPr>
+            <a:r>
+              <a:rPr lang="en-CA" dirty="0"/>
+              <a:t> </a:t>
+            </a:r>
+            <a:r>
+              <a:rPr lang="en-US" dirty="0"/>
+              <a:t> Regex are sequence of characters that specify a search pattern in text.</a:t>
+            </a:r>
+          </a:p>
+          <a:p>
+            <a:endParaRPr lang="en-US" dirty="0"/>
+          </a:p>
+          <a:p>
+            <a:pPr marL="285750" indent="-285750">
+              <a:buFont typeface="Wingdings" panose="05000000000000000000" pitchFamily="2" charset="2"/>
+              <a:buChar char="v"/>
+            </a:pPr>
+            <a:endParaRPr lang="en-US" dirty="0"/>
+          </a:p>
+          <a:p>
+            <a:pPr marL="285750" indent="-285750">
+              <a:buFont typeface="Wingdings" panose="05000000000000000000" pitchFamily="2" charset="2"/>
+              <a:buChar char="v"/>
+            </a:pPr>
+            <a:r>
+              <a:rPr lang="en-US" dirty="0"/>
+              <a:t>  The foundation for forming these regex patterns are:</a:t>
+            </a:r>
+          </a:p>
+          <a:p>
+            <a:endParaRPr lang="en-US" dirty="0"/>
+          </a:p>
+          <a:p>
+            <a:pPr marL="285750" indent="-285750">
+              <a:buFont typeface="Wingdings" panose="05000000000000000000" pitchFamily="2" charset="2"/>
+              <a:buChar char="v"/>
+            </a:pPr>
+            <a:endParaRPr lang="en-US" dirty="0"/>
+          </a:p>
+          <a:p>
+            <a:pPr marL="742950" lvl="1" indent="-285750">
+              <a:buFont typeface="Wingdings" panose="05000000000000000000" pitchFamily="2" charset="2"/>
+              <a:buChar char="v"/>
+            </a:pPr>
+            <a:r>
+              <a:rPr lang="en-US" dirty="0"/>
+              <a:t>Literal Characters</a:t>
+            </a:r>
+          </a:p>
+          <a:p>
+            <a:pPr lvl="1"/>
+            <a:endParaRPr lang="en-US" dirty="0"/>
+          </a:p>
+          <a:p>
+            <a:pPr marL="742950" lvl="1" indent="-285750">
+              <a:buFont typeface="Wingdings" panose="05000000000000000000" pitchFamily="2" charset="2"/>
+              <a:buChar char="v"/>
+            </a:pPr>
+            <a:endParaRPr lang="en-US" dirty="0"/>
+          </a:p>
+          <a:p>
+            <a:pPr marL="742950" lvl="1" indent="-285750">
+              <a:buFont typeface="Wingdings" panose="05000000000000000000" pitchFamily="2" charset="2"/>
+              <a:buChar char="v"/>
+            </a:pPr>
+            <a:r>
+              <a:rPr lang="en-US" dirty="0"/>
+              <a:t>Meta-characters</a:t>
+            </a:r>
+          </a:p>
+          <a:p>
+            <a:pPr lvl="1"/>
+            <a:endParaRPr lang="en-US" dirty="0"/>
+          </a:p>
+          <a:p>
+            <a:pPr marL="742950" lvl="1" indent="-285750">
+              <a:buFont typeface="Wingdings" panose="05000000000000000000" pitchFamily="2" charset="2"/>
+              <a:buChar char="v"/>
+            </a:pPr>
+            <a:endParaRPr lang="en-US" dirty="0"/>
+          </a:p>
+          <a:p>
+            <a:pPr marL="742950" lvl="1" indent="-285750">
+              <a:buFont typeface="Wingdings" panose="05000000000000000000" pitchFamily="2" charset="2"/>
+              <a:buChar char="v"/>
+            </a:pPr>
+            <a:r>
+              <a:rPr lang="en-US" dirty="0"/>
+              <a:t>Posit Character classes</a:t>
+            </a:r>
+            <a:endParaRPr lang="en-CA" dirty="0"/>
+          </a:p>
+          <a:p>
+            <a:endParaRPr lang="en-CA" dirty="0"/>
+          </a:p>
+          <a:p>
+            <a:endParaRPr lang="en-CA" dirty="0"/>
+          </a:p>
+          <a:p>
+            <a:endParaRPr lang="en-CA" dirty="0"/>
+          </a:p>
+          <a:p>
+            <a:r>
+              <a:rPr lang="en-CA" dirty="0"/>
+              <a:t>     </a:t>
+            </a:r>
+          </a:p>
+        </p:txBody>
+      </p:sp>
+    </p:spTree>
+    <p:extLst>
+      <p:ext uri="{BB962C8B-B14F-4D97-AF65-F5344CB8AC3E}">
+        <p14:creationId xmlns:p14="http://schemas.microsoft.com/office/powerpoint/2010/main" val="35047049"/>
+      </p:ext>
+    </p:extLst>
+  </p:cSld>
+  <p:clrMapOvr>
+    <a:masterClrMapping/>
+  </p:clrMapOvr>
+</p:sld>
+</file>
+
+<file path=ppt/slides/slide9.xml><?xml version="1.0" encoding="utf-8"?>
+<p:sld xmlns:a="http://schemas.openxmlformats.org/drawingml/2006/main" xmlns:r="http://schemas.openxmlformats.org/officeDocument/2006/relationships" xmlns:p="http://schemas.openxmlformats.org/presentationml/2006/main">
+  <p:cSld>
+    <p:bg>
+      <p:bgPr>
+        <a:solidFill>
+          <a:schemeClr val="bg1"/>
+        </a:solidFill>
+        <a:effectLst/>
+      </p:bgPr>
+    </p:bg>
+    <p:spTree>
+      <p:nvGrpSpPr>
+        <p:cNvPr id="1" name=""/>
+        <p:cNvGrpSpPr/>
+        <p:nvPr/>
+      </p:nvGrpSpPr>
+      <p:grpSpPr>
+        <a:xfrm>
+          <a:off x="0" y="0"/>
+          <a:ext cx="0" cy="0"/>
+          <a:chOff x="0" y="0"/>
+          <a:chExt cx="0" cy="0"/>
+        </a:xfrm>
+      </p:grpSpPr>
+      <p:sp useBgFill="1">
+        <p:nvSpPr>
+          <p:cNvPr id="31" name="Rectangle 20">
+            <a:extLst>
+              <a:ext uri="{FF2B5EF4-FFF2-40B4-BE49-F238E27FC236}">
+                <a16:creationId xmlns:a16="http://schemas.microsoft.com/office/drawing/2014/main" id="{979E27D9-03C7-44E2-9FF8-15D0C8506AF7}"/>
+              </a:ext>
+              <a:ext uri="{C183D7F6-B498-43B3-948B-1728B52AA6E4}">
+                <adec:decorative xmlns:adec="http://schemas.microsoft.com/office/drawing/2017/decorative" val="1"/>
+              </a:ext>
+            </a:extLst>
+          </p:cNvPr>
+          <p:cNvSpPr>
+            <a:spLocks noGrp="1" noRot="1" noChangeAspect="1" noMove="1" noResize="1" noEditPoints="1" noAdjustHandles="1" noChangeArrowheads="1" noChangeShapeType="1" noTextEdit="1"/>
+          </p:cNvSpPr>
+          <p:nvPr>
+            <p:extLst>
+              <p:ext uri="{386F3935-93C4-4BCD-93E2-E3B085C9AB24}">
+                <p16:designElem xmlns:p16="http://schemas.microsoft.com/office/powerpoint/2015/main" val="1"/>
+              </p:ext>
+            </p:extLst>
+          </p:nvPr>
+        </p:nvSpPr>
+        <p:spPr>
+          <a:xfrm>
+            <a:off x="0" y="0"/>
+            <a:ext cx="12192000" cy="6858000"/>
+          </a:xfrm>
+          <a:prstGeom prst="rect">
+            <a:avLst/>
+          </a:prstGeom>
+          <a:ln w="12700" cap="flat" cmpd="sng" algn="ctr">
+            <a:noFill/>
+            <a:prstDash val="solid"/>
+            <a:miter lim="800000"/>
+          </a:ln>
+          <a:effectLst/>
+          <a:extLst>
+            <a:ext uri="{91240B29-F687-4F45-9708-019B960494DF}">
+              <a14:hiddenLine xmlns:a14="http://schemas.microsoft.com/office/drawing/2010/main" w="12700" cap="flat" cmpd="sng" algn="ctr">
+                <a:solidFill>
+                  <a:schemeClr val="accent1">
+                    <a:shade val="50000"/>
+                  </a:schemeClr>
+                </a:solidFill>
+                <a:prstDash val="solid"/>
+                <a:miter lim="800000"/>
+              </a14:hiddenLine>
+            </a:ext>
+          </a:extLst>
+        </p:spPr>
+        <p:style>
+          <a:lnRef idx="2">
+            <a:schemeClr val="accent1">
+              <a:shade val="50000"/>
+            </a:schemeClr>
+          </a:lnRef>
+          <a:fillRef idx="1">
+            <a:schemeClr val="accent1"/>
+          </a:fillRef>
+          <a:effectRef idx="0">
+            <a:schemeClr val="accent1"/>
+          </a:effectRef>
+          <a:fontRef idx="minor">
+            <a:schemeClr val="lt1"/>
+          </a:fontRef>
+        </p:style>
+        <p:txBody>
+          <a:bodyPr rtlCol="0" anchor="ctr"/>
+          <a:lstStyle/>
+          <a:p>
+            <a:pPr algn="ctr"/>
+            <a:endParaRPr lang="en-US" dirty="0"/>
+          </a:p>
+        </p:txBody>
+      </p:sp>
+      <p:sp>
+        <p:nvSpPr>
+          <p:cNvPr id="32" name="Rectangle 22">
+            <a:extLst>
+              <a:ext uri="{FF2B5EF4-FFF2-40B4-BE49-F238E27FC236}">
+                <a16:creationId xmlns:a16="http://schemas.microsoft.com/office/drawing/2014/main" id="{EEBF1590-3B36-48EE-A89D-3B6F3CB256AB}"/>
+              </a:ext>
+              <a:ext uri="{C183D7F6-B498-43B3-948B-1728B52AA6E4}">
+                <adec:decorative xmlns:adec="http://schemas.microsoft.com/office/drawing/2017/decorative" val="1"/>
+              </a:ext>
+            </a:extLst>
+          </p:cNvPr>
+          <p:cNvSpPr>
+            <a:spLocks noGrp="1" noRot="1" noChangeAspect="1" noMove="1" noResize="1" noEditPoints="1" noAdjustHandles="1" noChangeArrowheads="1" noChangeShapeType="1" noTextEdit="1"/>
+          </p:cNvSpPr>
+          <p:nvPr>
+            <p:extLst>
+              <p:ext uri="{386F3935-93C4-4BCD-93E2-E3B085C9AB24}">
+                <p16:designElem xmlns:p16="http://schemas.microsoft.com/office/powerpoint/2015/main" val="1"/>
+              </p:ext>
+            </p:extLst>
+          </p:nvPr>
+        </p:nvSpPr>
+        <p:spPr>
+          <a:xfrm rot="10800000" flipH="1">
+            <a:off x="0" y="6400799"/>
+            <a:ext cx="12192000" cy="456773"/>
+          </a:xfrm>
+          <a:prstGeom prst="rect">
+            <a:avLst/>
+          </a:prstGeom>
+          <a:gradFill>
+            <a:gsLst>
+              <a:gs pos="0">
+                <a:schemeClr val="accent1"/>
+              </a:gs>
+              <a:gs pos="100000">
+                <a:schemeClr val="accent1">
+                  <a:lumMod val="50000"/>
+                </a:schemeClr>
+              </a:gs>
+            </a:gsLst>
+            <a:lin ang="6600000" scaled="0"/>
+          </a:gradFill>
+          <a:ln>
+            <a:noFill/>
+          </a:ln>
+        </p:spPr>
+        <p:style>
+          <a:lnRef idx="2">
+            <a:schemeClr val="accent1">
+              <a:shade val="50000"/>
+            </a:schemeClr>
+          </a:lnRef>
+          <a:fillRef idx="1">
+            <a:schemeClr val="accent1"/>
+          </a:fillRef>
+          <a:effectRef idx="0">
+            <a:schemeClr val="accent1"/>
+          </a:effectRef>
+          <a:fontRef idx="minor">
+            <a:schemeClr val="lt1"/>
+          </a:fontRef>
+        </p:style>
+        <p:txBody>
+          <a:bodyPr rtlCol="0" anchor="ctr"/>
+          <a:lstStyle/>
+          <a:p>
+            <a:pPr algn="ctr"/>
+            <a:endParaRPr lang="en-US" dirty="0"/>
+          </a:p>
+        </p:txBody>
+      </p:sp>
+      <p:sp>
+        <p:nvSpPr>
+          <p:cNvPr id="33" name="Rectangle 24">
+            <a:extLst>
+              <a:ext uri="{FF2B5EF4-FFF2-40B4-BE49-F238E27FC236}">
+                <a16:creationId xmlns:a16="http://schemas.microsoft.com/office/drawing/2014/main" id="{AC8F6C8C-AB5A-4548-942D-E3FD40ACBC49}"/>
+              </a:ext>
+              <a:ext uri="{C183D7F6-B498-43B3-948B-1728B52AA6E4}">
+                <adec:decorative xmlns:adec="http://schemas.microsoft.com/office/drawing/2017/decorative" val="1"/>
+              </a:ext>
+            </a:extLst>
+          </p:cNvPr>
+          <p:cNvSpPr>
+            <a:spLocks noGrp="1" noRot="1" noChangeAspect="1" noMove="1" noResize="1" noEditPoints="1" noAdjustHandles="1" noChangeArrowheads="1" noChangeShapeType="1" noTextEdit="1"/>
+          </p:cNvSpPr>
+          <p:nvPr>
+            <p:extLst>
+              <p:ext uri="{386F3935-93C4-4BCD-93E2-E3B085C9AB24}">
+                <p16:designElem xmlns:p16="http://schemas.microsoft.com/office/powerpoint/2015/main" val="1"/>
+              </p:ext>
+            </p:extLst>
+          </p:nvPr>
+        </p:nvSpPr>
+        <p:spPr>
+          <a:xfrm flipH="1">
+            <a:off x="4038600" y="6400799"/>
+            <a:ext cx="8153398" cy="456772"/>
+          </a:xfrm>
+          <a:prstGeom prst="rect">
+            <a:avLst/>
+          </a:prstGeom>
+          <a:gradFill>
+            <a:gsLst>
+              <a:gs pos="0">
+                <a:srgbClr val="000000">
+                  <a:alpha val="76000"/>
+                </a:srgbClr>
+              </a:gs>
+              <a:gs pos="100000">
+                <a:schemeClr val="accent1"/>
+              </a:gs>
+            </a:gsLst>
+            <a:lin ang="17400000" scaled="0"/>
+          </a:gradFill>
+          <a:ln>
+            <a:noFill/>
+          </a:ln>
+        </p:spPr>
+        <p:style>
+          <a:lnRef idx="2">
+            <a:schemeClr val="accent1">
+              <a:shade val="50000"/>
+            </a:schemeClr>
+          </a:lnRef>
+          <a:fillRef idx="1">
+            <a:schemeClr val="accent1"/>
+          </a:fillRef>
+          <a:effectRef idx="0">
+            <a:schemeClr val="accent1"/>
+          </a:effectRef>
+          <a:fontRef idx="minor">
+            <a:schemeClr val="lt1"/>
+          </a:fontRef>
+        </p:style>
+        <p:txBody>
+          <a:bodyPr rtlCol="0" anchor="ctr"/>
+          <a:lstStyle/>
+          <a:p>
+            <a:pPr algn="ctr"/>
+            <a:endParaRPr lang="en-US" dirty="0"/>
+          </a:p>
+        </p:txBody>
+      </p:sp>
+      <p:pic>
+        <p:nvPicPr>
+          <p:cNvPr id="5" name="Content Placeholder 4" descr="Logo&#10;&#10;Description automatically generated with medium confidence">
+            <a:extLst>
+              <a:ext uri="{FF2B5EF4-FFF2-40B4-BE49-F238E27FC236}">
+                <a16:creationId xmlns:a16="http://schemas.microsoft.com/office/drawing/2014/main" id="{D45B6C06-472A-4FAF-ABFC-9E549C7F0B64}"/>
+              </a:ext>
+            </a:extLst>
+          </p:cNvPr>
+          <p:cNvPicPr>
+            <a:picLocks noGrp="1" noChangeAspect="1"/>
+          </p:cNvPicPr>
+          <p:nvPr>
+            <p:ph idx="1"/>
+          </p:nvPr>
+        </p:nvPicPr>
+        <p:blipFill>
+          <a:blip r:embed="rId2">
+            <a:extLst>
+              <a:ext uri="{28A0092B-C50C-407E-A947-70E740481C1C}">
+                <a14:useLocalDpi xmlns:a14="http://schemas.microsoft.com/office/drawing/2010/main" val="0"/>
+              </a:ext>
+            </a:extLst>
+          </a:blip>
+          <a:stretch>
+            <a:fillRect/>
+          </a:stretch>
+        </p:blipFill>
+        <p:spPr>
+          <a:xfrm>
+            <a:off x="10485000" y="96676"/>
+            <a:ext cx="1706998" cy="456772"/>
+          </a:xfrm>
+        </p:spPr>
+      </p:pic>
+      <p:sp>
+        <p:nvSpPr>
+          <p:cNvPr id="11" name="Title 1">
+            <a:extLst>
+              <a:ext uri="{FF2B5EF4-FFF2-40B4-BE49-F238E27FC236}">
+                <a16:creationId xmlns:a16="http://schemas.microsoft.com/office/drawing/2014/main" id="{014E4B23-84A4-4D28-8148-5DA1923358C3}"/>
+              </a:ext>
+            </a:extLst>
+          </p:cNvPr>
+          <p:cNvSpPr txBox="1">
+            <a:spLocks/>
+          </p:cNvSpPr>
+          <p:nvPr/>
+        </p:nvSpPr>
+        <p:spPr>
+          <a:xfrm>
+            <a:off x="0" y="38849"/>
+            <a:ext cx="8983300" cy="572425"/>
+          </a:xfrm>
+          <a:prstGeom prst="rect">
+            <a:avLst/>
+          </a:prstGeom>
+        </p:spPr>
+        <p:txBody>
+          <a:bodyPr vert="horz" lIns="91440" tIns="45720" rIns="91440" bIns="45720" rtlCol="0" anchor="ctr">
+            <a:normAutofit fontScale="90000" lnSpcReduction="20000"/>
+          </a:bodyPr>
+          <a:lstStyle>
+            <a:lvl1pPr algn="l" defTabSz="914400" rtl="0" eaLnBrk="1" latinLnBrk="0" hangingPunct="1">
+              <a:lnSpc>
+                <a:spcPct val="90000"/>
+              </a:lnSpc>
+              <a:spcBef>
+                <a:spcPct val="0"/>
+              </a:spcBef>
+              <a:buNone/>
+              <a:defRPr sz="4400" kern="1200">
+                <a:solidFill>
+                  <a:schemeClr val="tx1"/>
+                </a:solidFill>
+                <a:latin typeface="+mj-lt"/>
+                <a:ea typeface="+mj-ea"/>
+                <a:cs typeface="+mj-cs"/>
+              </a:defRPr>
+            </a:lvl1pPr>
+          </a:lstStyle>
+          <a:p>
+            <a:r>
+              <a:rPr lang="en-US" dirty="0">
+                <a:latin typeface="Cambria" panose="02040503050406030204" pitchFamily="18" charset="0"/>
+                <a:ea typeface="Cambria" panose="02040503050406030204" pitchFamily="18" charset="0"/>
+              </a:rPr>
+              <a:t>Literal Characters</a:t>
+            </a:r>
+            <a:endParaRPr lang="en-CA" dirty="0">
+              <a:latin typeface="Cambria" panose="02040503050406030204" pitchFamily="18" charset="0"/>
+              <a:ea typeface="Cambria" panose="02040503050406030204" pitchFamily="18" charset="0"/>
+            </a:endParaRPr>
+          </a:p>
+        </p:txBody>
+      </p:sp>
+      <p:cxnSp>
+        <p:nvCxnSpPr>
+          <p:cNvPr id="22" name="Straight Connector 21">
+            <a:extLst>
+              <a:ext uri="{FF2B5EF4-FFF2-40B4-BE49-F238E27FC236}">
+                <a16:creationId xmlns:a16="http://schemas.microsoft.com/office/drawing/2014/main" id="{9AAA96B7-99DF-4292-A7CE-1E6B55682D98}"/>
+              </a:ext>
+            </a:extLst>
+          </p:cNvPr>
+          <p:cNvCxnSpPr/>
+          <p:nvPr/>
+        </p:nvCxnSpPr>
+        <p:spPr>
+          <a:xfrm>
+            <a:off x="0" y="496604"/>
+            <a:ext cx="10800000" cy="0"/>
+          </a:xfrm>
+          <a:prstGeom prst="line">
+            <a:avLst/>
+          </a:prstGeom>
+          <a:ln w="38100"/>
+        </p:spPr>
+        <p:style>
+          <a:lnRef idx="1">
+            <a:schemeClr val="accent1"/>
+          </a:lnRef>
+          <a:fillRef idx="0">
+            <a:schemeClr val="accent1"/>
+          </a:fillRef>
+          <a:effectRef idx="0">
+            <a:schemeClr val="accent1"/>
+          </a:effectRef>
+          <a:fontRef idx="minor">
+            <a:schemeClr val="tx1"/>
+          </a:fontRef>
+        </p:style>
+      </p:cxnSp>
+      <p:sp>
+        <p:nvSpPr>
+          <p:cNvPr id="10" name="TextBox 9">
+            <a:extLst>
+              <a:ext uri="{FF2B5EF4-FFF2-40B4-BE49-F238E27FC236}">
+                <a16:creationId xmlns:a16="http://schemas.microsoft.com/office/drawing/2014/main" id="{2090652F-147C-4A25-9EA3-8E36AEC4317F}"/>
+              </a:ext>
+            </a:extLst>
+          </p:cNvPr>
+          <p:cNvSpPr txBox="1"/>
+          <p:nvPr/>
+        </p:nvSpPr>
+        <p:spPr>
+          <a:xfrm>
+            <a:off x="701650" y="909545"/>
+            <a:ext cx="10329169" cy="4524315"/>
+          </a:xfrm>
+          <a:prstGeom prst="rect">
+            <a:avLst/>
+          </a:prstGeom>
+          <a:noFill/>
+        </p:spPr>
+        <p:txBody>
+          <a:bodyPr wrap="square">
+            <a:spAutoFit/>
+          </a:bodyPr>
+          <a:lstStyle>
+            <a:defPPr>
+              <a:defRPr lang="en-US"/>
+            </a:defPPr>
+          </a:lstStyle>
+          <a:p>
+            <a:endParaRPr lang="en-CA" dirty="0"/>
+          </a:p>
+          <a:p>
+            <a:pPr marL="285750" indent="-285750">
+              <a:buFont typeface="Wingdings" panose="05000000000000000000" pitchFamily="2" charset="2"/>
+              <a:buChar char="v"/>
+            </a:pPr>
+            <a:r>
+              <a:rPr lang="en-CA" dirty="0"/>
+              <a:t> </a:t>
+            </a:r>
+            <a:r>
+              <a:rPr lang="en-US" dirty="0"/>
+              <a:t> All letters in the English alphabet.</a:t>
+            </a:r>
+          </a:p>
+          <a:p>
+            <a:endParaRPr lang="en-US" dirty="0"/>
+          </a:p>
+          <a:p>
+            <a:pPr marL="285750" indent="-285750">
+              <a:buFont typeface="Wingdings" panose="05000000000000000000" pitchFamily="2" charset="2"/>
+              <a:buChar char="v"/>
+            </a:pPr>
+            <a:endParaRPr lang="en-US" dirty="0"/>
+          </a:p>
+          <a:p>
+            <a:pPr marL="285750" indent="-285750">
+              <a:buFont typeface="Wingdings" panose="05000000000000000000" pitchFamily="2" charset="2"/>
+              <a:buChar char="v"/>
+            </a:pPr>
+            <a:r>
+              <a:rPr lang="en-US" dirty="0"/>
+              <a:t> Usually used to form words, sentences, paragraphs …</a:t>
+            </a:r>
+          </a:p>
+          <a:p>
+            <a:pPr marL="285750" indent="-285750">
+              <a:buFont typeface="Wingdings" panose="05000000000000000000" pitchFamily="2" charset="2"/>
+              <a:buChar char="v"/>
+            </a:pPr>
+            <a:endParaRPr lang="en-US" dirty="0"/>
+          </a:p>
+          <a:p>
+            <a:r>
+              <a:rPr lang="en-US" dirty="0"/>
+              <a:t>	Ex. 1: “ Sammy and Seth are best friends”  : This sentence is also called a string</a:t>
+            </a:r>
+          </a:p>
+          <a:p>
+            <a:r>
+              <a:rPr lang="en-US" dirty="0"/>
+              <a:t>              </a:t>
+            </a:r>
+          </a:p>
+          <a:p>
+            <a:r>
+              <a:rPr lang="en-US" dirty="0"/>
+              <a:t>	 “Sammy”, “and”, “Seth”, “are”, “best”, “friends” are substrings</a:t>
+            </a:r>
+          </a:p>
+          <a:p>
+            <a:endParaRPr lang="en-US" dirty="0"/>
+          </a:p>
+          <a:p>
+            <a:endParaRPr lang="en-US" dirty="0"/>
+          </a:p>
+          <a:p>
+            <a:pPr marL="285750" indent="-285750">
+              <a:buFont typeface="Wingdings" panose="05000000000000000000" pitchFamily="2" charset="2"/>
+              <a:buChar char="v"/>
+            </a:pPr>
+            <a:r>
+              <a:rPr lang="en-US" dirty="0"/>
+              <a:t> All digits in the number system. :0, 1, 2,.., 9</a:t>
+            </a:r>
+          </a:p>
+          <a:p>
+            <a:endParaRPr lang="en-US" dirty="0"/>
+          </a:p>
+          <a:p>
+            <a:r>
+              <a:rPr lang="en-US" dirty="0"/>
+              <a:t>	Ex.2 : “2020-04-03”</a:t>
+            </a:r>
+            <a:endParaRPr lang="en-CA" dirty="0"/>
+          </a:p>
+          <a:p>
+            <a:endParaRPr lang="en-CA" dirty="0"/>
+          </a:p>
+          <a:p>
+            <a:r>
+              <a:rPr lang="en-CA" dirty="0"/>
+              <a:t>     </a:t>
+            </a:r>
+          </a:p>
+        </p:txBody>
+      </p:sp>
+    </p:spTree>
+    <p:extLst>
+      <p:ext uri="{BB962C8B-B14F-4D97-AF65-F5344CB8AC3E}">
+        <p14:creationId xmlns:p14="http://schemas.microsoft.com/office/powerpoint/2010/main" val="2537458178"/>
       </p:ext>
     </p:extLst>
   </p:cSld>
